--- a/UwpCamButton/Dokuments/Postup instalace aplikace.pptx
+++ b/UwpCamButton/Dokuments/Postup instalace aplikace.pptx
@@ -2,21 +2,22 @@
 <file path=ppt/presentation.xml><?xml version="1.0" encoding="utf-8"?>
 <p:presentation xmlns:a="http://schemas.openxmlformats.org/drawingml/2006/main" xmlns:r="http://schemas.openxmlformats.org/officeDocument/2006/relationships" xmlns:p="http://schemas.openxmlformats.org/presentationml/2006/main" saveSubsetFonts="1">
   <p:sldMasterIdLst>
-    <p:sldMasterId id="2147483648" r:id="rId1"/>
+    <p:sldMasterId id="2147483750" r:id="rId1"/>
   </p:sldMasterIdLst>
   <p:sldIdLst>
     <p:sldId id="256" r:id="rId2"/>
     <p:sldId id="257" r:id="rId3"/>
-    <p:sldId id="258" r:id="rId4"/>
-    <p:sldId id="259" r:id="rId5"/>
+    <p:sldId id="261" r:id="rId4"/>
+    <p:sldId id="258" r:id="rId5"/>
+    <p:sldId id="259" r:id="rId6"/>
   </p:sldIdLst>
   <p:sldSz cx="12192000" cy="6858000"/>
   <p:notesSz cx="6858000" cy="9144000"/>
   <p:defaultTextStyle>
     <a:defPPr>
-      <a:defRPr lang="cs-CZ"/>
+      <a:defRPr lang="en-US"/>
     </a:defPPr>
-    <a:lvl1pPr marL="0" algn="l" defTabSz="914400" rtl="0" eaLnBrk="1" latinLnBrk="0" hangingPunct="1">
+    <a:lvl1pPr marL="0" algn="l" defTabSz="457200" rtl="0" eaLnBrk="1" latinLnBrk="0" hangingPunct="1">
       <a:defRPr sz="1800" kern="1200">
         <a:solidFill>
           <a:schemeClr val="tx1"/>
@@ -26,7 +27,7 @@
         <a:cs typeface="+mn-cs"/>
       </a:defRPr>
     </a:lvl1pPr>
-    <a:lvl2pPr marL="457200" algn="l" defTabSz="914400" rtl="0" eaLnBrk="1" latinLnBrk="0" hangingPunct="1">
+    <a:lvl2pPr marL="457200" algn="l" defTabSz="457200" rtl="0" eaLnBrk="1" latinLnBrk="0" hangingPunct="1">
       <a:defRPr sz="1800" kern="1200">
         <a:solidFill>
           <a:schemeClr val="tx1"/>
@@ -36,7 +37,7 @@
         <a:cs typeface="+mn-cs"/>
       </a:defRPr>
     </a:lvl2pPr>
-    <a:lvl3pPr marL="914400" algn="l" defTabSz="914400" rtl="0" eaLnBrk="1" latinLnBrk="0" hangingPunct="1">
+    <a:lvl3pPr marL="914400" algn="l" defTabSz="457200" rtl="0" eaLnBrk="1" latinLnBrk="0" hangingPunct="1">
       <a:defRPr sz="1800" kern="1200">
         <a:solidFill>
           <a:schemeClr val="tx1"/>
@@ -46,7 +47,7 @@
         <a:cs typeface="+mn-cs"/>
       </a:defRPr>
     </a:lvl3pPr>
-    <a:lvl4pPr marL="1371600" algn="l" defTabSz="914400" rtl="0" eaLnBrk="1" latinLnBrk="0" hangingPunct="1">
+    <a:lvl4pPr marL="1371600" algn="l" defTabSz="457200" rtl="0" eaLnBrk="1" latinLnBrk="0" hangingPunct="1">
       <a:defRPr sz="1800" kern="1200">
         <a:solidFill>
           <a:schemeClr val="tx1"/>
@@ -56,7 +57,7 @@
         <a:cs typeface="+mn-cs"/>
       </a:defRPr>
     </a:lvl4pPr>
-    <a:lvl5pPr marL="1828800" algn="l" defTabSz="914400" rtl="0" eaLnBrk="1" latinLnBrk="0" hangingPunct="1">
+    <a:lvl5pPr marL="1828800" algn="l" defTabSz="457200" rtl="0" eaLnBrk="1" latinLnBrk="0" hangingPunct="1">
       <a:defRPr sz="1800" kern="1200">
         <a:solidFill>
           <a:schemeClr val="tx1"/>
@@ -66,7 +67,7 @@
         <a:cs typeface="+mn-cs"/>
       </a:defRPr>
     </a:lvl5pPr>
-    <a:lvl6pPr marL="2286000" algn="l" defTabSz="914400" rtl="0" eaLnBrk="1" latinLnBrk="0" hangingPunct="1">
+    <a:lvl6pPr marL="2286000" algn="l" defTabSz="457200" rtl="0" eaLnBrk="1" latinLnBrk="0" hangingPunct="1">
       <a:defRPr sz="1800" kern="1200">
         <a:solidFill>
           <a:schemeClr val="tx1"/>
@@ -76,7 +77,7 @@
         <a:cs typeface="+mn-cs"/>
       </a:defRPr>
     </a:lvl6pPr>
-    <a:lvl7pPr marL="2743200" algn="l" defTabSz="914400" rtl="0" eaLnBrk="1" latinLnBrk="0" hangingPunct="1">
+    <a:lvl7pPr marL="2743200" algn="l" defTabSz="457200" rtl="0" eaLnBrk="1" latinLnBrk="0" hangingPunct="1">
       <a:defRPr sz="1800" kern="1200">
         <a:solidFill>
           <a:schemeClr val="tx1"/>
@@ -86,7 +87,7 @@
         <a:cs typeface="+mn-cs"/>
       </a:defRPr>
     </a:lvl7pPr>
-    <a:lvl8pPr marL="3200400" algn="l" defTabSz="914400" rtl="0" eaLnBrk="1" latinLnBrk="0" hangingPunct="1">
+    <a:lvl8pPr marL="3200400" algn="l" defTabSz="457200" rtl="0" eaLnBrk="1" latinLnBrk="0" hangingPunct="1">
       <a:defRPr sz="1800" kern="1200">
         <a:solidFill>
           <a:schemeClr val="tx1"/>
@@ -96,7 +97,7 @@
         <a:cs typeface="+mn-cs"/>
       </a:defRPr>
     </a:lvl8pPr>
-    <a:lvl9pPr marL="3657600" algn="l" defTabSz="914400" rtl="0" eaLnBrk="1" latinLnBrk="0" hangingPunct="1">
+    <a:lvl9pPr marL="3657600" algn="l" defTabSz="457200" rtl="0" eaLnBrk="1" latinLnBrk="0" hangingPunct="1">
       <a:defRPr sz="1800" kern="1200">
         <a:solidFill>
           <a:schemeClr val="tx1"/>
@@ -107,12 +108,27 @@
       </a:defRPr>
     </a:lvl9pPr>
   </p:defaultTextStyle>
+  <p:extLst>
+    <p:ext uri="{EFAFB233-063F-42B5-8137-9DF3F51BA10A}">
+      <p15:sldGuideLst xmlns:p15="http://schemas.microsoft.com/office/powerpoint/2012/main"/>
+    </p:ext>
+  </p:extLst>
 </p:presentation>
 </file>
 
 <file path=ppt/slideLayouts/slideLayout1.xml><?xml version="1.0" encoding="utf-8"?>
-<p:sldLayout xmlns:a="http://schemas.openxmlformats.org/drawingml/2006/main" xmlns:r="http://schemas.openxmlformats.org/officeDocument/2006/relationships" xmlns:p="http://schemas.openxmlformats.org/presentationml/2006/main" type="title" preserve="1">
+<p:sldLayout xmlns:a="http://schemas.openxmlformats.org/drawingml/2006/main" xmlns:r="http://schemas.openxmlformats.org/officeDocument/2006/relationships" xmlns:p="http://schemas.openxmlformats.org/presentationml/2006/main" showMasterSp="0" type="title" preserve="1">
   <p:cSld name="Úvodní snímek">
+    <p:bg>
+      <p:bgPr>
+        <a:solidFill>
+          <a:schemeClr val="bg2">
+            <a:lumMod val="75000"/>
+          </a:schemeClr>
+        </a:solidFill>
+        <a:effectLst/>
+      </p:bgPr>
+    </p:bg>
     <p:spTree>
       <p:nvGrpSpPr>
         <p:cNvPr id="1" name=""/>
@@ -129,13 +145,7 @@
       </p:grpSpPr>
       <p:sp>
         <p:nvSpPr>
-          <p:cNvPr id="2" name="Nadpis 1">
-            <a:extLst>
-              <a:ext uri="{FF2B5EF4-FFF2-40B4-BE49-F238E27FC236}">
-                <a16:creationId xmlns:a16="http://schemas.microsoft.com/office/drawing/2014/main" id="{91BE14AE-8671-4EEB-92A6-46597F80AC66}"/>
-              </a:ext>
-            </a:extLst>
-          </p:cNvPr>
+          <p:cNvPr id="2" name="Title 1"/>
           <p:cNvSpPr>
             <a:spLocks noGrp="1"/>
           </p:cNvSpPr>
@@ -145,15 +155,24 @@
         </p:nvSpPr>
         <p:spPr>
           <a:xfrm>
-            <a:off x="1524000" y="1122363"/>
-            <a:ext cx="9144000" cy="2387600"/>
+            <a:off x="1261872" y="758952"/>
+            <a:ext cx="9418320" cy="4041648"/>
           </a:xfrm>
         </p:spPr>
         <p:txBody>
-          <a:bodyPr anchor="b"/>
+          <a:bodyPr anchor="b">
+            <a:normAutofit/>
+          </a:bodyPr>
           <a:lstStyle>
-            <a:lvl1pPr algn="ctr">
-              <a:defRPr sz="6000"/>
+            <a:lvl1pPr algn="l">
+              <a:lnSpc>
+                <a:spcPct val="85000"/>
+              </a:lnSpc>
+              <a:defRPr sz="7200" baseline="0">
+                <a:solidFill>
+                  <a:schemeClr val="tx1"/>
+                </a:solidFill>
+              </a:defRPr>
             </a:lvl1pPr>
           </a:lstStyle>
           <a:p>
@@ -161,18 +180,13 @@
               <a:rPr lang="cs-CZ"/>
               <a:t>Kliknutím lze upravit styl.</a:t>
             </a:r>
-          </a:p>
-        </p:txBody>
-      </p:sp>
-      <p:sp>
-        <p:nvSpPr>
-          <p:cNvPr id="3" name="Podnadpis 2">
-            <a:extLst>
-              <a:ext uri="{FF2B5EF4-FFF2-40B4-BE49-F238E27FC236}">
-                <a16:creationId xmlns:a16="http://schemas.microsoft.com/office/drawing/2014/main" id="{A029936A-4812-4B92-8DDD-F1392F621352}"/>
-              </a:ext>
-            </a:extLst>
-          </p:cNvPr>
+            <a:endParaRPr lang="en-US" dirty="0"/>
+          </a:p>
+        </p:txBody>
+      </p:sp>
+      <p:sp>
+        <p:nvSpPr>
+          <p:cNvPr id="3" name="Subtitle 2"/>
           <p:cNvSpPr>
             <a:spLocks noGrp="1"/>
           </p:cNvSpPr>
@@ -182,82 +196,95 @@
         </p:nvSpPr>
         <p:spPr>
           <a:xfrm>
-            <a:off x="1524000" y="3602038"/>
-            <a:ext cx="9144000" cy="1655762"/>
+            <a:off x="1261872" y="4800600"/>
+            <a:ext cx="9418320" cy="1691640"/>
           </a:xfrm>
         </p:spPr>
         <p:txBody>
+          <a:bodyPr>
+            <a:normAutofit/>
+          </a:bodyPr>
+          <a:lstStyle>
+            <a:lvl1pPr marL="0" indent="0" algn="l">
+              <a:buNone/>
+              <a:defRPr sz="2200" baseline="0">
+                <a:solidFill>
+                  <a:schemeClr val="tx1">
+                    <a:lumMod val="75000"/>
+                  </a:schemeClr>
+                </a:solidFill>
+              </a:defRPr>
+            </a:lvl1pPr>
+            <a:lvl2pPr marL="457200" indent="0" algn="ctr">
+              <a:buNone/>
+              <a:defRPr sz="2200"/>
+            </a:lvl2pPr>
+            <a:lvl3pPr marL="914400" indent="0" algn="ctr">
+              <a:buNone/>
+              <a:defRPr sz="2200"/>
+            </a:lvl3pPr>
+            <a:lvl4pPr marL="1371600" indent="0" algn="ctr">
+              <a:buNone/>
+              <a:defRPr sz="2000"/>
+            </a:lvl4pPr>
+            <a:lvl5pPr marL="1828800" indent="0" algn="ctr">
+              <a:buNone/>
+              <a:defRPr sz="2000"/>
+            </a:lvl5pPr>
+            <a:lvl6pPr marL="2286000" indent="0" algn="ctr">
+              <a:buNone/>
+              <a:defRPr sz="2000"/>
+            </a:lvl6pPr>
+            <a:lvl7pPr marL="2743200" indent="0" algn="ctr">
+              <a:buNone/>
+              <a:defRPr sz="2000"/>
+            </a:lvl7pPr>
+            <a:lvl8pPr marL="3200400" indent="0" algn="ctr">
+              <a:buNone/>
+              <a:defRPr sz="2000"/>
+            </a:lvl8pPr>
+            <a:lvl9pPr marL="3657600" indent="0" algn="ctr">
+              <a:buNone/>
+              <a:defRPr sz="2000"/>
+            </a:lvl9pPr>
+          </a:lstStyle>
+          <a:p>
+            <a:r>
+              <a:rPr lang="cs-CZ"/>
+              <a:t>Kliknutím můžete upravit styl předlohy.</a:t>
+            </a:r>
+            <a:endParaRPr lang="en-US" dirty="0"/>
+          </a:p>
+        </p:txBody>
+      </p:sp>
+      <p:sp>
+        <p:nvSpPr>
+          <p:cNvPr id="4" name="Date Placeholder 3"/>
+          <p:cNvSpPr>
+            <a:spLocks noGrp="1"/>
+          </p:cNvSpPr>
+          <p:nvPr>
+            <p:ph type="dt" sz="half" idx="10"/>
+          </p:nvPr>
+        </p:nvSpPr>
+        <p:spPr/>
+        <p:txBody>
           <a:bodyPr/>
           <a:lstStyle>
-            <a:lvl1pPr marL="0" indent="0" algn="ctr">
-              <a:buNone/>
-              <a:defRPr sz="2400"/>
+            <a:lvl1pPr>
+              <a:defRPr>
+                <a:solidFill>
+                  <a:schemeClr val="tx1">
+                    <a:lumMod val="50000"/>
+                  </a:schemeClr>
+                </a:solidFill>
+              </a:defRPr>
             </a:lvl1pPr>
-            <a:lvl2pPr marL="457200" indent="0" algn="ctr">
-              <a:buNone/>
-              <a:defRPr sz="2000"/>
-            </a:lvl2pPr>
-            <a:lvl3pPr marL="914400" indent="0" algn="ctr">
-              <a:buNone/>
-              <a:defRPr sz="1800"/>
-            </a:lvl3pPr>
-            <a:lvl4pPr marL="1371600" indent="0" algn="ctr">
-              <a:buNone/>
-              <a:defRPr sz="1600"/>
-            </a:lvl4pPr>
-            <a:lvl5pPr marL="1828800" indent="0" algn="ctr">
-              <a:buNone/>
-              <a:defRPr sz="1600"/>
-            </a:lvl5pPr>
-            <a:lvl6pPr marL="2286000" indent="0" algn="ctr">
-              <a:buNone/>
-              <a:defRPr sz="1600"/>
-            </a:lvl6pPr>
-            <a:lvl7pPr marL="2743200" indent="0" algn="ctr">
-              <a:buNone/>
-              <a:defRPr sz="1600"/>
-            </a:lvl7pPr>
-            <a:lvl8pPr marL="3200400" indent="0" algn="ctr">
-              <a:buNone/>
-              <a:defRPr sz="1600"/>
-            </a:lvl8pPr>
-            <a:lvl9pPr marL="3657600" indent="0" algn="ctr">
-              <a:buNone/>
-              <a:defRPr sz="1600"/>
-            </a:lvl9pPr>
           </a:lstStyle>
-          <a:p>
-            <a:r>
-              <a:rPr lang="cs-CZ"/>
-              <a:t>Kliknutím můžete upravit styl předlohy.</a:t>
-            </a:r>
-          </a:p>
-        </p:txBody>
-      </p:sp>
-      <p:sp>
-        <p:nvSpPr>
-          <p:cNvPr id="4" name="Zástupný symbol pro datum 3">
-            <a:extLst>
-              <a:ext uri="{FF2B5EF4-FFF2-40B4-BE49-F238E27FC236}">
-                <a16:creationId xmlns:a16="http://schemas.microsoft.com/office/drawing/2014/main" id="{3900E2D6-2C50-402D-A4A9-3203C207AD0C}"/>
-              </a:ext>
-            </a:extLst>
-          </p:cNvPr>
-          <p:cNvSpPr>
-            <a:spLocks noGrp="1"/>
-          </p:cNvSpPr>
-          <p:nvPr>
-            <p:ph type="dt" sz="half" idx="10"/>
-          </p:nvPr>
-        </p:nvSpPr>
-        <p:spPr/>
-        <p:txBody>
-          <a:bodyPr/>
-          <a:lstStyle/>
           <a:p>
             <a:fld id="{96F23511-F718-4647-81BE-81E96D2F5500}" type="datetimeFigureOut">
               <a:rPr lang="cs-CZ" smtClean="0"/>
-              <a:t>14. 6. 2020</a:t>
+              <a:t>02.05.2021</a:t>
             </a:fld>
             <a:endParaRPr lang="cs-CZ"/>
           </a:p>
@@ -265,13 +292,7 @@
       </p:sp>
       <p:sp>
         <p:nvSpPr>
-          <p:cNvPr id="5" name="Zástupný symbol pro zápatí 4">
-            <a:extLst>
-              <a:ext uri="{FF2B5EF4-FFF2-40B4-BE49-F238E27FC236}">
-                <a16:creationId xmlns:a16="http://schemas.microsoft.com/office/drawing/2014/main" id="{B8E43071-619B-41D1-B702-D30DEB404D34}"/>
-              </a:ext>
-            </a:extLst>
-          </p:cNvPr>
+          <p:cNvPr id="5" name="Footer Placeholder 4"/>
           <p:cNvSpPr>
             <a:spLocks noGrp="1"/>
           </p:cNvSpPr>
@@ -282,7 +303,17 @@
         <p:spPr/>
         <p:txBody>
           <a:bodyPr/>
-          <a:lstStyle/>
+          <a:lstStyle>
+            <a:lvl1pPr>
+              <a:defRPr>
+                <a:solidFill>
+                  <a:schemeClr val="tx1">
+                    <a:lumMod val="65000"/>
+                  </a:schemeClr>
+                </a:solidFill>
+              </a:defRPr>
+            </a:lvl1pPr>
+          </a:lstStyle>
           <a:p>
             <a:endParaRPr lang="cs-CZ"/>
           </a:p>
@@ -290,13 +321,7 @@
       </p:sp>
       <p:sp>
         <p:nvSpPr>
-          <p:cNvPr id="6" name="Zástupný symbol pro číslo snímku 5">
-            <a:extLst>
-              <a:ext uri="{FF2B5EF4-FFF2-40B4-BE49-F238E27FC236}">
-                <a16:creationId xmlns:a16="http://schemas.microsoft.com/office/drawing/2014/main" id="{033D2CFC-F681-4400-B19A-45E9ACA849D6}"/>
-              </a:ext>
-            </a:extLst>
-          </p:cNvPr>
+          <p:cNvPr id="6" name="Slide Number Placeholder 5"/>
           <p:cNvSpPr>
             <a:spLocks noGrp="1"/>
           </p:cNvSpPr>
@@ -307,7 +332,17 @@
         <p:spPr/>
         <p:txBody>
           <a:bodyPr/>
-          <a:lstStyle/>
+          <a:lstStyle>
+            <a:lvl1pPr>
+              <a:defRPr>
+                <a:solidFill>
+                  <a:schemeClr val="tx1">
+                    <a:lumMod val="65000"/>
+                  </a:schemeClr>
+                </a:solidFill>
+              </a:defRPr>
+            </a:lvl1pPr>
+          </a:lstStyle>
           <a:p>
             <a:fld id="{32A6E1A9-E8C0-4372-994E-B22AEAE75115}" type="slidenum">
               <a:rPr lang="cs-CZ" smtClean="0"/>
@@ -317,15 +352,53 @@
           </a:p>
         </p:txBody>
       </p:sp>
+      <p:sp>
+        <p:nvSpPr>
+          <p:cNvPr id="7" name="Rectangle 6"/>
+          <p:cNvSpPr/>
+          <p:nvPr/>
+        </p:nvSpPr>
+        <p:spPr>
+          <a:xfrm>
+            <a:off x="0" y="0"/>
+            <a:ext cx="457200" cy="6858000"/>
+          </a:xfrm>
+          <a:prstGeom prst="rect">
+            <a:avLst/>
+          </a:prstGeom>
+          <a:solidFill>
+            <a:schemeClr val="accent1"/>
+          </a:solidFill>
+          <a:ln>
+            <a:noFill/>
+          </a:ln>
+        </p:spPr>
+        <p:style>
+          <a:lnRef idx="2">
+            <a:schemeClr val="accent1">
+              <a:shade val="50000"/>
+            </a:schemeClr>
+          </a:lnRef>
+          <a:fillRef idx="1">
+            <a:schemeClr val="accent1"/>
+          </a:fillRef>
+          <a:effectRef idx="0">
+            <a:schemeClr val="accent1"/>
+          </a:effectRef>
+          <a:fontRef idx="minor">
+            <a:schemeClr val="lt1"/>
+          </a:fontRef>
+        </p:style>
+      </p:sp>
     </p:spTree>
     <p:extLst>
       <p:ext uri="{BB962C8B-B14F-4D97-AF65-F5344CB8AC3E}">
-        <p14:creationId xmlns:p14="http://schemas.microsoft.com/office/powerpoint/2010/main" val="4203290314"/>
+        <p14:creationId xmlns:p14="http://schemas.microsoft.com/office/powerpoint/2010/main" val="2628715054"/>
       </p:ext>
     </p:extLst>
   </p:cSld>
   <p:clrMapOvr>
-    <a:masterClrMapping/>
+    <a:overrideClrMapping bg1="dk1" tx1="lt1" bg2="dk2" tx2="lt2" accent1="accent1" accent2="accent2" accent3="accent3" accent4="accent4" accent5="accent5" accent6="accent6" hlink="hlink" folHlink="folHlink"/>
   </p:clrMapOvr>
 </p:sldLayout>
 </file>
@@ -349,13 +422,7 @@
       </p:grpSpPr>
       <p:sp>
         <p:nvSpPr>
-          <p:cNvPr id="2" name="Nadpis 1">
-            <a:extLst>
-              <a:ext uri="{FF2B5EF4-FFF2-40B4-BE49-F238E27FC236}">
-                <a16:creationId xmlns:a16="http://schemas.microsoft.com/office/drawing/2014/main" id="{A4DCE311-9516-4EEC-997B-7ADDCB4C6B61}"/>
-              </a:ext>
-            </a:extLst>
-          </p:cNvPr>
+          <p:cNvPr id="2" name="Title 1"/>
           <p:cNvSpPr>
             <a:spLocks noGrp="1"/>
           </p:cNvSpPr>
@@ -372,18 +439,13 @@
               <a:rPr lang="cs-CZ"/>
               <a:t>Kliknutím lze upravit styl.</a:t>
             </a:r>
-          </a:p>
-        </p:txBody>
-      </p:sp>
-      <p:sp>
-        <p:nvSpPr>
-          <p:cNvPr id="3" name="Zástupný symbol pro svislý text 2">
-            <a:extLst>
-              <a:ext uri="{FF2B5EF4-FFF2-40B4-BE49-F238E27FC236}">
-                <a16:creationId xmlns:a16="http://schemas.microsoft.com/office/drawing/2014/main" id="{23969946-2525-4AF1-BEDE-3A19537FBDD4}"/>
-              </a:ext>
-            </a:extLst>
-          </p:cNvPr>
+            <a:endParaRPr lang="en-US" dirty="0"/>
+          </a:p>
+        </p:txBody>
+      </p:sp>
+      <p:sp>
+        <p:nvSpPr>
+          <p:cNvPr id="3" name="Vertical Text Placeholder 2"/>
           <p:cNvSpPr>
             <a:spLocks noGrp="1"/>
           </p:cNvSpPr>
@@ -429,18 +491,13 @@
               <a:rPr lang="cs-CZ"/>
               <a:t>Pátá úroveň</a:t>
             </a:r>
-          </a:p>
-        </p:txBody>
-      </p:sp>
-      <p:sp>
-        <p:nvSpPr>
-          <p:cNvPr id="4" name="Zástupný symbol pro datum 3">
-            <a:extLst>
-              <a:ext uri="{FF2B5EF4-FFF2-40B4-BE49-F238E27FC236}">
-                <a16:creationId xmlns:a16="http://schemas.microsoft.com/office/drawing/2014/main" id="{95BC3E3A-F3D5-47C5-AC82-A307CDB1721D}"/>
-              </a:ext>
-            </a:extLst>
-          </p:cNvPr>
+            <a:endParaRPr lang="en-US" dirty="0"/>
+          </a:p>
+        </p:txBody>
+      </p:sp>
+      <p:sp>
+        <p:nvSpPr>
+          <p:cNvPr id="4" name="Date Placeholder 3"/>
           <p:cNvSpPr>
             <a:spLocks noGrp="1"/>
           </p:cNvSpPr>
@@ -455,7 +512,7 @@
           <a:p>
             <a:fld id="{96F23511-F718-4647-81BE-81E96D2F5500}" type="datetimeFigureOut">
               <a:rPr lang="cs-CZ" smtClean="0"/>
-              <a:t>14. 6. 2020</a:t>
+              <a:t>02.05.2021</a:t>
             </a:fld>
             <a:endParaRPr lang="cs-CZ"/>
           </a:p>
@@ -463,13 +520,7 @@
       </p:sp>
       <p:sp>
         <p:nvSpPr>
-          <p:cNvPr id="5" name="Zástupný symbol pro zápatí 4">
-            <a:extLst>
-              <a:ext uri="{FF2B5EF4-FFF2-40B4-BE49-F238E27FC236}">
-                <a16:creationId xmlns:a16="http://schemas.microsoft.com/office/drawing/2014/main" id="{D8497667-8691-4567-8AD8-2709D3F65E91}"/>
-              </a:ext>
-            </a:extLst>
-          </p:cNvPr>
+          <p:cNvPr id="5" name="Footer Placeholder 4"/>
           <p:cNvSpPr>
             <a:spLocks noGrp="1"/>
           </p:cNvSpPr>
@@ -488,13 +539,7 @@
       </p:sp>
       <p:sp>
         <p:nvSpPr>
-          <p:cNvPr id="6" name="Zástupný symbol pro číslo snímku 5">
-            <a:extLst>
-              <a:ext uri="{FF2B5EF4-FFF2-40B4-BE49-F238E27FC236}">
-                <a16:creationId xmlns:a16="http://schemas.microsoft.com/office/drawing/2014/main" id="{61236E82-5BF9-4F55-99A4-35BF385D161C}"/>
-              </a:ext>
-            </a:extLst>
-          </p:cNvPr>
+          <p:cNvPr id="6" name="Slide Number Placeholder 5"/>
           <p:cNvSpPr>
             <a:spLocks noGrp="1"/>
           </p:cNvSpPr>
@@ -518,7 +563,7 @@
     </p:spTree>
     <p:extLst>
       <p:ext uri="{BB962C8B-B14F-4D97-AF65-F5344CB8AC3E}">
-        <p14:creationId xmlns:p14="http://schemas.microsoft.com/office/powerpoint/2010/main" val="2927630630"/>
+        <p14:creationId xmlns:p14="http://schemas.microsoft.com/office/powerpoint/2010/main" val="1629265223"/>
       </p:ext>
     </p:extLst>
   </p:cSld>
@@ -547,13 +592,7 @@
       </p:grpSpPr>
       <p:sp>
         <p:nvSpPr>
-          <p:cNvPr id="2" name="Svislý nadpis 1">
-            <a:extLst>
-              <a:ext uri="{FF2B5EF4-FFF2-40B4-BE49-F238E27FC236}">
-                <a16:creationId xmlns:a16="http://schemas.microsoft.com/office/drawing/2014/main" id="{222C47C5-2FDA-468A-AA7D-89E9B65695D9}"/>
-              </a:ext>
-            </a:extLst>
-          </p:cNvPr>
+          <p:cNvPr id="2" name="Vertical Title 1"/>
           <p:cNvSpPr>
             <a:spLocks noGrp="1"/>
           </p:cNvSpPr>
@@ -563,8 +602,8 @@
         </p:nvSpPr>
         <p:spPr>
           <a:xfrm>
-            <a:off x="8724900" y="365125"/>
-            <a:ext cx="2628900" cy="5811838"/>
+            <a:off x="8648700" y="381000"/>
+            <a:ext cx="2476500" cy="5897562"/>
           </a:xfrm>
         </p:spPr>
         <p:txBody>
@@ -575,18 +614,13 @@
               <a:rPr lang="cs-CZ"/>
               <a:t>Kliknutím lze upravit styl.</a:t>
             </a:r>
-          </a:p>
-        </p:txBody>
-      </p:sp>
-      <p:sp>
-        <p:nvSpPr>
-          <p:cNvPr id="3" name="Zástupný symbol pro svislý text 2">
-            <a:extLst>
-              <a:ext uri="{FF2B5EF4-FFF2-40B4-BE49-F238E27FC236}">
-                <a16:creationId xmlns:a16="http://schemas.microsoft.com/office/drawing/2014/main" id="{2CAF4093-E0DB-4CCF-9517-B2286AAEB8A4}"/>
-              </a:ext>
-            </a:extLst>
-          </p:cNvPr>
+            <a:endParaRPr lang="en-US" dirty="0"/>
+          </a:p>
+        </p:txBody>
+      </p:sp>
+      <p:sp>
+        <p:nvSpPr>
+          <p:cNvPr id="3" name="Vertical Text Placeholder 2"/>
           <p:cNvSpPr>
             <a:spLocks noGrp="1"/>
           </p:cNvSpPr>
@@ -596,8 +630,8 @@
         </p:nvSpPr>
         <p:spPr>
           <a:xfrm>
-            <a:off x="838200" y="365125"/>
-            <a:ext cx="7734300" cy="5811838"/>
+            <a:off x="762000" y="381000"/>
+            <a:ext cx="7734300" cy="5897562"/>
           </a:xfrm>
         </p:spPr>
         <p:txBody>
@@ -637,18 +671,13 @@
               <a:rPr lang="cs-CZ"/>
               <a:t>Pátá úroveň</a:t>
             </a:r>
-          </a:p>
-        </p:txBody>
-      </p:sp>
-      <p:sp>
-        <p:nvSpPr>
-          <p:cNvPr id="4" name="Zástupný symbol pro datum 3">
-            <a:extLst>
-              <a:ext uri="{FF2B5EF4-FFF2-40B4-BE49-F238E27FC236}">
-                <a16:creationId xmlns:a16="http://schemas.microsoft.com/office/drawing/2014/main" id="{5E3B661F-3BD1-41CF-AF6E-FDF523E5FF96}"/>
-              </a:ext>
-            </a:extLst>
-          </p:cNvPr>
+            <a:endParaRPr lang="en-US" dirty="0"/>
+          </a:p>
+        </p:txBody>
+      </p:sp>
+      <p:sp>
+        <p:nvSpPr>
+          <p:cNvPr id="4" name="Date Placeholder 3"/>
           <p:cNvSpPr>
             <a:spLocks noGrp="1"/>
           </p:cNvSpPr>
@@ -663,7 +692,7 @@
           <a:p>
             <a:fld id="{96F23511-F718-4647-81BE-81E96D2F5500}" type="datetimeFigureOut">
               <a:rPr lang="cs-CZ" smtClean="0"/>
-              <a:t>14. 6. 2020</a:t>
+              <a:t>02.05.2021</a:t>
             </a:fld>
             <a:endParaRPr lang="cs-CZ"/>
           </a:p>
@@ -671,13 +700,7 @@
       </p:sp>
       <p:sp>
         <p:nvSpPr>
-          <p:cNvPr id="5" name="Zástupný symbol pro zápatí 4">
-            <a:extLst>
-              <a:ext uri="{FF2B5EF4-FFF2-40B4-BE49-F238E27FC236}">
-                <a16:creationId xmlns:a16="http://schemas.microsoft.com/office/drawing/2014/main" id="{EFFC3C3C-B14B-4839-89AB-F605027B1A6B}"/>
-              </a:ext>
-            </a:extLst>
-          </p:cNvPr>
+          <p:cNvPr id="5" name="Footer Placeholder 4"/>
           <p:cNvSpPr>
             <a:spLocks noGrp="1"/>
           </p:cNvSpPr>
@@ -696,13 +719,7 @@
       </p:sp>
       <p:sp>
         <p:nvSpPr>
-          <p:cNvPr id="6" name="Zástupný symbol pro číslo snímku 5">
-            <a:extLst>
-              <a:ext uri="{FF2B5EF4-FFF2-40B4-BE49-F238E27FC236}">
-                <a16:creationId xmlns:a16="http://schemas.microsoft.com/office/drawing/2014/main" id="{27793E21-4878-4B6B-ACA9-E6BE73B0940C}"/>
-              </a:ext>
-            </a:extLst>
-          </p:cNvPr>
+          <p:cNvPr id="6" name="Slide Number Placeholder 5"/>
           <p:cNvSpPr>
             <a:spLocks noGrp="1"/>
           </p:cNvSpPr>
@@ -726,7 +743,7 @@
     </p:spTree>
     <p:extLst>
       <p:ext uri="{BB962C8B-B14F-4D97-AF65-F5344CB8AC3E}">
-        <p14:creationId xmlns:p14="http://schemas.microsoft.com/office/powerpoint/2010/main" val="218981625"/>
+        <p14:creationId xmlns:p14="http://schemas.microsoft.com/office/powerpoint/2010/main" val="750617055"/>
       </p:ext>
     </p:extLst>
   </p:cSld>
@@ -738,7 +755,7 @@
 
 <file path=ppt/slideLayouts/slideLayout2.xml><?xml version="1.0" encoding="utf-8"?>
 <p:sldLayout xmlns:a="http://schemas.openxmlformats.org/drawingml/2006/main" xmlns:r="http://schemas.openxmlformats.org/officeDocument/2006/relationships" xmlns:p="http://schemas.openxmlformats.org/presentationml/2006/main" type="obj" preserve="1">
-  <p:cSld name="Nadpis a obsah">
+  <p:cSld name="Title and Content">
     <p:spTree>
       <p:nvGrpSpPr>
         <p:cNvPr id="1" name=""/>
@@ -755,13 +772,7 @@
       </p:grpSpPr>
       <p:sp>
         <p:nvSpPr>
-          <p:cNvPr id="2" name="Nadpis 1">
-            <a:extLst>
-              <a:ext uri="{FF2B5EF4-FFF2-40B4-BE49-F238E27FC236}">
-                <a16:creationId xmlns:a16="http://schemas.microsoft.com/office/drawing/2014/main" id="{2369A3C3-00F8-4A7E-999E-488FDDEAAFE7}"/>
-              </a:ext>
-            </a:extLst>
-          </p:cNvPr>
+          <p:cNvPr id="2" name="Title 1"/>
           <p:cNvSpPr>
             <a:spLocks noGrp="1"/>
           </p:cNvSpPr>
@@ -778,18 +789,13 @@
               <a:rPr lang="cs-CZ"/>
               <a:t>Kliknutím lze upravit styl.</a:t>
             </a:r>
-          </a:p>
-        </p:txBody>
-      </p:sp>
-      <p:sp>
-        <p:nvSpPr>
-          <p:cNvPr id="3" name="Zástupný obsah 2">
-            <a:extLst>
-              <a:ext uri="{FF2B5EF4-FFF2-40B4-BE49-F238E27FC236}">
-                <a16:creationId xmlns:a16="http://schemas.microsoft.com/office/drawing/2014/main" id="{939E85C3-2E7B-4615-9154-37112E0EB2F9}"/>
-              </a:ext>
-            </a:extLst>
-          </p:cNvPr>
+            <a:endParaRPr lang="en-US" dirty="0"/>
+          </a:p>
+        </p:txBody>
+      </p:sp>
+      <p:sp>
+        <p:nvSpPr>
+          <p:cNvPr id="3" name="Content Placeholder 2"/>
           <p:cNvSpPr>
             <a:spLocks noGrp="1"/>
           </p:cNvSpPr>
@@ -835,18 +841,13 @@
               <a:rPr lang="cs-CZ"/>
               <a:t>Pátá úroveň</a:t>
             </a:r>
-          </a:p>
-        </p:txBody>
-      </p:sp>
-      <p:sp>
-        <p:nvSpPr>
-          <p:cNvPr id="4" name="Zástupný symbol pro datum 3">
-            <a:extLst>
-              <a:ext uri="{FF2B5EF4-FFF2-40B4-BE49-F238E27FC236}">
-                <a16:creationId xmlns:a16="http://schemas.microsoft.com/office/drawing/2014/main" id="{F8EE568A-D97C-43A8-A7DE-83988DB9AD0A}"/>
-              </a:ext>
-            </a:extLst>
-          </p:cNvPr>
+            <a:endParaRPr lang="en-US" dirty="0"/>
+          </a:p>
+        </p:txBody>
+      </p:sp>
+      <p:sp>
+        <p:nvSpPr>
+          <p:cNvPr id="4" name="Date Placeholder 3"/>
           <p:cNvSpPr>
             <a:spLocks noGrp="1"/>
           </p:cNvSpPr>
@@ -861,7 +862,7 @@
           <a:p>
             <a:fld id="{96F23511-F718-4647-81BE-81E96D2F5500}" type="datetimeFigureOut">
               <a:rPr lang="cs-CZ" smtClean="0"/>
-              <a:t>14. 6. 2020</a:t>
+              <a:t>02.05.2021</a:t>
             </a:fld>
             <a:endParaRPr lang="cs-CZ"/>
           </a:p>
@@ -869,13 +870,7 @@
       </p:sp>
       <p:sp>
         <p:nvSpPr>
-          <p:cNvPr id="5" name="Zástupný symbol pro zápatí 4">
-            <a:extLst>
-              <a:ext uri="{FF2B5EF4-FFF2-40B4-BE49-F238E27FC236}">
-                <a16:creationId xmlns:a16="http://schemas.microsoft.com/office/drawing/2014/main" id="{44E41577-5DB4-4690-9689-68AF33B020D3}"/>
-              </a:ext>
-            </a:extLst>
-          </p:cNvPr>
+          <p:cNvPr id="5" name="Footer Placeholder 4"/>
           <p:cNvSpPr>
             <a:spLocks noGrp="1"/>
           </p:cNvSpPr>
@@ -894,13 +889,7 @@
       </p:sp>
       <p:sp>
         <p:nvSpPr>
-          <p:cNvPr id="6" name="Zástupný symbol pro číslo snímku 5">
-            <a:extLst>
-              <a:ext uri="{FF2B5EF4-FFF2-40B4-BE49-F238E27FC236}">
-                <a16:creationId xmlns:a16="http://schemas.microsoft.com/office/drawing/2014/main" id="{1D440739-C483-4156-A14D-26522ED4DC27}"/>
-              </a:ext>
-            </a:extLst>
-          </p:cNvPr>
+          <p:cNvPr id="6" name="Slide Number Placeholder 5"/>
           <p:cNvSpPr>
             <a:spLocks noGrp="1"/>
           </p:cNvSpPr>
@@ -924,7 +913,7 @@
     </p:spTree>
     <p:extLst>
       <p:ext uri="{BB962C8B-B14F-4D97-AF65-F5344CB8AC3E}">
-        <p14:creationId xmlns:p14="http://schemas.microsoft.com/office/powerpoint/2010/main" val="3943031814"/>
+        <p14:creationId xmlns:p14="http://schemas.microsoft.com/office/powerpoint/2010/main" val="2711371014"/>
       </p:ext>
     </p:extLst>
   </p:cSld>
@@ -953,13 +942,7 @@
       </p:grpSpPr>
       <p:sp>
         <p:nvSpPr>
-          <p:cNvPr id="2" name="Nadpis 1">
-            <a:extLst>
-              <a:ext uri="{FF2B5EF4-FFF2-40B4-BE49-F238E27FC236}">
-                <a16:creationId xmlns:a16="http://schemas.microsoft.com/office/drawing/2014/main" id="{8BE33BBF-C363-4B18-B24D-177FE059EF45}"/>
-              </a:ext>
-            </a:extLst>
-          </p:cNvPr>
+          <p:cNvPr id="2" name="Title 1"/>
           <p:cNvSpPr>
             <a:spLocks noGrp="1"/>
           </p:cNvSpPr>
@@ -969,15 +952,20 @@
         </p:nvSpPr>
         <p:spPr>
           <a:xfrm>
-            <a:off x="831850" y="1709738"/>
-            <a:ext cx="10515600" cy="2852737"/>
+            <a:off x="1261872" y="758952"/>
+            <a:ext cx="9418320" cy="4041648"/>
           </a:xfrm>
         </p:spPr>
         <p:txBody>
-          <a:bodyPr anchor="b"/>
+          <a:bodyPr anchor="b">
+            <a:normAutofit/>
+          </a:bodyPr>
           <a:lstStyle>
             <a:lvl1pPr>
-              <a:defRPr sz="6000"/>
+              <a:lnSpc>
+                <a:spcPct val="85000"/>
+              </a:lnSpc>
+              <a:defRPr sz="7200" b="0"/>
             </a:lvl1pPr>
           </a:lstStyle>
           <a:p>
@@ -985,18 +973,13 @@
               <a:rPr lang="cs-CZ"/>
               <a:t>Kliknutím lze upravit styl.</a:t>
             </a:r>
-          </a:p>
-        </p:txBody>
-      </p:sp>
-      <p:sp>
-        <p:nvSpPr>
-          <p:cNvPr id="3" name="Zástupný text 2">
-            <a:extLst>
-              <a:ext uri="{FF2B5EF4-FFF2-40B4-BE49-F238E27FC236}">
-                <a16:creationId xmlns:a16="http://schemas.microsoft.com/office/drawing/2014/main" id="{7A36C650-3D68-47BB-8BCA-482C067F638D}"/>
-              </a:ext>
-            </a:extLst>
-          </p:cNvPr>
+            <a:endParaRPr lang="en-US" dirty="0"/>
+          </a:p>
+        </p:txBody>
+      </p:sp>
+      <p:sp>
+        <p:nvSpPr>
+          <p:cNvPr id="3" name="Text Placeholder 2"/>
           <p:cNvSpPr>
             <a:spLocks noGrp="1"/>
           </p:cNvSpPr>
@@ -1006,26 +989,29 @@
         </p:nvSpPr>
         <p:spPr>
           <a:xfrm>
-            <a:off x="831850" y="4589463"/>
-            <a:ext cx="10515600" cy="1500187"/>
+            <a:off x="1261872" y="4800600"/>
+            <a:ext cx="9418320" cy="1691640"/>
           </a:xfrm>
         </p:spPr>
         <p:txBody>
-          <a:bodyPr/>
+          <a:bodyPr anchor="t">
+            <a:normAutofit/>
+          </a:bodyPr>
           <a:lstStyle>
             <a:lvl1pPr marL="0" indent="0">
               <a:buNone/>
-              <a:defRPr sz="2400">
+              <a:defRPr sz="2200">
                 <a:solidFill>
                   <a:schemeClr val="tx1">
-                    <a:tint val="75000"/>
+                    <a:lumMod val="65000"/>
+                    <a:lumOff val="35000"/>
                   </a:schemeClr>
                 </a:solidFill>
               </a:defRPr>
             </a:lvl1pPr>
             <a:lvl2pPr marL="457200" indent="0">
               <a:buNone/>
-              <a:defRPr sz="2000">
+              <a:defRPr sz="1800">
                 <a:solidFill>
                   <a:schemeClr val="tx1">
                     <a:tint val="75000"/>
@@ -1035,7 +1021,7 @@
             </a:lvl2pPr>
             <a:lvl3pPr marL="914400" indent="0">
               <a:buNone/>
-              <a:defRPr sz="1800">
+              <a:defRPr sz="1600">
                 <a:solidFill>
                   <a:schemeClr val="tx1">
                     <a:tint val="75000"/>
@@ -1045,7 +1031,7 @@
             </a:lvl3pPr>
             <a:lvl4pPr marL="1371600" indent="0">
               <a:buNone/>
-              <a:defRPr sz="1600">
+              <a:defRPr sz="1400">
                 <a:solidFill>
                   <a:schemeClr val="tx1">
                     <a:tint val="75000"/>
@@ -1055,7 +1041,7 @@
             </a:lvl4pPr>
             <a:lvl5pPr marL="1828800" indent="0">
               <a:buNone/>
-              <a:defRPr sz="1600">
+              <a:defRPr sz="1400">
                 <a:solidFill>
                   <a:schemeClr val="tx1">
                     <a:tint val="75000"/>
@@ -1065,7 +1051,7 @@
             </a:lvl5pPr>
             <a:lvl6pPr marL="2286000" indent="0">
               <a:buNone/>
-              <a:defRPr sz="1600">
+              <a:defRPr sz="1400">
                 <a:solidFill>
                   <a:schemeClr val="tx1">
                     <a:tint val="75000"/>
@@ -1075,7 +1061,7 @@
             </a:lvl6pPr>
             <a:lvl7pPr marL="2743200" indent="0">
               <a:buNone/>
-              <a:defRPr sz="1600">
+              <a:defRPr sz="1400">
                 <a:solidFill>
                   <a:schemeClr val="tx1">
                     <a:tint val="75000"/>
@@ -1085,7 +1071,7 @@
             </a:lvl7pPr>
             <a:lvl8pPr marL="3200400" indent="0">
               <a:buNone/>
-              <a:defRPr sz="1600">
+              <a:defRPr sz="1400">
                 <a:solidFill>
                   <a:schemeClr val="tx1">
                     <a:tint val="75000"/>
@@ -1095,7 +1081,7 @@
             </a:lvl8pPr>
             <a:lvl9pPr marL="3657600" indent="0">
               <a:buNone/>
-              <a:defRPr sz="1600">
+              <a:defRPr sz="1400">
                 <a:solidFill>
                   <a:schemeClr val="tx1">
                     <a:tint val="75000"/>
@@ -1115,13 +1101,7 @@
       </p:sp>
       <p:sp>
         <p:nvSpPr>
-          <p:cNvPr id="4" name="Zástupný symbol pro datum 3">
-            <a:extLst>
-              <a:ext uri="{FF2B5EF4-FFF2-40B4-BE49-F238E27FC236}">
-                <a16:creationId xmlns:a16="http://schemas.microsoft.com/office/drawing/2014/main" id="{19C065B3-FA99-4BA2-83F0-929A9800FF29}"/>
-              </a:ext>
-            </a:extLst>
-          </p:cNvPr>
+          <p:cNvPr id="4" name="Date Placeholder 3"/>
           <p:cNvSpPr>
             <a:spLocks noGrp="1"/>
           </p:cNvSpPr>
@@ -1136,7 +1116,7 @@
           <a:p>
             <a:fld id="{96F23511-F718-4647-81BE-81E96D2F5500}" type="datetimeFigureOut">
               <a:rPr lang="cs-CZ" smtClean="0"/>
-              <a:t>14. 6. 2020</a:t>
+              <a:t>02.05.2021</a:t>
             </a:fld>
             <a:endParaRPr lang="cs-CZ"/>
           </a:p>
@@ -1144,13 +1124,7 @@
       </p:sp>
       <p:sp>
         <p:nvSpPr>
-          <p:cNvPr id="5" name="Zástupný symbol pro zápatí 4">
-            <a:extLst>
-              <a:ext uri="{FF2B5EF4-FFF2-40B4-BE49-F238E27FC236}">
-                <a16:creationId xmlns:a16="http://schemas.microsoft.com/office/drawing/2014/main" id="{5E556B14-5F2D-4F16-9639-8BAA7A17146E}"/>
-              </a:ext>
-            </a:extLst>
-          </p:cNvPr>
+          <p:cNvPr id="5" name="Footer Placeholder 4"/>
           <p:cNvSpPr>
             <a:spLocks noGrp="1"/>
           </p:cNvSpPr>
@@ -1169,13 +1143,7 @@
       </p:sp>
       <p:sp>
         <p:nvSpPr>
-          <p:cNvPr id="6" name="Zástupný symbol pro číslo snímku 5">
-            <a:extLst>
-              <a:ext uri="{FF2B5EF4-FFF2-40B4-BE49-F238E27FC236}">
-                <a16:creationId xmlns:a16="http://schemas.microsoft.com/office/drawing/2014/main" id="{09BAB1DB-5DB6-4807-842E-BCA7C752A69E}"/>
-              </a:ext>
-            </a:extLst>
-          </p:cNvPr>
+          <p:cNvPr id="6" name="Slide Number Placeholder 5"/>
           <p:cNvSpPr>
             <a:spLocks noGrp="1"/>
           </p:cNvSpPr>
@@ -1196,10 +1164,48 @@
           </a:p>
         </p:txBody>
       </p:sp>
+      <p:sp>
+        <p:nvSpPr>
+          <p:cNvPr id="7" name="Rectangle 6"/>
+          <p:cNvSpPr/>
+          <p:nvPr/>
+        </p:nvSpPr>
+        <p:spPr>
+          <a:xfrm>
+            <a:off x="0" y="0"/>
+            <a:ext cx="457200" cy="6858000"/>
+          </a:xfrm>
+          <a:prstGeom prst="rect">
+            <a:avLst/>
+          </a:prstGeom>
+          <a:solidFill>
+            <a:schemeClr val="accent1"/>
+          </a:solidFill>
+          <a:ln>
+            <a:noFill/>
+          </a:ln>
+        </p:spPr>
+        <p:style>
+          <a:lnRef idx="2">
+            <a:schemeClr val="accent1">
+              <a:shade val="50000"/>
+            </a:schemeClr>
+          </a:lnRef>
+          <a:fillRef idx="1">
+            <a:schemeClr val="accent1"/>
+          </a:fillRef>
+          <a:effectRef idx="0">
+            <a:schemeClr val="accent1"/>
+          </a:effectRef>
+          <a:fontRef idx="minor">
+            <a:schemeClr val="lt1"/>
+          </a:fontRef>
+        </p:style>
+      </p:sp>
     </p:spTree>
     <p:extLst>
       <p:ext uri="{BB962C8B-B14F-4D97-AF65-F5344CB8AC3E}">
-        <p14:creationId xmlns:p14="http://schemas.microsoft.com/office/powerpoint/2010/main" val="4037585560"/>
+        <p14:creationId xmlns:p14="http://schemas.microsoft.com/office/powerpoint/2010/main" val="611719159"/>
       </p:ext>
     </p:extLst>
   </p:cSld>
@@ -1228,13 +1234,7 @@
       </p:grpSpPr>
       <p:sp>
         <p:nvSpPr>
-          <p:cNvPr id="2" name="Nadpis 1">
-            <a:extLst>
-              <a:ext uri="{FF2B5EF4-FFF2-40B4-BE49-F238E27FC236}">
-                <a16:creationId xmlns:a16="http://schemas.microsoft.com/office/drawing/2014/main" id="{5F370C42-9F44-4D0A-A6B8-3E4BBA99697E}"/>
-              </a:ext>
-            </a:extLst>
-          </p:cNvPr>
+          <p:cNvPr id="2" name="Title 1"/>
           <p:cNvSpPr>
             <a:spLocks noGrp="1"/>
           </p:cNvSpPr>
@@ -1251,18 +1251,13 @@
               <a:rPr lang="cs-CZ"/>
               <a:t>Kliknutím lze upravit styl.</a:t>
             </a:r>
-          </a:p>
-        </p:txBody>
-      </p:sp>
-      <p:sp>
-        <p:nvSpPr>
-          <p:cNvPr id="3" name="Zástupný obsah 2">
-            <a:extLst>
-              <a:ext uri="{FF2B5EF4-FFF2-40B4-BE49-F238E27FC236}">
-                <a16:creationId xmlns:a16="http://schemas.microsoft.com/office/drawing/2014/main" id="{D66E0326-7A26-4C8A-B466-4CA9CF130CBB}"/>
-              </a:ext>
-            </a:extLst>
-          </p:cNvPr>
+            <a:endParaRPr lang="en-US" dirty="0"/>
+          </a:p>
+        </p:txBody>
+      </p:sp>
+      <p:sp>
+        <p:nvSpPr>
+          <p:cNvPr id="3" name="Content Placeholder 2"/>
           <p:cNvSpPr>
             <a:spLocks noGrp="1"/>
           </p:cNvSpPr>
@@ -1272,13 +1267,41 @@
         </p:nvSpPr>
         <p:spPr>
           <a:xfrm>
-            <a:off x="838200" y="1825625"/>
-            <a:ext cx="5181600" cy="4351338"/>
+            <a:off x="1261872" y="1828800"/>
+            <a:ext cx="4480560" cy="4351337"/>
           </a:xfrm>
         </p:spPr>
         <p:txBody>
           <a:bodyPr/>
-          <a:lstStyle/>
+          <a:lstStyle>
+            <a:lvl1pPr>
+              <a:defRPr sz="1800"/>
+            </a:lvl1pPr>
+            <a:lvl2pPr>
+              <a:defRPr sz="1600"/>
+            </a:lvl2pPr>
+            <a:lvl3pPr>
+              <a:defRPr sz="1400"/>
+            </a:lvl3pPr>
+            <a:lvl4pPr>
+              <a:defRPr sz="1400"/>
+            </a:lvl4pPr>
+            <a:lvl5pPr>
+              <a:defRPr sz="1400"/>
+            </a:lvl5pPr>
+            <a:lvl6pPr>
+              <a:defRPr sz="1400"/>
+            </a:lvl6pPr>
+            <a:lvl7pPr>
+              <a:defRPr sz="1400"/>
+            </a:lvl7pPr>
+            <a:lvl8pPr>
+              <a:defRPr sz="1400"/>
+            </a:lvl8pPr>
+            <a:lvl9pPr>
+              <a:defRPr sz="1400"/>
+            </a:lvl9pPr>
+          </a:lstStyle>
           <a:p>
             <a:pPr lvl="0"/>
             <a:r>
@@ -1313,18 +1336,13 @@
               <a:rPr lang="cs-CZ"/>
               <a:t>Pátá úroveň</a:t>
             </a:r>
-          </a:p>
-        </p:txBody>
-      </p:sp>
-      <p:sp>
-        <p:nvSpPr>
-          <p:cNvPr id="4" name="Zástupný obsah 3">
-            <a:extLst>
-              <a:ext uri="{FF2B5EF4-FFF2-40B4-BE49-F238E27FC236}">
-                <a16:creationId xmlns:a16="http://schemas.microsoft.com/office/drawing/2014/main" id="{AB8C9D0C-AA7A-47F7-BC73-641CBAC040D7}"/>
-              </a:ext>
-            </a:extLst>
-          </p:cNvPr>
+            <a:endParaRPr lang="en-US" dirty="0"/>
+          </a:p>
+        </p:txBody>
+      </p:sp>
+      <p:sp>
+        <p:nvSpPr>
+          <p:cNvPr id="4" name="Content Placeholder 3"/>
           <p:cNvSpPr>
             <a:spLocks noGrp="1"/>
           </p:cNvSpPr>
@@ -1334,13 +1352,41 @@
         </p:nvSpPr>
         <p:spPr>
           <a:xfrm>
-            <a:off x="6172200" y="1825625"/>
-            <a:ext cx="5181600" cy="4351338"/>
+            <a:off x="6126480" y="1828800"/>
+            <a:ext cx="4480560" cy="4351337"/>
           </a:xfrm>
         </p:spPr>
         <p:txBody>
           <a:bodyPr/>
-          <a:lstStyle/>
+          <a:lstStyle>
+            <a:lvl1pPr>
+              <a:defRPr sz="1800"/>
+            </a:lvl1pPr>
+            <a:lvl2pPr>
+              <a:defRPr sz="1600"/>
+            </a:lvl2pPr>
+            <a:lvl3pPr>
+              <a:defRPr sz="1400"/>
+            </a:lvl3pPr>
+            <a:lvl4pPr>
+              <a:defRPr sz="1400"/>
+            </a:lvl4pPr>
+            <a:lvl5pPr>
+              <a:defRPr sz="1400"/>
+            </a:lvl5pPr>
+            <a:lvl6pPr>
+              <a:defRPr sz="1400"/>
+            </a:lvl6pPr>
+            <a:lvl7pPr>
+              <a:defRPr sz="1400"/>
+            </a:lvl7pPr>
+            <a:lvl8pPr>
+              <a:defRPr sz="1400"/>
+            </a:lvl8pPr>
+            <a:lvl9pPr>
+              <a:defRPr sz="1400"/>
+            </a:lvl9pPr>
+          </a:lstStyle>
           <a:p>
             <a:pPr lvl="0"/>
             <a:r>
@@ -1375,18 +1421,13 @@
               <a:rPr lang="cs-CZ"/>
               <a:t>Pátá úroveň</a:t>
             </a:r>
-          </a:p>
-        </p:txBody>
-      </p:sp>
-      <p:sp>
-        <p:nvSpPr>
-          <p:cNvPr id="5" name="Zástupný symbol pro datum 4">
-            <a:extLst>
-              <a:ext uri="{FF2B5EF4-FFF2-40B4-BE49-F238E27FC236}">
-                <a16:creationId xmlns:a16="http://schemas.microsoft.com/office/drawing/2014/main" id="{129AE706-31B8-49E0-9302-669E528C6962}"/>
-              </a:ext>
-            </a:extLst>
-          </p:cNvPr>
+            <a:endParaRPr lang="en-US" dirty="0"/>
+          </a:p>
+        </p:txBody>
+      </p:sp>
+      <p:sp>
+        <p:nvSpPr>
+          <p:cNvPr id="5" name="Date Placeholder 4"/>
           <p:cNvSpPr>
             <a:spLocks noGrp="1"/>
           </p:cNvSpPr>
@@ -1401,7 +1442,7 @@
           <a:p>
             <a:fld id="{96F23511-F718-4647-81BE-81E96D2F5500}" type="datetimeFigureOut">
               <a:rPr lang="cs-CZ" smtClean="0"/>
-              <a:t>14. 6. 2020</a:t>
+              <a:t>02.05.2021</a:t>
             </a:fld>
             <a:endParaRPr lang="cs-CZ"/>
           </a:p>
@@ -1409,13 +1450,7 @@
       </p:sp>
       <p:sp>
         <p:nvSpPr>
-          <p:cNvPr id="6" name="Zástupný symbol pro zápatí 5">
-            <a:extLst>
-              <a:ext uri="{FF2B5EF4-FFF2-40B4-BE49-F238E27FC236}">
-                <a16:creationId xmlns:a16="http://schemas.microsoft.com/office/drawing/2014/main" id="{6E7B9F8B-5413-4539-9581-EFB49B4B100D}"/>
-              </a:ext>
-            </a:extLst>
-          </p:cNvPr>
+          <p:cNvPr id="6" name="Footer Placeholder 5"/>
           <p:cNvSpPr>
             <a:spLocks noGrp="1"/>
           </p:cNvSpPr>
@@ -1434,13 +1469,7 @@
       </p:sp>
       <p:sp>
         <p:nvSpPr>
-          <p:cNvPr id="7" name="Zástupný symbol pro číslo snímku 6">
-            <a:extLst>
-              <a:ext uri="{FF2B5EF4-FFF2-40B4-BE49-F238E27FC236}">
-                <a16:creationId xmlns:a16="http://schemas.microsoft.com/office/drawing/2014/main" id="{BBD68F93-72C2-4532-BEF0-CC054706E0F9}"/>
-              </a:ext>
-            </a:extLst>
-          </p:cNvPr>
+          <p:cNvPr id="7" name="Slide Number Placeholder 6"/>
           <p:cNvSpPr>
             <a:spLocks noGrp="1"/>
           </p:cNvSpPr>
@@ -1464,7 +1493,7 @@
     </p:spTree>
     <p:extLst>
       <p:ext uri="{BB962C8B-B14F-4D97-AF65-F5344CB8AC3E}">
-        <p14:creationId xmlns:p14="http://schemas.microsoft.com/office/powerpoint/2010/main" val="2228873654"/>
+        <p14:creationId xmlns:p14="http://schemas.microsoft.com/office/powerpoint/2010/main" val="3424841788"/>
       </p:ext>
     </p:extLst>
   </p:cSld>
@@ -1493,65 +1522,58 @@
       </p:grpSpPr>
       <p:sp>
         <p:nvSpPr>
-          <p:cNvPr id="2" name="Nadpis 1">
-            <a:extLst>
-              <a:ext uri="{FF2B5EF4-FFF2-40B4-BE49-F238E27FC236}">
-                <a16:creationId xmlns:a16="http://schemas.microsoft.com/office/drawing/2014/main" id="{BB084AFF-A4F7-4D3D-9166-59C53C5F397F}"/>
-              </a:ext>
-            </a:extLst>
-          </p:cNvPr>
+          <p:cNvPr id="10" name="Title 9"/>
           <p:cNvSpPr>
             <a:spLocks noGrp="1"/>
           </p:cNvSpPr>
           <p:nvPr>
             <p:ph type="title"/>
+          </p:nvPr>
+        </p:nvSpPr>
+        <p:spPr/>
+        <p:txBody>
+          <a:bodyPr/>
+          <a:lstStyle/>
+          <a:p>
+            <a:r>
+              <a:rPr lang="cs-CZ"/>
+              <a:t>Kliknutím lze upravit styl.</a:t>
+            </a:r>
+            <a:endParaRPr lang="en-US" dirty="0"/>
+          </a:p>
+        </p:txBody>
+      </p:sp>
+      <p:sp>
+        <p:nvSpPr>
+          <p:cNvPr id="3" name="Text Placeholder 2"/>
+          <p:cNvSpPr>
+            <a:spLocks noGrp="1"/>
+          </p:cNvSpPr>
+          <p:nvPr>
+            <p:ph type="body" idx="1"/>
           </p:nvPr>
         </p:nvSpPr>
         <p:spPr>
           <a:xfrm>
-            <a:off x="839788" y="365125"/>
-            <a:ext cx="10515600" cy="1325563"/>
+            <a:off x="1261872" y="1713655"/>
+            <a:ext cx="4480560" cy="731520"/>
           </a:xfrm>
         </p:spPr>
         <p:txBody>
-          <a:bodyPr/>
-          <a:lstStyle/>
-          <a:p>
-            <a:r>
-              <a:rPr lang="cs-CZ"/>
-              <a:t>Kliknutím lze upravit styl.</a:t>
-            </a:r>
-          </a:p>
-        </p:txBody>
-      </p:sp>
-      <p:sp>
-        <p:nvSpPr>
-          <p:cNvPr id="3" name="Zástupný text 2">
-            <a:extLst>
-              <a:ext uri="{FF2B5EF4-FFF2-40B4-BE49-F238E27FC236}">
-                <a16:creationId xmlns:a16="http://schemas.microsoft.com/office/drawing/2014/main" id="{CA23DC03-A601-4D74-B77A-0AE31128B79B}"/>
-              </a:ext>
-            </a:extLst>
-          </p:cNvPr>
-          <p:cNvSpPr>
-            <a:spLocks noGrp="1"/>
-          </p:cNvSpPr>
-          <p:nvPr>
-            <p:ph type="body" idx="1"/>
-          </p:nvPr>
-        </p:nvSpPr>
-        <p:spPr>
-          <a:xfrm>
-            <a:off x="839788" y="1681163"/>
-            <a:ext cx="5157787" cy="823912"/>
-          </a:xfrm>
-        </p:spPr>
-        <p:txBody>
-          <a:bodyPr anchor="b"/>
+          <a:bodyPr anchor="b">
+            <a:normAutofit/>
+          </a:bodyPr>
           <a:lstStyle>
             <a:lvl1pPr marL="0" indent="0">
-              <a:buNone/>
-              <a:defRPr sz="2400" b="1"/>
+              <a:spcBef>
+                <a:spcPts val="0"/>
+              </a:spcBef>
+              <a:buNone/>
+              <a:defRPr sz="2000" b="0">
+                <a:solidFill>
+                  <a:schemeClr val="tx2"/>
+                </a:solidFill>
+              </a:defRPr>
             </a:lvl1pPr>
             <a:lvl2pPr marL="457200" indent="0">
               <a:buNone/>
@@ -1597,13 +1619,7 @@
       </p:sp>
       <p:sp>
         <p:nvSpPr>
-          <p:cNvPr id="4" name="Zástupný obsah 3">
-            <a:extLst>
-              <a:ext uri="{FF2B5EF4-FFF2-40B4-BE49-F238E27FC236}">
-                <a16:creationId xmlns:a16="http://schemas.microsoft.com/office/drawing/2014/main" id="{22FBF375-B269-45C4-ADE7-25770B89D62D}"/>
-              </a:ext>
-            </a:extLst>
-          </p:cNvPr>
+          <p:cNvPr id="4" name="Content Placeholder 3"/>
           <p:cNvSpPr>
             <a:spLocks noGrp="1"/>
           </p:cNvSpPr>
@@ -1613,13 +1629,41 @@
         </p:nvSpPr>
         <p:spPr>
           <a:xfrm>
-            <a:off x="839788" y="2505075"/>
-            <a:ext cx="5157787" cy="3684588"/>
+            <a:off x="1261872" y="2507550"/>
+            <a:ext cx="4480560" cy="3664650"/>
           </a:xfrm>
         </p:spPr>
         <p:txBody>
           <a:bodyPr/>
-          <a:lstStyle/>
+          <a:lstStyle>
+            <a:lvl1pPr>
+              <a:defRPr sz="1800"/>
+            </a:lvl1pPr>
+            <a:lvl2pPr>
+              <a:defRPr sz="1600"/>
+            </a:lvl2pPr>
+            <a:lvl3pPr>
+              <a:defRPr sz="1400"/>
+            </a:lvl3pPr>
+            <a:lvl4pPr>
+              <a:defRPr sz="1400"/>
+            </a:lvl4pPr>
+            <a:lvl5pPr>
+              <a:defRPr sz="1400"/>
+            </a:lvl5pPr>
+            <a:lvl6pPr>
+              <a:defRPr sz="1400"/>
+            </a:lvl6pPr>
+            <a:lvl7pPr>
+              <a:defRPr sz="1400"/>
+            </a:lvl7pPr>
+            <a:lvl8pPr>
+              <a:defRPr sz="1400"/>
+            </a:lvl8pPr>
+            <a:lvl9pPr>
+              <a:defRPr sz="1400"/>
+            </a:lvl9pPr>
+          </a:lstStyle>
           <a:p>
             <a:pPr lvl="0"/>
             <a:r>
@@ -1654,18 +1698,13 @@
               <a:rPr lang="cs-CZ"/>
               <a:t>Pátá úroveň</a:t>
             </a:r>
-          </a:p>
-        </p:txBody>
-      </p:sp>
-      <p:sp>
-        <p:nvSpPr>
-          <p:cNvPr id="5" name="Zástupný text 4">
-            <a:extLst>
-              <a:ext uri="{FF2B5EF4-FFF2-40B4-BE49-F238E27FC236}">
-                <a16:creationId xmlns:a16="http://schemas.microsoft.com/office/drawing/2014/main" id="{7D9AC080-6B22-4676-A165-C74AD17E1B9A}"/>
-              </a:ext>
-            </a:extLst>
-          </p:cNvPr>
+            <a:endParaRPr lang="en-US" dirty="0"/>
+          </a:p>
+        </p:txBody>
+      </p:sp>
+      <p:sp>
+        <p:nvSpPr>
+          <p:cNvPr id="5" name="Text Placeholder 4"/>
           <p:cNvSpPr>
             <a:spLocks noGrp="1"/>
           </p:cNvSpPr>
@@ -1675,16 +1714,31 @@
         </p:nvSpPr>
         <p:spPr>
           <a:xfrm>
-            <a:off x="6172200" y="1681163"/>
-            <a:ext cx="5183188" cy="823912"/>
+            <a:off x="6126480" y="1713655"/>
+            <a:ext cx="4480560" cy="731520"/>
           </a:xfrm>
         </p:spPr>
         <p:txBody>
-          <a:bodyPr anchor="b"/>
+          <a:bodyPr anchor="b">
+            <a:normAutofit/>
+          </a:bodyPr>
           <a:lstStyle>
             <a:lvl1pPr marL="0" indent="0">
-              <a:buNone/>
-              <a:defRPr sz="2400" b="1"/>
+              <a:lnSpc>
+                <a:spcPct val="95000"/>
+              </a:lnSpc>
+              <a:spcBef>
+                <a:spcPts val="0"/>
+              </a:spcBef>
+              <a:buNone/>
+              <a:defRPr lang="en-US" sz="2000" b="0" kern="1200" dirty="0">
+                <a:solidFill>
+                  <a:schemeClr val="tx2"/>
+                </a:solidFill>
+                <a:latin typeface="+mn-lt"/>
+                <a:ea typeface="+mn-ea"/>
+                <a:cs typeface="+mn-cs"/>
+              </a:defRPr>
             </a:lvl1pPr>
             <a:lvl2pPr marL="457200" indent="0">
               <a:buNone/>
@@ -1720,7 +1774,16 @@
             </a:lvl9pPr>
           </a:lstStyle>
           <a:p>
-            <a:pPr lvl="0"/>
+            <a:pPr marL="0" lvl="0" indent="0" algn="l" defTabSz="914400" rtl="0" eaLnBrk="1" latinLnBrk="0" hangingPunct="1">
+              <a:lnSpc>
+                <a:spcPct val="90000"/>
+              </a:lnSpc>
+              <a:spcBef>
+                <a:spcPts val="2000"/>
+              </a:spcBef>
+              <a:buFontTx/>
+              <a:buNone/>
+            </a:pPr>
             <a:r>
               <a:rPr lang="cs-CZ"/>
               <a:t>Po kliknutí můžete upravovat styly textu v předloze.</a:t>
@@ -1730,13 +1793,7 @@
       </p:sp>
       <p:sp>
         <p:nvSpPr>
-          <p:cNvPr id="6" name="Zástupný obsah 5">
-            <a:extLst>
-              <a:ext uri="{FF2B5EF4-FFF2-40B4-BE49-F238E27FC236}">
-                <a16:creationId xmlns:a16="http://schemas.microsoft.com/office/drawing/2014/main" id="{CCF15FC2-7AF7-452C-B8EC-3A7B0BEED72D}"/>
-              </a:ext>
-            </a:extLst>
-          </p:cNvPr>
+          <p:cNvPr id="6" name="Content Placeholder 5"/>
           <p:cNvSpPr>
             <a:spLocks noGrp="1"/>
           </p:cNvSpPr>
@@ -1746,13 +1803,41 @@
         </p:nvSpPr>
         <p:spPr>
           <a:xfrm>
-            <a:off x="6172200" y="2505075"/>
-            <a:ext cx="5183188" cy="3684588"/>
+            <a:off x="6126480" y="2507550"/>
+            <a:ext cx="4480560" cy="3664650"/>
           </a:xfrm>
         </p:spPr>
         <p:txBody>
           <a:bodyPr/>
-          <a:lstStyle/>
+          <a:lstStyle>
+            <a:lvl1pPr>
+              <a:defRPr sz="1800"/>
+            </a:lvl1pPr>
+            <a:lvl2pPr>
+              <a:defRPr sz="1600"/>
+            </a:lvl2pPr>
+            <a:lvl3pPr>
+              <a:defRPr sz="1400"/>
+            </a:lvl3pPr>
+            <a:lvl4pPr>
+              <a:defRPr sz="1400"/>
+            </a:lvl4pPr>
+            <a:lvl5pPr>
+              <a:defRPr sz="1400"/>
+            </a:lvl5pPr>
+            <a:lvl6pPr>
+              <a:defRPr sz="1400"/>
+            </a:lvl6pPr>
+            <a:lvl7pPr>
+              <a:defRPr sz="1400"/>
+            </a:lvl7pPr>
+            <a:lvl8pPr>
+              <a:defRPr sz="1400"/>
+            </a:lvl8pPr>
+            <a:lvl9pPr>
+              <a:defRPr sz="1400"/>
+            </a:lvl9pPr>
+          </a:lstStyle>
           <a:p>
             <a:pPr lvl="0"/>
             <a:r>
@@ -1787,18 +1872,13 @@
               <a:rPr lang="cs-CZ"/>
               <a:t>Pátá úroveň</a:t>
             </a:r>
-          </a:p>
-        </p:txBody>
-      </p:sp>
-      <p:sp>
-        <p:nvSpPr>
-          <p:cNvPr id="7" name="Zástupný symbol pro datum 6">
-            <a:extLst>
-              <a:ext uri="{FF2B5EF4-FFF2-40B4-BE49-F238E27FC236}">
-                <a16:creationId xmlns:a16="http://schemas.microsoft.com/office/drawing/2014/main" id="{C757FDFB-3F25-4278-84C0-5D491082E53C}"/>
-              </a:ext>
-            </a:extLst>
-          </p:cNvPr>
+            <a:endParaRPr lang="en-US" dirty="0"/>
+          </a:p>
+        </p:txBody>
+      </p:sp>
+      <p:sp>
+        <p:nvSpPr>
+          <p:cNvPr id="7" name="Date Placeholder 6"/>
           <p:cNvSpPr>
             <a:spLocks noGrp="1"/>
           </p:cNvSpPr>
@@ -1813,7 +1893,7 @@
           <a:p>
             <a:fld id="{96F23511-F718-4647-81BE-81E96D2F5500}" type="datetimeFigureOut">
               <a:rPr lang="cs-CZ" smtClean="0"/>
-              <a:t>14. 6. 2020</a:t>
+              <a:t>02.05.2021</a:t>
             </a:fld>
             <a:endParaRPr lang="cs-CZ"/>
           </a:p>
@@ -1821,13 +1901,7 @@
       </p:sp>
       <p:sp>
         <p:nvSpPr>
-          <p:cNvPr id="8" name="Zástupný symbol pro zápatí 7">
-            <a:extLst>
-              <a:ext uri="{FF2B5EF4-FFF2-40B4-BE49-F238E27FC236}">
-                <a16:creationId xmlns:a16="http://schemas.microsoft.com/office/drawing/2014/main" id="{B11CD676-3CEE-4FCD-918F-1EF6DF201CCF}"/>
-              </a:ext>
-            </a:extLst>
-          </p:cNvPr>
+          <p:cNvPr id="8" name="Footer Placeholder 7"/>
           <p:cNvSpPr>
             <a:spLocks noGrp="1"/>
           </p:cNvSpPr>
@@ -1846,13 +1920,7 @@
       </p:sp>
       <p:sp>
         <p:nvSpPr>
-          <p:cNvPr id="9" name="Zástupný symbol pro číslo snímku 8">
-            <a:extLst>
-              <a:ext uri="{FF2B5EF4-FFF2-40B4-BE49-F238E27FC236}">
-                <a16:creationId xmlns:a16="http://schemas.microsoft.com/office/drawing/2014/main" id="{7532EC23-4FA0-4866-95AE-FD23D25348CD}"/>
-              </a:ext>
-            </a:extLst>
-          </p:cNvPr>
+          <p:cNvPr id="9" name="Slide Number Placeholder 8"/>
           <p:cNvSpPr>
             <a:spLocks noGrp="1"/>
           </p:cNvSpPr>
@@ -1876,7 +1944,7 @@
     </p:spTree>
     <p:extLst>
       <p:ext uri="{BB962C8B-B14F-4D97-AF65-F5344CB8AC3E}">
-        <p14:creationId xmlns:p14="http://schemas.microsoft.com/office/powerpoint/2010/main" val="4244278378"/>
+        <p14:creationId xmlns:p14="http://schemas.microsoft.com/office/powerpoint/2010/main" val="474611019"/>
       </p:ext>
     </p:extLst>
   </p:cSld>
@@ -1905,13 +1973,7 @@
       </p:grpSpPr>
       <p:sp>
         <p:nvSpPr>
-          <p:cNvPr id="2" name="Nadpis 1">
-            <a:extLst>
-              <a:ext uri="{FF2B5EF4-FFF2-40B4-BE49-F238E27FC236}">
-                <a16:creationId xmlns:a16="http://schemas.microsoft.com/office/drawing/2014/main" id="{29C4B553-672D-4928-A9A9-5658B37FB0AD}"/>
-              </a:ext>
-            </a:extLst>
-          </p:cNvPr>
+          <p:cNvPr id="6" name="Title 5"/>
           <p:cNvSpPr>
             <a:spLocks noGrp="1"/>
           </p:cNvSpPr>
@@ -1928,18 +1990,13 @@
               <a:rPr lang="cs-CZ"/>
               <a:t>Kliknutím lze upravit styl.</a:t>
             </a:r>
-          </a:p>
-        </p:txBody>
-      </p:sp>
-      <p:sp>
-        <p:nvSpPr>
-          <p:cNvPr id="3" name="Zástupný symbol pro datum 2">
-            <a:extLst>
-              <a:ext uri="{FF2B5EF4-FFF2-40B4-BE49-F238E27FC236}">
-                <a16:creationId xmlns:a16="http://schemas.microsoft.com/office/drawing/2014/main" id="{075FF57A-1DB8-469E-9046-0B651DF7F6EF}"/>
-              </a:ext>
-            </a:extLst>
-          </p:cNvPr>
+            <a:endParaRPr lang="en-US" dirty="0"/>
+          </a:p>
+        </p:txBody>
+      </p:sp>
+      <p:sp>
+        <p:nvSpPr>
+          <p:cNvPr id="3" name="Date Placeholder 2"/>
           <p:cNvSpPr>
             <a:spLocks noGrp="1"/>
           </p:cNvSpPr>
@@ -1954,7 +2011,7 @@
           <a:p>
             <a:fld id="{96F23511-F718-4647-81BE-81E96D2F5500}" type="datetimeFigureOut">
               <a:rPr lang="cs-CZ" smtClean="0"/>
-              <a:t>14. 6. 2020</a:t>
+              <a:t>02.05.2021</a:t>
             </a:fld>
             <a:endParaRPr lang="cs-CZ"/>
           </a:p>
@@ -1962,13 +2019,7 @@
       </p:sp>
       <p:sp>
         <p:nvSpPr>
-          <p:cNvPr id="4" name="Zástupný symbol pro zápatí 3">
-            <a:extLst>
-              <a:ext uri="{FF2B5EF4-FFF2-40B4-BE49-F238E27FC236}">
-                <a16:creationId xmlns:a16="http://schemas.microsoft.com/office/drawing/2014/main" id="{846C4CE9-8C6F-4BC3-8B9D-5DDD5319E46B}"/>
-              </a:ext>
-            </a:extLst>
-          </p:cNvPr>
+          <p:cNvPr id="4" name="Footer Placeholder 3"/>
           <p:cNvSpPr>
             <a:spLocks noGrp="1"/>
           </p:cNvSpPr>
@@ -1987,13 +2038,7 @@
       </p:sp>
       <p:sp>
         <p:nvSpPr>
-          <p:cNvPr id="5" name="Zástupný symbol pro číslo snímku 4">
-            <a:extLst>
-              <a:ext uri="{FF2B5EF4-FFF2-40B4-BE49-F238E27FC236}">
-                <a16:creationId xmlns:a16="http://schemas.microsoft.com/office/drawing/2014/main" id="{90AEF70B-9042-4710-B9EC-7000AA210AAA}"/>
-              </a:ext>
-            </a:extLst>
-          </p:cNvPr>
+          <p:cNvPr id="5" name="Slide Number Placeholder 4"/>
           <p:cNvSpPr>
             <a:spLocks noGrp="1"/>
           </p:cNvSpPr>
@@ -2017,7 +2062,7 @@
     </p:spTree>
     <p:extLst>
       <p:ext uri="{BB962C8B-B14F-4D97-AF65-F5344CB8AC3E}">
-        <p14:creationId xmlns:p14="http://schemas.microsoft.com/office/powerpoint/2010/main" val="2877810000"/>
+        <p14:creationId xmlns:p14="http://schemas.microsoft.com/office/powerpoint/2010/main" val="3947438609"/>
       </p:ext>
     </p:extLst>
   </p:cSld>
@@ -2046,13 +2091,7 @@
       </p:grpSpPr>
       <p:sp>
         <p:nvSpPr>
-          <p:cNvPr id="2" name="Zástupný symbol pro datum 1">
-            <a:extLst>
-              <a:ext uri="{FF2B5EF4-FFF2-40B4-BE49-F238E27FC236}">
-                <a16:creationId xmlns:a16="http://schemas.microsoft.com/office/drawing/2014/main" id="{7F769210-377A-4004-AC3D-2995C04E6214}"/>
-              </a:ext>
-            </a:extLst>
-          </p:cNvPr>
+          <p:cNvPr id="2" name="Date Placeholder 1"/>
           <p:cNvSpPr>
             <a:spLocks noGrp="1"/>
           </p:cNvSpPr>
@@ -2067,7 +2106,7 @@
           <a:p>
             <a:fld id="{96F23511-F718-4647-81BE-81E96D2F5500}" type="datetimeFigureOut">
               <a:rPr lang="cs-CZ" smtClean="0"/>
-              <a:t>14. 6. 2020</a:t>
+              <a:t>02.05.2021</a:t>
             </a:fld>
             <a:endParaRPr lang="cs-CZ"/>
           </a:p>
@@ -2075,13 +2114,7 @@
       </p:sp>
       <p:sp>
         <p:nvSpPr>
-          <p:cNvPr id="3" name="Zástupný symbol pro zápatí 2">
-            <a:extLst>
-              <a:ext uri="{FF2B5EF4-FFF2-40B4-BE49-F238E27FC236}">
-                <a16:creationId xmlns:a16="http://schemas.microsoft.com/office/drawing/2014/main" id="{082FAD80-AF89-456F-887B-1DC3565708B8}"/>
-              </a:ext>
-            </a:extLst>
-          </p:cNvPr>
+          <p:cNvPr id="3" name="Footer Placeholder 2"/>
           <p:cNvSpPr>
             <a:spLocks noGrp="1"/>
           </p:cNvSpPr>
@@ -2100,13 +2133,7 @@
       </p:sp>
       <p:sp>
         <p:nvSpPr>
-          <p:cNvPr id="4" name="Zástupný symbol pro číslo snímku 3">
-            <a:extLst>
-              <a:ext uri="{FF2B5EF4-FFF2-40B4-BE49-F238E27FC236}">
-                <a16:creationId xmlns:a16="http://schemas.microsoft.com/office/drawing/2014/main" id="{864F7D4F-222E-4993-BF49-231E5CC2B998}"/>
-              </a:ext>
-            </a:extLst>
-          </p:cNvPr>
+          <p:cNvPr id="4" name="Slide Number Placeholder 3"/>
           <p:cNvSpPr>
             <a:spLocks noGrp="1"/>
           </p:cNvSpPr>
@@ -2130,7 +2157,7 @@
     </p:spTree>
     <p:extLst>
       <p:ext uri="{BB962C8B-B14F-4D97-AF65-F5344CB8AC3E}">
-        <p14:creationId xmlns:p14="http://schemas.microsoft.com/office/powerpoint/2010/main" val="4211088545"/>
+        <p14:creationId xmlns:p14="http://schemas.microsoft.com/office/powerpoint/2010/main" val="2148918838"/>
       </p:ext>
     </p:extLst>
   </p:cSld>
@@ -2159,13 +2186,7 @@
       </p:grpSpPr>
       <p:sp>
         <p:nvSpPr>
-          <p:cNvPr id="2" name="Nadpis 1">
-            <a:extLst>
-              <a:ext uri="{FF2B5EF4-FFF2-40B4-BE49-F238E27FC236}">
-                <a16:creationId xmlns:a16="http://schemas.microsoft.com/office/drawing/2014/main" id="{58EF3302-F164-4FA6-AAE8-E7DDD1923AC4}"/>
-              </a:ext>
-            </a:extLst>
-          </p:cNvPr>
+          <p:cNvPr id="2" name="Title 1"/>
           <p:cNvSpPr>
             <a:spLocks noGrp="1"/>
           </p:cNvSpPr>
@@ -2175,15 +2196,17 @@
         </p:nvSpPr>
         <p:spPr>
           <a:xfrm>
-            <a:off x="839788" y="457200"/>
-            <a:ext cx="3932237" cy="1600200"/>
+            <a:off x="841248" y="457200"/>
+            <a:ext cx="3200400" cy="1600197"/>
           </a:xfrm>
         </p:spPr>
         <p:txBody>
-          <a:bodyPr anchor="b"/>
+          <a:bodyPr anchor="b">
+            <a:normAutofit/>
+          </a:bodyPr>
           <a:lstStyle>
             <a:lvl1pPr>
-              <a:defRPr sz="3200"/>
+              <a:defRPr sz="3200" b="0" baseline="0"/>
             </a:lvl1pPr>
           </a:lstStyle>
           <a:p>
@@ -2191,18 +2214,13 @@
               <a:rPr lang="cs-CZ"/>
               <a:t>Kliknutím lze upravit styl.</a:t>
             </a:r>
-          </a:p>
-        </p:txBody>
-      </p:sp>
-      <p:sp>
-        <p:nvSpPr>
-          <p:cNvPr id="3" name="Zástupný obsah 2">
-            <a:extLst>
-              <a:ext uri="{FF2B5EF4-FFF2-40B4-BE49-F238E27FC236}">
-                <a16:creationId xmlns:a16="http://schemas.microsoft.com/office/drawing/2014/main" id="{9F764329-FE6D-4842-AD10-DF49B363DB0A}"/>
-              </a:ext>
-            </a:extLst>
-          </p:cNvPr>
+            <a:endParaRPr lang="en-US" dirty="0"/>
+          </a:p>
+        </p:txBody>
+      </p:sp>
+      <p:sp>
+        <p:nvSpPr>
+          <p:cNvPr id="3" name="Content Placeholder 2"/>
           <p:cNvSpPr>
             <a:spLocks noGrp="1"/>
           </p:cNvSpPr>
@@ -2212,39 +2230,39 @@
         </p:nvSpPr>
         <p:spPr>
           <a:xfrm>
-            <a:off x="5183188" y="987425"/>
-            <a:ext cx="6172200" cy="4873625"/>
+            <a:off x="4504267" y="685800"/>
+            <a:ext cx="6079066" cy="5486400"/>
           </a:xfrm>
         </p:spPr>
         <p:txBody>
           <a:bodyPr/>
           <a:lstStyle>
             <a:lvl1pPr>
-              <a:defRPr sz="3200"/>
+              <a:defRPr sz="2000"/>
             </a:lvl1pPr>
             <a:lvl2pPr>
-              <a:defRPr sz="2800"/>
+              <a:defRPr sz="1800"/>
             </a:lvl2pPr>
             <a:lvl3pPr>
-              <a:defRPr sz="2400"/>
+              <a:defRPr sz="1600"/>
             </a:lvl3pPr>
             <a:lvl4pPr>
-              <a:defRPr sz="2000"/>
+              <a:defRPr sz="1400"/>
             </a:lvl4pPr>
             <a:lvl5pPr>
-              <a:defRPr sz="2000"/>
+              <a:defRPr sz="1400"/>
             </a:lvl5pPr>
             <a:lvl6pPr>
-              <a:defRPr sz="2000"/>
+              <a:defRPr sz="1400"/>
             </a:lvl6pPr>
             <a:lvl7pPr>
-              <a:defRPr sz="2000"/>
+              <a:defRPr sz="1400"/>
             </a:lvl7pPr>
             <a:lvl8pPr>
-              <a:defRPr sz="2000"/>
+              <a:defRPr sz="1400"/>
             </a:lvl8pPr>
             <a:lvl9pPr>
-              <a:defRPr sz="2000"/>
+              <a:defRPr sz="1400"/>
             </a:lvl9pPr>
           </a:lstStyle>
           <a:p>
@@ -2281,18 +2299,13 @@
               <a:rPr lang="cs-CZ"/>
               <a:t>Pátá úroveň</a:t>
             </a:r>
-          </a:p>
-        </p:txBody>
-      </p:sp>
-      <p:sp>
-        <p:nvSpPr>
-          <p:cNvPr id="4" name="Zástupný text 3">
-            <a:extLst>
-              <a:ext uri="{FF2B5EF4-FFF2-40B4-BE49-F238E27FC236}">
-                <a16:creationId xmlns:a16="http://schemas.microsoft.com/office/drawing/2014/main" id="{B2B5D28A-F134-4E78-9E3F-16BE590C24E6}"/>
-              </a:ext>
-            </a:extLst>
-          </p:cNvPr>
+            <a:endParaRPr lang="en-US" dirty="0"/>
+          </a:p>
+        </p:txBody>
+      </p:sp>
+      <p:sp>
+        <p:nvSpPr>
+          <p:cNvPr id="4" name="Text Placeholder 3"/>
           <p:cNvSpPr>
             <a:spLocks noGrp="1"/>
           </p:cNvSpPr>
@@ -2302,48 +2315,56 @@
         </p:nvSpPr>
         <p:spPr>
           <a:xfrm>
-            <a:off x="839788" y="2057400"/>
-            <a:ext cx="3932237" cy="3811588"/>
+            <a:off x="841248" y="2099734"/>
+            <a:ext cx="3200400" cy="3810001"/>
           </a:xfrm>
         </p:spPr>
         <p:txBody>
-          <a:bodyPr/>
+          <a:bodyPr>
+            <a:normAutofit/>
+          </a:bodyPr>
           <a:lstStyle>
             <a:lvl1pPr marL="0" indent="0">
-              <a:buNone/>
-              <a:defRPr sz="1600"/>
+              <a:lnSpc>
+                <a:spcPct val="114000"/>
+              </a:lnSpc>
+              <a:spcBef>
+                <a:spcPts val="800"/>
+              </a:spcBef>
+              <a:buNone/>
+              <a:defRPr sz="1300"/>
             </a:lvl1pPr>
             <a:lvl2pPr marL="457200" indent="0">
               <a:buNone/>
-              <a:defRPr sz="1400"/>
+              <a:defRPr sz="1200"/>
             </a:lvl2pPr>
             <a:lvl3pPr marL="914400" indent="0">
               <a:buNone/>
-              <a:defRPr sz="1200"/>
+              <a:defRPr sz="1000"/>
             </a:lvl3pPr>
             <a:lvl4pPr marL="1371600" indent="0">
               <a:buNone/>
-              <a:defRPr sz="1000"/>
+              <a:defRPr sz="900"/>
             </a:lvl4pPr>
             <a:lvl5pPr marL="1828800" indent="0">
               <a:buNone/>
-              <a:defRPr sz="1000"/>
+              <a:defRPr sz="900"/>
             </a:lvl5pPr>
             <a:lvl6pPr marL="2286000" indent="0">
               <a:buNone/>
-              <a:defRPr sz="1000"/>
+              <a:defRPr sz="900"/>
             </a:lvl6pPr>
             <a:lvl7pPr marL="2743200" indent="0">
               <a:buNone/>
-              <a:defRPr sz="1000"/>
+              <a:defRPr sz="900"/>
             </a:lvl7pPr>
             <a:lvl8pPr marL="3200400" indent="0">
               <a:buNone/>
-              <a:defRPr sz="1000"/>
+              <a:defRPr sz="900"/>
             </a:lvl8pPr>
             <a:lvl9pPr marL="3657600" indent="0">
               <a:buNone/>
-              <a:defRPr sz="1000"/>
+              <a:defRPr sz="900"/>
             </a:lvl9pPr>
           </a:lstStyle>
           <a:p>
@@ -2357,13 +2378,7 @@
       </p:sp>
       <p:sp>
         <p:nvSpPr>
-          <p:cNvPr id="5" name="Zástupný symbol pro datum 4">
-            <a:extLst>
-              <a:ext uri="{FF2B5EF4-FFF2-40B4-BE49-F238E27FC236}">
-                <a16:creationId xmlns:a16="http://schemas.microsoft.com/office/drawing/2014/main" id="{D98B2DD9-CD00-4610-9A62-280E57752BD8}"/>
-              </a:ext>
-            </a:extLst>
-          </p:cNvPr>
+          <p:cNvPr id="5" name="Date Placeholder 4"/>
           <p:cNvSpPr>
             <a:spLocks noGrp="1"/>
           </p:cNvSpPr>
@@ -2378,7 +2393,7 @@
           <a:p>
             <a:fld id="{96F23511-F718-4647-81BE-81E96D2F5500}" type="datetimeFigureOut">
               <a:rPr lang="cs-CZ" smtClean="0"/>
-              <a:t>14. 6. 2020</a:t>
+              <a:t>02.05.2021</a:t>
             </a:fld>
             <a:endParaRPr lang="cs-CZ"/>
           </a:p>
@@ -2386,13 +2401,7 @@
       </p:sp>
       <p:sp>
         <p:nvSpPr>
-          <p:cNvPr id="6" name="Zástupný symbol pro zápatí 5">
-            <a:extLst>
-              <a:ext uri="{FF2B5EF4-FFF2-40B4-BE49-F238E27FC236}">
-                <a16:creationId xmlns:a16="http://schemas.microsoft.com/office/drawing/2014/main" id="{DF235AF3-E910-4FE0-999F-0DEA24796C7F}"/>
-              </a:ext>
-            </a:extLst>
-          </p:cNvPr>
+          <p:cNvPr id="6" name="Footer Placeholder 5"/>
           <p:cNvSpPr>
             <a:spLocks noGrp="1"/>
           </p:cNvSpPr>
@@ -2411,13 +2420,7 @@
       </p:sp>
       <p:sp>
         <p:nvSpPr>
-          <p:cNvPr id="7" name="Zástupný symbol pro číslo snímku 6">
-            <a:extLst>
-              <a:ext uri="{FF2B5EF4-FFF2-40B4-BE49-F238E27FC236}">
-                <a16:creationId xmlns:a16="http://schemas.microsoft.com/office/drawing/2014/main" id="{BDC9432F-D332-4E24-B3A3-D7ECD0532888}"/>
-              </a:ext>
-            </a:extLst>
-          </p:cNvPr>
+          <p:cNvPr id="7" name="Slide Number Placeholder 6"/>
           <p:cNvSpPr>
             <a:spLocks noGrp="1"/>
           </p:cNvSpPr>
@@ -2441,7 +2444,7 @@
     </p:spTree>
     <p:extLst>
       <p:ext uri="{BB962C8B-B14F-4D97-AF65-F5344CB8AC3E}">
-        <p14:creationId xmlns:p14="http://schemas.microsoft.com/office/powerpoint/2010/main" val="1399845506"/>
+        <p14:creationId xmlns:p14="http://schemas.microsoft.com/office/powerpoint/2010/main" val="3655962989"/>
       </p:ext>
     </p:extLst>
   </p:cSld>
@@ -2470,31 +2473,69 @@
       </p:grpSpPr>
       <p:sp>
         <p:nvSpPr>
-          <p:cNvPr id="2" name="Nadpis 1">
-            <a:extLst>
-              <a:ext uri="{FF2B5EF4-FFF2-40B4-BE49-F238E27FC236}">
-                <a16:creationId xmlns:a16="http://schemas.microsoft.com/office/drawing/2014/main" id="{87795BAC-75B0-4086-B71A-8FFA6D4103CA}"/>
-              </a:ext>
-            </a:extLst>
-          </p:cNvPr>
-          <p:cNvSpPr>
-            <a:spLocks noGrp="1"/>
-          </p:cNvSpPr>
-          <p:nvPr>
-            <p:ph type="title"/>
-          </p:nvPr>
+          <p:cNvPr id="8" name="Rectangle 7"/>
+          <p:cNvSpPr/>
+          <p:nvPr/>
         </p:nvSpPr>
         <p:spPr>
           <a:xfrm>
-            <a:off x="839788" y="457200"/>
-            <a:ext cx="3932237" cy="1600200"/>
+            <a:off x="0" y="5105400"/>
+            <a:ext cx="11292840" cy="1752600"/>
+          </a:xfrm>
+          <a:prstGeom prst="rect">
+            <a:avLst/>
+          </a:prstGeom>
+          <a:solidFill>
+            <a:srgbClr val="000000"/>
+          </a:solidFill>
+          <a:ln>
+            <a:noFill/>
+          </a:ln>
+        </p:spPr>
+        <p:style>
+          <a:lnRef idx="2">
+            <a:schemeClr val="accent1">
+              <a:shade val="50000"/>
+            </a:schemeClr>
+          </a:lnRef>
+          <a:fillRef idx="1">
+            <a:schemeClr val="accent1"/>
+          </a:fillRef>
+          <a:effectRef idx="0">
+            <a:schemeClr val="accent1"/>
+          </a:effectRef>
+          <a:fontRef idx="minor">
+            <a:schemeClr val="lt1"/>
+          </a:fontRef>
+        </p:style>
+      </p:sp>
+      <p:sp>
+        <p:nvSpPr>
+          <p:cNvPr id="2" name="Title 1"/>
+          <p:cNvSpPr>
+            <a:spLocks noGrp="1"/>
+          </p:cNvSpPr>
+          <p:nvPr>
+            <p:ph type="title"/>
+          </p:nvPr>
+        </p:nvSpPr>
+        <p:spPr>
+          <a:xfrm>
+            <a:off x="914400" y="5257800"/>
+            <a:ext cx="9982200" cy="914400"/>
           </a:xfrm>
         </p:spPr>
         <p:txBody>
-          <a:bodyPr anchor="b"/>
+          <a:bodyPr anchor="b">
+            <a:normAutofit/>
+          </a:bodyPr>
           <a:lstStyle>
             <a:lvl1pPr>
-              <a:defRPr sz="3200"/>
+              <a:defRPr sz="2800" b="0">
+                <a:solidFill>
+                  <a:schemeClr val="bg1"/>
+                </a:solidFill>
+              </a:defRPr>
             </a:lvl1pPr>
           </a:lstStyle>
           <a:p>
@@ -2502,20 +2543,15 @@
               <a:rPr lang="cs-CZ"/>
               <a:t>Kliknutím lze upravit styl.</a:t>
             </a:r>
-          </a:p>
-        </p:txBody>
-      </p:sp>
-      <p:sp>
-        <p:nvSpPr>
-          <p:cNvPr id="3" name="Zástupný symbol obrázku 2">
-            <a:extLst>
-              <a:ext uri="{FF2B5EF4-FFF2-40B4-BE49-F238E27FC236}">
-                <a16:creationId xmlns:a16="http://schemas.microsoft.com/office/drawing/2014/main" id="{F51367D5-31A4-46A6-A1B4-295EBA1ADBDE}"/>
-              </a:ext>
-            </a:extLst>
-          </p:cNvPr>
-          <p:cNvSpPr>
-            <a:spLocks noGrp="1"/>
+            <a:endParaRPr lang="en-US" dirty="0"/>
+          </a:p>
+        </p:txBody>
+      </p:sp>
+      <p:sp>
+        <p:nvSpPr>
+          <p:cNvPr id="3" name="Picture Placeholder 2"/>
+          <p:cNvSpPr>
+            <a:spLocks noGrp="1" noChangeAspect="1"/>
           </p:cNvSpPr>
           <p:nvPr>
             <p:ph type="pic" idx="1"/>
@@ -2523,16 +2559,23 @@
         </p:nvSpPr>
         <p:spPr>
           <a:xfrm>
-            <a:off x="5183188" y="987425"/>
-            <a:ext cx="6172200" cy="4873625"/>
+            <a:off x="0" y="0"/>
+            <a:ext cx="11292840" cy="5128923"/>
           </a:xfrm>
+          <a:solidFill>
+            <a:schemeClr val="accent1"/>
+          </a:solidFill>
         </p:spPr>
         <p:txBody>
-          <a:bodyPr/>
+          <a:bodyPr anchor="t"/>
           <a:lstStyle>
             <a:lvl1pPr marL="0" indent="0">
               <a:buNone/>
-              <a:defRPr sz="3200"/>
+              <a:defRPr sz="3200">
+                <a:solidFill>
+                  <a:schemeClr val="bg1"/>
+                </a:solidFill>
+              </a:defRPr>
             </a:lvl1pPr>
             <a:lvl2pPr marL="457200" indent="0">
               <a:buNone/>
@@ -2568,19 +2611,17 @@
             </a:lvl9pPr>
           </a:lstStyle>
           <a:p>
-            <a:endParaRPr lang="cs-CZ"/>
-          </a:p>
-        </p:txBody>
-      </p:sp>
-      <p:sp>
-        <p:nvSpPr>
-          <p:cNvPr id="4" name="Zástupný text 3">
-            <a:extLst>
-              <a:ext uri="{FF2B5EF4-FFF2-40B4-BE49-F238E27FC236}">
-                <a16:creationId xmlns:a16="http://schemas.microsoft.com/office/drawing/2014/main" id="{44A7B507-80E2-4789-8604-1EF5DDFCC83D}"/>
-              </a:ext>
-            </a:extLst>
-          </p:cNvPr>
+            <a:r>
+              <a:rPr lang="cs-CZ"/>
+              <a:t>Kliknutím na ikonu přidáte obrázek.</a:t>
+            </a:r>
+            <a:endParaRPr lang="en-US" dirty="0"/>
+          </a:p>
+        </p:txBody>
+      </p:sp>
+      <p:sp>
+        <p:nvSpPr>
+          <p:cNvPr id="4" name="Text Placeholder 3"/>
           <p:cNvSpPr>
             <a:spLocks noGrp="1"/>
           </p:cNvSpPr>
@@ -2590,48 +2631,62 @@
         </p:nvSpPr>
         <p:spPr>
           <a:xfrm>
-            <a:off x="839788" y="2057400"/>
-            <a:ext cx="3932237" cy="3811588"/>
+            <a:off x="914400" y="6108589"/>
+            <a:ext cx="9982200" cy="597011"/>
           </a:xfrm>
         </p:spPr>
         <p:txBody>
-          <a:bodyPr/>
+          <a:bodyPr>
+            <a:normAutofit/>
+          </a:bodyPr>
           <a:lstStyle>
             <a:lvl1pPr marL="0" indent="0">
-              <a:buNone/>
-              <a:defRPr sz="1600"/>
+              <a:lnSpc>
+                <a:spcPct val="100000"/>
+              </a:lnSpc>
+              <a:spcBef>
+                <a:spcPts val="800"/>
+              </a:spcBef>
+              <a:buNone/>
+              <a:defRPr sz="1300">
+                <a:solidFill>
+                  <a:schemeClr val="bg1">
+                    <a:lumMod val="85000"/>
+                  </a:schemeClr>
+                </a:solidFill>
+              </a:defRPr>
             </a:lvl1pPr>
             <a:lvl2pPr marL="457200" indent="0">
               <a:buNone/>
-              <a:defRPr sz="1400"/>
+              <a:defRPr sz="1200"/>
             </a:lvl2pPr>
             <a:lvl3pPr marL="914400" indent="0">
               <a:buNone/>
-              <a:defRPr sz="1200"/>
+              <a:defRPr sz="1000"/>
             </a:lvl3pPr>
             <a:lvl4pPr marL="1371600" indent="0">
               <a:buNone/>
-              <a:defRPr sz="1000"/>
+              <a:defRPr sz="900"/>
             </a:lvl4pPr>
             <a:lvl5pPr marL="1828800" indent="0">
               <a:buNone/>
-              <a:defRPr sz="1000"/>
+              <a:defRPr sz="900"/>
             </a:lvl5pPr>
             <a:lvl6pPr marL="2286000" indent="0">
               <a:buNone/>
-              <a:defRPr sz="1000"/>
+              <a:defRPr sz="900"/>
             </a:lvl6pPr>
             <a:lvl7pPr marL="2743200" indent="0">
               <a:buNone/>
-              <a:defRPr sz="1000"/>
+              <a:defRPr sz="900"/>
             </a:lvl7pPr>
             <a:lvl8pPr marL="3200400" indent="0">
               <a:buNone/>
-              <a:defRPr sz="1000"/>
+              <a:defRPr sz="900"/>
             </a:lvl8pPr>
             <a:lvl9pPr marL="3657600" indent="0">
               <a:buNone/>
-              <a:defRPr sz="1000"/>
+              <a:defRPr sz="900"/>
             </a:lvl9pPr>
           </a:lstStyle>
           <a:p>
@@ -2645,13 +2700,7 @@
       </p:sp>
       <p:sp>
         <p:nvSpPr>
-          <p:cNvPr id="5" name="Zástupný symbol pro datum 4">
-            <a:extLst>
-              <a:ext uri="{FF2B5EF4-FFF2-40B4-BE49-F238E27FC236}">
-                <a16:creationId xmlns:a16="http://schemas.microsoft.com/office/drawing/2014/main" id="{DD1CFE64-325D-47A8-A488-344028C7524D}"/>
-              </a:ext>
-            </a:extLst>
-          </p:cNvPr>
+          <p:cNvPr id="5" name="Date Placeholder 4"/>
           <p:cNvSpPr>
             <a:spLocks noGrp="1"/>
           </p:cNvSpPr>
@@ -2666,7 +2715,7 @@
           <a:p>
             <a:fld id="{96F23511-F718-4647-81BE-81E96D2F5500}" type="datetimeFigureOut">
               <a:rPr lang="cs-CZ" smtClean="0"/>
-              <a:t>14. 6. 2020</a:t>
+              <a:t>02.05.2021</a:t>
             </a:fld>
             <a:endParaRPr lang="cs-CZ"/>
           </a:p>
@@ -2674,13 +2723,7 @@
       </p:sp>
       <p:sp>
         <p:nvSpPr>
-          <p:cNvPr id="6" name="Zástupný symbol pro zápatí 5">
-            <a:extLst>
-              <a:ext uri="{FF2B5EF4-FFF2-40B4-BE49-F238E27FC236}">
-                <a16:creationId xmlns:a16="http://schemas.microsoft.com/office/drawing/2014/main" id="{8CCA0D37-493E-4148-969F-32460D416FAF}"/>
-              </a:ext>
-            </a:extLst>
-          </p:cNvPr>
+          <p:cNvPr id="6" name="Footer Placeholder 5"/>
           <p:cNvSpPr>
             <a:spLocks noGrp="1"/>
           </p:cNvSpPr>
@@ -2699,13 +2742,7 @@
       </p:sp>
       <p:sp>
         <p:nvSpPr>
-          <p:cNvPr id="7" name="Zástupný symbol pro číslo snímku 6">
-            <a:extLst>
-              <a:ext uri="{FF2B5EF4-FFF2-40B4-BE49-F238E27FC236}">
-                <a16:creationId xmlns:a16="http://schemas.microsoft.com/office/drawing/2014/main" id="{361B4A83-1B74-451D-9FB9-5CA9DBF6771D}"/>
-              </a:ext>
-            </a:extLst>
-          </p:cNvPr>
+          <p:cNvPr id="7" name="Slide Number Placeholder 6"/>
           <p:cNvSpPr>
             <a:spLocks noGrp="1"/>
           </p:cNvSpPr>
@@ -2729,7 +2766,7 @@
     </p:spTree>
     <p:extLst>
       <p:ext uri="{BB962C8B-B14F-4D97-AF65-F5344CB8AC3E}">
-        <p14:creationId xmlns:p14="http://schemas.microsoft.com/office/powerpoint/2010/main" val="1275360197"/>
+        <p14:creationId xmlns:p14="http://schemas.microsoft.com/office/powerpoint/2010/main" val="2240026928"/>
       </p:ext>
     </p:extLst>
   </p:cSld>
@@ -2763,31 +2800,65 @@
       </p:grpSpPr>
       <p:sp>
         <p:nvSpPr>
-          <p:cNvPr id="2" name="Zástupný nadpis 1">
-            <a:extLst>
-              <a:ext uri="{FF2B5EF4-FFF2-40B4-BE49-F238E27FC236}">
-                <a16:creationId xmlns:a16="http://schemas.microsoft.com/office/drawing/2014/main" id="{5DB1721F-DD51-4AEC-8819-B73186B34948}"/>
-              </a:ext>
-            </a:extLst>
-          </p:cNvPr>
-          <p:cNvSpPr>
-            <a:spLocks noGrp="1"/>
-          </p:cNvSpPr>
-          <p:nvPr>
-            <p:ph type="title"/>
-          </p:nvPr>
+          <p:cNvPr id="7" name="Rectangle 6"/>
+          <p:cNvSpPr/>
+          <p:nvPr/>
         </p:nvSpPr>
         <p:spPr>
           <a:xfrm>
-            <a:off x="838200" y="365125"/>
-            <a:ext cx="10515600" cy="1325563"/>
+            <a:off x="11292840" y="0"/>
+            <a:ext cx="914400" cy="6858000"/>
+          </a:xfrm>
+          <a:prstGeom prst="rect">
+            <a:avLst/>
+          </a:prstGeom>
+          <a:solidFill>
+            <a:schemeClr val="tx2">
+              <a:lumMod val="75000"/>
+            </a:schemeClr>
+          </a:solidFill>
+          <a:ln>
+            <a:noFill/>
+          </a:ln>
+        </p:spPr>
+        <p:style>
+          <a:lnRef idx="2">
+            <a:schemeClr val="accent1">
+              <a:shade val="50000"/>
+            </a:schemeClr>
+          </a:lnRef>
+          <a:fillRef idx="1">
+            <a:schemeClr val="accent1"/>
+          </a:fillRef>
+          <a:effectRef idx="0">
+            <a:schemeClr val="accent1"/>
+          </a:effectRef>
+          <a:fontRef idx="minor">
+            <a:schemeClr val="lt1"/>
+          </a:fontRef>
+        </p:style>
+      </p:sp>
+      <p:sp>
+        <p:nvSpPr>
+          <p:cNvPr id="2" name="Title Placeholder 1"/>
+          <p:cNvSpPr>
+            <a:spLocks noGrp="1"/>
+          </p:cNvSpPr>
+          <p:nvPr>
+            <p:ph type="title"/>
+          </p:nvPr>
+        </p:nvSpPr>
+        <p:spPr>
+          <a:xfrm>
+            <a:off x="1261872" y="365760"/>
+            <a:ext cx="9692640" cy="1325562"/>
           </a:xfrm>
           <a:prstGeom prst="rect">
             <a:avLst/>
           </a:prstGeom>
         </p:spPr>
         <p:txBody>
-          <a:bodyPr vert="horz" lIns="91440" tIns="45720" rIns="91440" bIns="45720" rtlCol="0" anchor="ctr">
+          <a:bodyPr vert="horz" lIns="91440" tIns="45720" rIns="91440" bIns="45720" rtlCol="0" anchor="b">
             <a:normAutofit/>
           </a:bodyPr>
           <a:lstStyle/>
@@ -2796,18 +2867,13 @@
               <a:rPr lang="cs-CZ"/>
               <a:t>Kliknutím lze upravit styl.</a:t>
             </a:r>
-          </a:p>
-        </p:txBody>
-      </p:sp>
-      <p:sp>
-        <p:nvSpPr>
-          <p:cNvPr id="3" name="Zástupný text 2">
-            <a:extLst>
-              <a:ext uri="{FF2B5EF4-FFF2-40B4-BE49-F238E27FC236}">
-                <a16:creationId xmlns:a16="http://schemas.microsoft.com/office/drawing/2014/main" id="{65A15BF7-D474-4E86-A85D-7A36D57A53A4}"/>
-              </a:ext>
-            </a:extLst>
-          </p:cNvPr>
+            <a:endParaRPr lang="en-US" dirty="0"/>
+          </a:p>
+        </p:txBody>
+      </p:sp>
+      <p:sp>
+        <p:nvSpPr>
+          <p:cNvPr id="3" name="Text Placeholder 2"/>
           <p:cNvSpPr>
             <a:spLocks noGrp="1"/>
           </p:cNvSpPr>
@@ -2817,8 +2883,8 @@
         </p:nvSpPr>
         <p:spPr>
           <a:xfrm>
-            <a:off x="838200" y="1825625"/>
-            <a:ext cx="10515600" cy="4351338"/>
+            <a:off x="1261872" y="1828800"/>
+            <a:ext cx="8595360" cy="4351337"/>
           </a:xfrm>
           <a:prstGeom prst="rect">
             <a:avLst/>
@@ -2863,18 +2929,13 @@
               <a:rPr lang="cs-CZ"/>
               <a:t>Pátá úroveň</a:t>
             </a:r>
-          </a:p>
-        </p:txBody>
-      </p:sp>
-      <p:sp>
-        <p:nvSpPr>
-          <p:cNvPr id="4" name="Zástupný symbol pro datum 3">
-            <a:extLst>
-              <a:ext uri="{FF2B5EF4-FFF2-40B4-BE49-F238E27FC236}">
-                <a16:creationId xmlns:a16="http://schemas.microsoft.com/office/drawing/2014/main" id="{BF995A97-90E5-44C8-89E8-8934C89AFD98}"/>
-              </a:ext>
-            </a:extLst>
-          </p:cNvPr>
+            <a:endParaRPr lang="en-US" dirty="0"/>
+          </a:p>
+        </p:txBody>
+      </p:sp>
+      <p:sp>
+        <p:nvSpPr>
+          <p:cNvPr id="4" name="Date Placeholder 3"/>
           <p:cNvSpPr>
             <a:spLocks noGrp="1"/>
           </p:cNvSpPr>
@@ -2883,9 +2944,9 @@
           </p:nvPr>
         </p:nvSpPr>
         <p:spPr>
-          <a:xfrm>
-            <a:off x="838200" y="6356350"/>
-            <a:ext cx="2743200" cy="365125"/>
+          <a:xfrm rot="16200000">
+            <a:off x="10797542" y="998537"/>
+            <a:ext cx="1904999" cy="365125"/>
           </a:xfrm>
           <a:prstGeom prst="rect">
             <a:avLst/>
@@ -2894,11 +2955,12 @@
         <p:txBody>
           <a:bodyPr vert="horz" lIns="91440" tIns="45720" rIns="91440" bIns="45720" rtlCol="0" anchor="ctr"/>
           <a:lstStyle>
-            <a:lvl1pPr algn="l">
-              <a:defRPr sz="1200">
+            <a:lvl1pPr algn="r">
+              <a:defRPr sz="1050" b="0">
                 <a:solidFill>
-                  <a:schemeClr val="tx1">
-                    <a:tint val="75000"/>
+                  <a:schemeClr val="tx2">
+                    <a:lumMod val="20000"/>
+                    <a:lumOff val="80000"/>
                   </a:schemeClr>
                 </a:solidFill>
               </a:defRPr>
@@ -2907,7 +2969,7 @@
           <a:p>
             <a:fld id="{96F23511-F718-4647-81BE-81E96D2F5500}" type="datetimeFigureOut">
               <a:rPr lang="cs-CZ" smtClean="0"/>
-              <a:t>14. 6. 2020</a:t>
+              <a:t>02.05.2021</a:t>
             </a:fld>
             <a:endParaRPr lang="cs-CZ"/>
           </a:p>
@@ -2915,13 +2977,7 @@
       </p:sp>
       <p:sp>
         <p:nvSpPr>
-          <p:cNvPr id="5" name="Zástupný symbol pro zápatí 4">
-            <a:extLst>
-              <a:ext uri="{FF2B5EF4-FFF2-40B4-BE49-F238E27FC236}">
-                <a16:creationId xmlns:a16="http://schemas.microsoft.com/office/drawing/2014/main" id="{0991AF8D-FBF0-4CAF-8602-38967C6971A4}"/>
-              </a:ext>
-            </a:extLst>
-          </p:cNvPr>
+          <p:cNvPr id="5" name="Footer Placeholder 4"/>
           <p:cNvSpPr>
             <a:spLocks noGrp="1"/>
           </p:cNvSpPr>
@@ -2930,9 +2986,9 @@
           </p:nvPr>
         </p:nvSpPr>
         <p:spPr>
-          <a:xfrm>
-            <a:off x="4038600" y="6356350"/>
-            <a:ext cx="4114800" cy="365125"/>
+          <a:xfrm rot="16200000">
+            <a:off x="9959341" y="4046537"/>
+            <a:ext cx="3581400" cy="365125"/>
           </a:xfrm>
           <a:prstGeom prst="rect">
             <a:avLst/>
@@ -2941,11 +2997,12 @@
         <p:txBody>
           <a:bodyPr vert="horz" lIns="91440" tIns="45720" rIns="91440" bIns="45720" rtlCol="0" anchor="ctr"/>
           <a:lstStyle>
-            <a:lvl1pPr algn="ctr">
-              <a:defRPr sz="1200">
+            <a:lvl1pPr algn="l">
+              <a:defRPr sz="1050">
                 <a:solidFill>
-                  <a:schemeClr val="tx1">
-                    <a:tint val="75000"/>
+                  <a:schemeClr val="tx2">
+                    <a:lumMod val="20000"/>
+                    <a:lumOff val="80000"/>
                   </a:schemeClr>
                 </a:solidFill>
               </a:defRPr>
@@ -2958,13 +3015,7 @@
       </p:sp>
       <p:sp>
         <p:nvSpPr>
-          <p:cNvPr id="6" name="Zástupný symbol pro číslo snímku 5">
-            <a:extLst>
-              <a:ext uri="{FF2B5EF4-FFF2-40B4-BE49-F238E27FC236}">
-                <a16:creationId xmlns:a16="http://schemas.microsoft.com/office/drawing/2014/main" id="{B3AD4357-58D6-44DB-8D83-3C980EEA7EA7}"/>
-              </a:ext>
-            </a:extLst>
-          </p:cNvPr>
+          <p:cNvPr id="6" name="Slide Number Placeholder 5"/>
           <p:cNvSpPr>
             <a:spLocks noGrp="1"/>
           </p:cNvSpPr>
@@ -2974,21 +3025,24 @@
         </p:nvSpPr>
         <p:spPr>
           <a:xfrm>
-            <a:off x="8610600" y="6356350"/>
-            <a:ext cx="2743200" cy="365125"/>
+            <a:off x="11292840" y="6172200"/>
+            <a:ext cx="914400" cy="593725"/>
           </a:xfrm>
           <a:prstGeom prst="rect">
             <a:avLst/>
           </a:prstGeom>
         </p:spPr>
         <p:txBody>
-          <a:bodyPr vert="horz" lIns="91440" tIns="45720" rIns="91440" bIns="45720" rtlCol="0" anchor="ctr"/>
+          <a:bodyPr vert="horz" lIns="45720" tIns="45720" rIns="45720" bIns="45720" rtlCol="0" anchor="ctr">
+            <a:normAutofit/>
+          </a:bodyPr>
           <a:lstStyle>
-            <a:lvl1pPr algn="r">
-              <a:defRPr sz="1200">
+            <a:lvl1pPr algn="ctr">
+              <a:defRPr sz="3600">
                 <a:solidFill>
-                  <a:schemeClr val="tx1">
-                    <a:tint val="75000"/>
+                  <a:schemeClr val="tx2">
+                    <a:lumMod val="60000"/>
+                    <a:lumOff val="40000"/>
                   </a:schemeClr>
                 </a:solidFill>
               </a:defRPr>
@@ -3006,23 +3060,23 @@
     </p:spTree>
     <p:extLst>
       <p:ext uri="{BB962C8B-B14F-4D97-AF65-F5344CB8AC3E}">
-        <p14:creationId xmlns:p14="http://schemas.microsoft.com/office/powerpoint/2010/main" val="1576380848"/>
+        <p14:creationId xmlns:p14="http://schemas.microsoft.com/office/powerpoint/2010/main" val="2535785657"/>
       </p:ext>
     </p:extLst>
   </p:cSld>
   <p:clrMap bg1="lt1" tx1="dk1" bg2="lt2" tx2="dk2" accent1="accent1" accent2="accent2" accent3="accent3" accent4="accent4" accent5="accent5" accent6="accent6" hlink="hlink" folHlink="folHlink"/>
   <p:sldLayoutIdLst>
-    <p:sldLayoutId id="2147483649" r:id="rId1"/>
-    <p:sldLayoutId id="2147483650" r:id="rId2"/>
-    <p:sldLayoutId id="2147483651" r:id="rId3"/>
-    <p:sldLayoutId id="2147483652" r:id="rId4"/>
-    <p:sldLayoutId id="2147483653" r:id="rId5"/>
-    <p:sldLayoutId id="2147483654" r:id="rId6"/>
-    <p:sldLayoutId id="2147483655" r:id="rId7"/>
-    <p:sldLayoutId id="2147483656" r:id="rId8"/>
-    <p:sldLayoutId id="2147483657" r:id="rId9"/>
-    <p:sldLayoutId id="2147483658" r:id="rId10"/>
-    <p:sldLayoutId id="2147483659" r:id="rId11"/>
+    <p:sldLayoutId id="2147483751" r:id="rId1"/>
+    <p:sldLayoutId id="2147483752" r:id="rId2"/>
+    <p:sldLayoutId id="2147483753" r:id="rId3"/>
+    <p:sldLayoutId id="2147483754" r:id="rId4"/>
+    <p:sldLayoutId id="2147483755" r:id="rId5"/>
+    <p:sldLayoutId id="2147483756" r:id="rId6"/>
+    <p:sldLayoutId id="2147483757" r:id="rId7"/>
+    <p:sldLayoutId id="2147483758" r:id="rId8"/>
+    <p:sldLayoutId id="2147483759" r:id="rId9"/>
+    <p:sldLayoutId id="2147483760" r:id="rId10"/>
+    <p:sldLayoutId id="2147483761" r:id="rId11"/>
   </p:sldLayoutIdLst>
   <p:txStyles>
     <p:titleStyle>
@@ -3034,7 +3088,7 @@
           <a:spcPct val="0"/>
         </a:spcBef>
         <a:buNone/>
-        <a:defRPr sz="4400" kern="1200">
+        <a:defRPr sz="4400" kern="1200" spc="-50" baseline="0">
           <a:solidFill>
             <a:schemeClr val="tx1"/>
           </a:solidFill>
@@ -3045,16 +3099,23 @@
       </a:lvl1pPr>
     </p:titleStyle>
     <p:bodyStyle>
-      <a:lvl1pPr marL="228600" indent="-228600" algn="l" defTabSz="914400" rtl="0" eaLnBrk="1" latinLnBrk="0" hangingPunct="1">
+      <a:lvl1pPr marL="182880" indent="-182880" algn="l" defTabSz="914400" rtl="0" eaLnBrk="1" latinLnBrk="0" hangingPunct="1">
         <a:lnSpc>
-          <a:spcPct val="90000"/>
+          <a:spcPct val="95000"/>
         </a:lnSpc>
         <a:spcBef>
-          <a:spcPts val="1000"/>
+          <a:spcPts val="1400"/>
         </a:spcBef>
-        <a:buFont typeface="Arial" panose="020B0604020202020204" pitchFamily="34" charset="0"/>
+        <a:spcAft>
+          <a:spcPts val="200"/>
+        </a:spcAft>
+        <a:buClr>
+          <a:schemeClr val="accent1"/>
+        </a:buClr>
+        <a:buSzPct val="80000"/>
+        <a:buFont typeface="Arial" pitchFamily="34" charset="0"/>
         <a:buChar char="•"/>
-        <a:defRPr sz="2800" kern="1200">
+        <a:defRPr sz="1800" kern="1200" spc="10" baseline="0">
           <a:solidFill>
             <a:schemeClr val="tx1"/>
           </a:solidFill>
@@ -3063,144 +3124,216 @@
           <a:cs typeface="+mn-cs"/>
         </a:defRPr>
       </a:lvl1pPr>
-      <a:lvl2pPr marL="685800" indent="-228600" algn="l" defTabSz="914400" rtl="0" eaLnBrk="1" latinLnBrk="0" hangingPunct="1">
+      <a:lvl2pPr marL="457200" indent="-182880" algn="l" defTabSz="914400" rtl="0" eaLnBrk="1" latinLnBrk="0" hangingPunct="1">
         <a:lnSpc>
           <a:spcPct val="90000"/>
         </a:lnSpc>
         <a:spcBef>
-          <a:spcPts val="500"/>
+          <a:spcPts val="300"/>
         </a:spcBef>
-        <a:buFont typeface="Arial" panose="020B0604020202020204" pitchFamily="34" charset="0"/>
-        <a:buChar char="•"/>
-        <a:defRPr sz="2400" kern="1200">
+        <a:spcAft>
+          <a:spcPts val="300"/>
+        </a:spcAft>
+        <a:buClr>
+          <a:schemeClr val="accent1"/>
+        </a:buClr>
+        <a:buFont typeface="Wingdings 2" pitchFamily="18" charset="2"/>
+        <a:buChar char=""/>
+        <a:defRPr sz="1600" kern="1200">
           <a:solidFill>
-            <a:schemeClr val="tx1"/>
+            <a:schemeClr val="tx1">
+              <a:lumMod val="85000"/>
+              <a:lumOff val="15000"/>
+            </a:schemeClr>
           </a:solidFill>
           <a:latin typeface="+mn-lt"/>
           <a:ea typeface="+mn-ea"/>
           <a:cs typeface="+mn-cs"/>
         </a:defRPr>
       </a:lvl2pPr>
-      <a:lvl3pPr marL="1143000" indent="-228600" algn="l" defTabSz="914400" rtl="0" eaLnBrk="1" latinLnBrk="0" hangingPunct="1">
+      <a:lvl3pPr marL="731520" indent="-182880" algn="l" defTabSz="914400" rtl="0" eaLnBrk="1" latinLnBrk="0" hangingPunct="1">
         <a:lnSpc>
           <a:spcPct val="90000"/>
         </a:lnSpc>
         <a:spcBef>
-          <a:spcPts val="500"/>
+          <a:spcPts val="300"/>
         </a:spcBef>
-        <a:buFont typeface="Arial" panose="020B0604020202020204" pitchFamily="34" charset="0"/>
-        <a:buChar char="•"/>
-        <a:defRPr sz="2000" kern="1200">
+        <a:spcAft>
+          <a:spcPts val="300"/>
+        </a:spcAft>
+        <a:buClr>
+          <a:schemeClr val="accent1"/>
+        </a:buClr>
+        <a:buFont typeface="Wingdings 2" pitchFamily="18" charset="2"/>
+        <a:buChar char=""/>
+        <a:defRPr sz="1400" kern="1200">
           <a:solidFill>
-            <a:schemeClr val="tx1"/>
+            <a:schemeClr val="tx1">
+              <a:lumMod val="85000"/>
+              <a:lumOff val="15000"/>
+            </a:schemeClr>
           </a:solidFill>
           <a:latin typeface="+mn-lt"/>
           <a:ea typeface="+mn-ea"/>
           <a:cs typeface="+mn-cs"/>
         </a:defRPr>
       </a:lvl3pPr>
-      <a:lvl4pPr marL="1600200" indent="-228600" algn="l" defTabSz="914400" rtl="0" eaLnBrk="1" latinLnBrk="0" hangingPunct="1">
+      <a:lvl4pPr marL="1005840" indent="-182880" algn="l" defTabSz="914400" rtl="0" eaLnBrk="1" latinLnBrk="0" hangingPunct="1">
         <a:lnSpc>
           <a:spcPct val="90000"/>
         </a:lnSpc>
         <a:spcBef>
-          <a:spcPts val="500"/>
+          <a:spcPts val="300"/>
         </a:spcBef>
-        <a:buFont typeface="Arial" panose="020B0604020202020204" pitchFamily="34" charset="0"/>
-        <a:buChar char="•"/>
-        <a:defRPr sz="1800" kern="1200">
+        <a:spcAft>
+          <a:spcPts val="300"/>
+        </a:spcAft>
+        <a:buClr>
+          <a:schemeClr val="accent1"/>
+        </a:buClr>
+        <a:buFont typeface="Wingdings 2" pitchFamily="18" charset="2"/>
+        <a:buChar char=""/>
+        <a:defRPr sz="1400" kern="1200">
           <a:solidFill>
-            <a:schemeClr val="tx1"/>
+            <a:schemeClr val="tx1">
+              <a:lumMod val="85000"/>
+              <a:lumOff val="15000"/>
+            </a:schemeClr>
           </a:solidFill>
           <a:latin typeface="+mn-lt"/>
           <a:ea typeface="+mn-ea"/>
           <a:cs typeface="+mn-cs"/>
         </a:defRPr>
       </a:lvl4pPr>
-      <a:lvl5pPr marL="2057400" indent="-228600" algn="l" defTabSz="914400" rtl="0" eaLnBrk="1" latinLnBrk="0" hangingPunct="1">
+      <a:lvl5pPr marL="1280160" indent="-182880" algn="l" defTabSz="914400" rtl="0" eaLnBrk="1" latinLnBrk="0" hangingPunct="1">
         <a:lnSpc>
           <a:spcPct val="90000"/>
         </a:lnSpc>
         <a:spcBef>
-          <a:spcPts val="500"/>
+          <a:spcPts val="300"/>
         </a:spcBef>
-        <a:buFont typeface="Arial" panose="020B0604020202020204" pitchFamily="34" charset="0"/>
-        <a:buChar char="•"/>
-        <a:defRPr sz="1800" kern="1200">
+        <a:spcAft>
+          <a:spcPts val="300"/>
+        </a:spcAft>
+        <a:buClr>
+          <a:schemeClr val="accent1"/>
+        </a:buClr>
+        <a:buFont typeface="Wingdings 2" pitchFamily="18" charset="2"/>
+        <a:buChar char=""/>
+        <a:defRPr sz="1400" kern="1200">
           <a:solidFill>
-            <a:schemeClr val="tx1"/>
+            <a:schemeClr val="tx1">
+              <a:lumMod val="85000"/>
+              <a:lumOff val="15000"/>
+            </a:schemeClr>
           </a:solidFill>
           <a:latin typeface="+mn-lt"/>
           <a:ea typeface="+mn-ea"/>
           <a:cs typeface="+mn-cs"/>
         </a:defRPr>
       </a:lvl5pPr>
-      <a:lvl6pPr marL="2514600" indent="-228600" algn="l" defTabSz="914400" rtl="0" eaLnBrk="1" latinLnBrk="0" hangingPunct="1">
+      <a:lvl6pPr marL="1600000" indent="-228600" algn="l" defTabSz="914400" rtl="0" eaLnBrk="1" latinLnBrk="0" hangingPunct="1">
         <a:lnSpc>
           <a:spcPct val="90000"/>
         </a:lnSpc>
         <a:spcBef>
-          <a:spcPts val="500"/>
+          <a:spcPts val="300"/>
         </a:spcBef>
-        <a:buFont typeface="Arial" panose="020B0604020202020204" pitchFamily="34" charset="0"/>
-        <a:buChar char="•"/>
-        <a:defRPr sz="1800" kern="1200">
+        <a:spcAft>
+          <a:spcPts val="300"/>
+        </a:spcAft>
+        <a:buClr>
+          <a:schemeClr val="accent1"/>
+        </a:buClr>
+        <a:buFont typeface="Wingdings 2" pitchFamily="18" charset="2"/>
+        <a:buChar char=""/>
+        <a:defRPr sz="1400" kern="1200">
           <a:solidFill>
-            <a:schemeClr val="tx1"/>
+            <a:schemeClr val="tx1">
+              <a:lumMod val="85000"/>
+              <a:lumOff val="15000"/>
+            </a:schemeClr>
           </a:solidFill>
           <a:latin typeface="+mn-lt"/>
           <a:ea typeface="+mn-ea"/>
           <a:cs typeface="+mn-cs"/>
         </a:defRPr>
       </a:lvl6pPr>
-      <a:lvl7pPr marL="2971800" indent="-228600" algn="l" defTabSz="914400" rtl="0" eaLnBrk="1" latinLnBrk="0" hangingPunct="1">
+      <a:lvl7pPr marL="1900000" indent="-228600" algn="l" defTabSz="914400" rtl="0" eaLnBrk="1" latinLnBrk="0" hangingPunct="1">
         <a:lnSpc>
           <a:spcPct val="90000"/>
         </a:lnSpc>
         <a:spcBef>
-          <a:spcPts val="500"/>
+          <a:spcPts val="300"/>
         </a:spcBef>
-        <a:buFont typeface="Arial" panose="020B0604020202020204" pitchFamily="34" charset="0"/>
-        <a:buChar char="•"/>
-        <a:defRPr sz="1800" kern="1200">
+        <a:spcAft>
+          <a:spcPts val="300"/>
+        </a:spcAft>
+        <a:buClr>
+          <a:schemeClr val="accent1"/>
+        </a:buClr>
+        <a:buFont typeface="Wingdings 2" pitchFamily="18" charset="2"/>
+        <a:buChar char=""/>
+        <a:defRPr sz="1400" kern="1200">
           <a:solidFill>
-            <a:schemeClr val="tx1"/>
+            <a:schemeClr val="tx1">
+              <a:lumMod val="85000"/>
+              <a:lumOff val="15000"/>
+            </a:schemeClr>
           </a:solidFill>
           <a:latin typeface="+mn-lt"/>
           <a:ea typeface="+mn-ea"/>
           <a:cs typeface="+mn-cs"/>
         </a:defRPr>
       </a:lvl7pPr>
-      <a:lvl8pPr marL="3429000" indent="-228600" algn="l" defTabSz="914400" rtl="0" eaLnBrk="1" latinLnBrk="0" hangingPunct="1">
+      <a:lvl8pPr marL="2200000" indent="-228600" algn="l" defTabSz="914400" rtl="0" eaLnBrk="1" latinLnBrk="0" hangingPunct="1">
         <a:lnSpc>
           <a:spcPct val="90000"/>
         </a:lnSpc>
         <a:spcBef>
-          <a:spcPts val="500"/>
+          <a:spcPts val="300"/>
         </a:spcBef>
-        <a:buFont typeface="Arial" panose="020B0604020202020204" pitchFamily="34" charset="0"/>
-        <a:buChar char="•"/>
-        <a:defRPr sz="1800" kern="1200">
+        <a:spcAft>
+          <a:spcPts val="300"/>
+        </a:spcAft>
+        <a:buClr>
+          <a:schemeClr val="accent1"/>
+        </a:buClr>
+        <a:buFont typeface="Wingdings 2" pitchFamily="18" charset="2"/>
+        <a:buChar char=""/>
+        <a:defRPr sz="1400" kern="1200">
           <a:solidFill>
-            <a:schemeClr val="tx1"/>
+            <a:schemeClr val="tx1">
+              <a:lumMod val="85000"/>
+              <a:lumOff val="15000"/>
+            </a:schemeClr>
           </a:solidFill>
           <a:latin typeface="+mn-lt"/>
           <a:ea typeface="+mn-ea"/>
           <a:cs typeface="+mn-cs"/>
         </a:defRPr>
       </a:lvl8pPr>
-      <a:lvl9pPr marL="3886200" indent="-228600" algn="l" defTabSz="914400" rtl="0" eaLnBrk="1" latinLnBrk="0" hangingPunct="1">
+      <a:lvl9pPr marL="2500000" indent="-228600" algn="l" defTabSz="914400" rtl="0" eaLnBrk="1" latinLnBrk="0" hangingPunct="1">
         <a:lnSpc>
           <a:spcPct val="90000"/>
         </a:lnSpc>
         <a:spcBef>
-          <a:spcPts val="500"/>
+          <a:spcPts val="300"/>
         </a:spcBef>
-        <a:buFont typeface="Arial" panose="020B0604020202020204" pitchFamily="34" charset="0"/>
-        <a:buChar char="•"/>
-        <a:defRPr sz="1800" kern="1200">
+        <a:spcAft>
+          <a:spcPts val="300"/>
+        </a:spcAft>
+        <a:buClr>
+          <a:schemeClr val="accent1"/>
+        </a:buClr>
+        <a:buFont typeface="Wingdings 2" pitchFamily="18" charset="2"/>
+        <a:buChar char=""/>
+        <a:defRPr sz="1400" kern="1200">
           <a:solidFill>
-            <a:schemeClr val="tx1"/>
+            <a:schemeClr val="tx1">
+              <a:lumMod val="85000"/>
+              <a:lumOff val="15000"/>
+            </a:schemeClr>
           </a:solidFill>
           <a:latin typeface="+mn-lt"/>
           <a:ea typeface="+mn-ea"/>
@@ -3210,7 +3343,7 @@
     </p:bodyStyle>
     <p:otherStyle>
       <a:defPPr>
-        <a:defRPr lang="cs-CZ"/>
+        <a:defRPr lang="en-US"/>
       </a:defPPr>
       <a:lvl1pPr marL="0" algn="l" defTabSz="914400" rtl="0" eaLnBrk="1" latinLnBrk="0" hangingPunct="1">
         <a:defRPr sz="1800" kern="1200">
@@ -3346,24 +3479,36 @@
           <a:lstStyle/>
           <a:p>
             <a:r>
+              <a:rPr lang="en-US" dirty="0"/>
+              <a:t>P</a:t>
+            </a:r>
+            <a:r>
+              <a:rPr lang="cs-CZ" dirty="0" err="1"/>
+              <a:t>ostup</a:t>
+            </a:r>
+            <a:r>
+              <a:rPr lang="en-US" dirty="0"/>
+              <a:t> ins</a:t>
+            </a:r>
+            <a:r>
+              <a:rPr lang="cs-CZ" dirty="0" err="1"/>
+              <a:t>talac</a:t>
+            </a:r>
+            <a:r>
+              <a:rPr lang="en-US" dirty="0"/>
+              <a:t>e </a:t>
+            </a:r>
+            <a:r>
               <a:rPr lang="en-US" dirty="0" err="1"/>
-              <a:t>Postup</a:t>
-            </a:r>
-            <a:r>
-              <a:rPr lang="en-US" dirty="0"/>
-              <a:t> </a:t>
+              <a:t>aplik</a:t>
+            </a:r>
+            <a:r>
+              <a:rPr lang="cs-CZ" dirty="0"/>
+              <a:t>a</a:t>
             </a:r>
             <a:r>
               <a:rPr lang="en-US" dirty="0" err="1"/>
-              <a:t>instalace</a:t>
-            </a:r>
-            <a:r>
-              <a:rPr lang="en-US" dirty="0"/>
-              <a:t> </a:t>
-            </a:r>
-            <a:r>
-              <a:rPr lang="en-US" dirty="0" err="1"/>
-              <a:t>apliakce</a:t>
+              <a:t>ce</a:t>
             </a:r>
             <a:endParaRPr lang="cs-CZ" dirty="0"/>
           </a:p>
@@ -3390,6 +3535,20 @@
           <a:bodyPr/>
           <a:lstStyle/>
           <a:p>
+            <a:r>
+              <a:rPr lang="en-US" dirty="0" err="1"/>
+              <a:t>CamButton</a:t>
+            </a:r>
+            <a:endParaRPr lang="en-US" dirty="0"/>
+          </a:p>
+          <a:p>
+            <a:endParaRPr lang="en-US" dirty="0"/>
+          </a:p>
+          <a:p>
+            <a:r>
+              <a:rPr lang="en-US" dirty="0" err="1"/>
+              <a:t>MiS</a:t>
+            </a:r>
             <a:endParaRPr lang="cs-CZ" dirty="0"/>
           </a:p>
         </p:txBody>
@@ -3426,6 +3585,38 @@
       </p:grpSpPr>
       <p:sp>
         <p:nvSpPr>
+          <p:cNvPr id="4" name="Nadpis 1">
+            <a:extLst>
+              <a:ext uri="{FF2B5EF4-FFF2-40B4-BE49-F238E27FC236}">
+                <a16:creationId xmlns:a16="http://schemas.microsoft.com/office/drawing/2014/main" id="{B0BCAA07-B3F2-4A48-AD8A-111F3E914E35}"/>
+              </a:ext>
+            </a:extLst>
+          </p:cNvPr>
+          <p:cNvSpPr>
+            <a:spLocks noGrp="1"/>
+          </p:cNvSpPr>
+          <p:nvPr>
+            <p:ph type="title"/>
+          </p:nvPr>
+        </p:nvSpPr>
+        <p:spPr/>
+        <p:txBody>
+          <a:bodyPr anchor="t"/>
+          <a:lstStyle/>
+          <a:p>
+            <a:r>
+              <a:rPr lang="cs-CZ" sz="3600" dirty="0"/>
+              <a:t>Body</a:t>
+            </a:r>
+            <a:r>
+              <a:rPr lang="cs-CZ" dirty="0"/>
+              <a:t> instalace</a:t>
+            </a:r>
+          </a:p>
+        </p:txBody>
+      </p:sp>
+      <p:sp>
+        <p:nvSpPr>
           <p:cNvPr id="3" name="Zástupný obsah 2">
             <a:extLst>
               <a:ext uri="{FF2B5EF4-FFF2-40B4-BE49-F238E27FC236}">
@@ -3445,13 +3636,17 @@
           <a:bodyPr/>
           <a:lstStyle/>
           <a:p>
-            <a:r>
-              <a:rPr lang="en-US" dirty="0"/>
-              <a:t>0 </a:t>
+            <a:pPr marL="457200" indent="-457200">
+              <a:buFont typeface="+mj-lt"/>
+              <a:buAutoNum type="arabicParenR"/>
+            </a:pPr>
+            <a:r>
+              <a:rPr lang="cs-CZ" dirty="0"/>
+              <a:t>R</a:t>
             </a:r>
             <a:r>
               <a:rPr lang="en-US" dirty="0" err="1"/>
-              <a:t>rozli</a:t>
+              <a:t>ozli</a:t>
             </a:r>
             <a:r>
               <a:rPr lang="cs-CZ" dirty="0" err="1"/>
@@ -3464,60 +3659,85 @@
             <a:endParaRPr lang="en-US" dirty="0"/>
           </a:p>
           <a:p>
+            <a:pPr marL="457200" indent="-457200">
+              <a:buFont typeface="+mj-lt"/>
+              <a:buAutoNum type="arabicParenR"/>
+            </a:pPr>
             <a:r>
               <a:rPr lang="en-US" dirty="0"/>
-              <a:t>1 </a:t>
-            </a:r>
-            <a:r>
-              <a:rPr lang="en-US" dirty="0" err="1"/>
-              <a:t>rozbalit</a:t>
+              <a:t>Roz</a:t>
+            </a:r>
+            <a:r>
+              <a:rPr lang="cs-CZ" dirty="0"/>
+              <a:t>bal</a:t>
+            </a:r>
+            <a:r>
+              <a:rPr lang="en-US" dirty="0"/>
+              <a:t>it</a:t>
+            </a:r>
+            <a:r>
+              <a:rPr lang="cs-CZ" dirty="0"/>
+              <a:t> zip</a:t>
+            </a:r>
+          </a:p>
+          <a:p>
+            <a:pPr marL="457200" indent="-457200">
+              <a:buFont typeface="+mj-lt"/>
+              <a:buAutoNum type="arabicParenR"/>
+            </a:pPr>
+            <a:r>
+              <a:rPr lang="cs-CZ" dirty="0"/>
+              <a:t>Instalace</a:t>
+            </a:r>
+          </a:p>
+          <a:p>
+            <a:pPr marL="685800" lvl="1" indent="-457200">
+              <a:buFont typeface="+mj-lt"/>
+              <a:buAutoNum type="alphaUcPeriod"/>
+            </a:pPr>
+            <a:r>
+              <a:rPr lang="cs-CZ" dirty="0">
+                <a:hlinkClick r:id="rId2" action="ppaction://hlinksldjump"/>
+              </a:rPr>
+              <a:t>Postup instalace A:PowerShell</a:t>
+            </a:r>
+            <a:endParaRPr lang="cs-CZ" dirty="0"/>
+          </a:p>
+          <a:p>
+            <a:pPr marL="685800" lvl="1" indent="-457200">
+              <a:buFont typeface="+mj-lt"/>
+              <a:buAutoNum type="alphaUcPeriod"/>
+            </a:pPr>
+            <a:r>
+              <a:rPr lang="cs-CZ" dirty="0"/>
+              <a:t>Postup instalace B</a:t>
+            </a:r>
+          </a:p>
+          <a:p>
+            <a:pPr marL="914400" lvl="2" indent="-457200">
+              <a:buFont typeface="+mj-lt"/>
+              <a:buAutoNum type="romanLcPeriod"/>
+            </a:pPr>
+            <a:r>
+              <a:rPr lang="cs-CZ" dirty="0">
+                <a:hlinkClick r:id="rId3" action="ppaction://hlinksldjump"/>
+              </a:rPr>
+              <a:t>Nainstalování certifikátu</a:t>
+            </a:r>
+            <a:endParaRPr lang="cs-CZ" dirty="0"/>
+          </a:p>
+          <a:p>
+            <a:pPr marL="914400" lvl="2" indent="-457200">
+              <a:buFont typeface="+mj-lt"/>
+              <a:buAutoNum type="romanLcPeriod"/>
+            </a:pPr>
+            <a:r>
+              <a:rPr lang="cs-CZ" dirty="0">
+                <a:hlinkClick r:id="rId4" action="ppaction://hlinksldjump"/>
+              </a:rPr>
+              <a:t>Instalace aplikace</a:t>
             </a:r>
             <a:endParaRPr lang="en-US" dirty="0"/>
-          </a:p>
-          <a:p>
-            <a:r>
-              <a:rPr lang="en-US" dirty="0"/>
-              <a:t>2 </a:t>
-            </a:r>
-            <a:r>
-              <a:rPr lang="en-US" dirty="0" err="1"/>
-              <a:t>nainstalovat</a:t>
-            </a:r>
-            <a:r>
-              <a:rPr lang="en-US" dirty="0"/>
-              <a:t> </a:t>
-            </a:r>
-            <a:r>
-              <a:rPr lang="en-US" dirty="0" err="1"/>
-              <a:t>certifikaci</a:t>
-            </a:r>
-            <a:r>
-              <a:rPr lang="cs-CZ" dirty="0"/>
-              <a:t> (slide 3)</a:t>
-            </a:r>
-            <a:endParaRPr lang="en-US" dirty="0"/>
-          </a:p>
-          <a:p>
-            <a:r>
-              <a:rPr lang="en-US" dirty="0"/>
-              <a:t>3 </a:t>
-            </a:r>
-            <a:r>
-              <a:rPr lang="en-US" dirty="0" err="1"/>
-              <a:t>instalace</a:t>
-            </a:r>
-            <a:r>
-              <a:rPr lang="en-US" dirty="0"/>
-              <a:t> </a:t>
-            </a:r>
-            <a:r>
-              <a:rPr lang="en-US" dirty="0" err="1"/>
-              <a:t>aplikace</a:t>
-            </a:r>
-            <a:r>
-              <a:rPr lang="cs-CZ" dirty="0"/>
-              <a:t> (slide 4)</a:t>
-            </a:r>
           </a:p>
         </p:txBody>
       </p:sp>
@@ -3551,217 +3771,42 @@
           <a:chExt cx="0" cy="0"/>
         </a:xfrm>
       </p:grpSpPr>
-      <p:pic>
-        <p:nvPicPr>
-          <p:cNvPr id="13" name="Obrázek 12">
+      <p:sp>
+        <p:nvSpPr>
+          <p:cNvPr id="14" name="Nadpis 1">
             <a:extLst>
               <a:ext uri="{FF2B5EF4-FFF2-40B4-BE49-F238E27FC236}">
-                <a16:creationId xmlns:a16="http://schemas.microsoft.com/office/drawing/2014/main" id="{3AEE0FB6-C3D1-4835-8A57-283A3FFA62EE}"/>
+                <a16:creationId xmlns:a16="http://schemas.microsoft.com/office/drawing/2014/main" id="{9C0E2C47-E787-42C8-A9B8-90C3C420DB96}"/>
               </a:ext>
             </a:extLst>
           </p:cNvPr>
-          <p:cNvPicPr>
-            <a:picLocks noChangeAspect="1"/>
-          </p:cNvPicPr>
-          <p:nvPr/>
-        </p:nvPicPr>
-        <p:blipFill>
-          <a:blip r:embed="rId2"/>
-          <a:stretch>
-            <a:fillRect/>
-          </a:stretch>
-        </p:blipFill>
-        <p:spPr>
-          <a:xfrm>
-            <a:off x="5678260" y="3924300"/>
-            <a:ext cx="2711629" cy="2650807"/>
-          </a:xfrm>
-          <a:prstGeom prst="rect">
-            <a:avLst/>
-          </a:prstGeom>
-        </p:spPr>
-      </p:pic>
-      <p:pic>
-        <p:nvPicPr>
-          <p:cNvPr id="12" name="Obrázek 11">
+          <p:cNvSpPr>
+            <a:spLocks noGrp="1"/>
+          </p:cNvSpPr>
+          <p:nvPr>
+            <p:ph type="title"/>
+          </p:nvPr>
+        </p:nvSpPr>
+        <p:spPr/>
+        <p:txBody>
+          <a:bodyPr anchor="t">
+            <a:normAutofit/>
+          </a:bodyPr>
+          <a:lstStyle/>
+          <a:p>
+            <a:r>
+              <a:rPr lang="cs-CZ" sz="3600" dirty="0"/>
+              <a:t>Postup instalace: A</a:t>
+            </a:r>
+          </a:p>
+        </p:txBody>
+      </p:sp>
+      <p:sp>
+        <p:nvSpPr>
+          <p:cNvPr id="19" name="TextovéPole 18">
             <a:extLst>
               <a:ext uri="{FF2B5EF4-FFF2-40B4-BE49-F238E27FC236}">
-                <a16:creationId xmlns:a16="http://schemas.microsoft.com/office/drawing/2014/main" id="{9BFEB844-911C-458D-BB71-C075A614D70B}"/>
-              </a:ext>
-            </a:extLst>
-          </p:cNvPr>
-          <p:cNvPicPr>
-            <a:picLocks noChangeAspect="1"/>
-          </p:cNvPicPr>
-          <p:nvPr/>
-        </p:nvPicPr>
-        <p:blipFill>
-          <a:blip r:embed="rId3"/>
-          <a:stretch>
-            <a:fillRect/>
-          </a:stretch>
-        </p:blipFill>
-        <p:spPr>
-          <a:xfrm>
-            <a:off x="5616232" y="1584960"/>
-            <a:ext cx="1956504" cy="1912620"/>
-          </a:xfrm>
-          <a:prstGeom prst="rect">
-            <a:avLst/>
-          </a:prstGeom>
-        </p:spPr>
-      </p:pic>
-      <p:sp>
-        <p:nvSpPr>
-          <p:cNvPr id="2" name="Nadpis 1">
-            <a:extLst>
-              <a:ext uri="{FF2B5EF4-FFF2-40B4-BE49-F238E27FC236}">
-                <a16:creationId xmlns:a16="http://schemas.microsoft.com/office/drawing/2014/main" id="{7263635E-C77E-4A6F-8813-D8DC316A7F06}"/>
-              </a:ext>
-            </a:extLst>
-          </p:cNvPr>
-          <p:cNvSpPr>
-            <a:spLocks noGrp="1"/>
-          </p:cNvSpPr>
-          <p:nvPr>
-            <p:ph type="title"/>
-          </p:nvPr>
-        </p:nvSpPr>
-        <p:spPr/>
-        <p:txBody>
-          <a:bodyPr/>
-          <a:lstStyle/>
-          <a:p>
-            <a:r>
-              <a:rPr lang="en-US" dirty="0" err="1"/>
-              <a:t>Instalace</a:t>
-            </a:r>
-            <a:r>
-              <a:rPr lang="en-US" dirty="0"/>
-              <a:t> </a:t>
-            </a:r>
-            <a:r>
-              <a:rPr lang="en-US" dirty="0" err="1"/>
-              <a:t>certifikace</a:t>
-            </a:r>
-            <a:endParaRPr lang="cs-CZ" dirty="0"/>
-          </a:p>
-        </p:txBody>
-      </p:sp>
-      <p:pic>
-        <p:nvPicPr>
-          <p:cNvPr id="4" name="Zástupný obsah 3">
-            <a:extLst>
-              <a:ext uri="{FF2B5EF4-FFF2-40B4-BE49-F238E27FC236}">
-                <a16:creationId xmlns:a16="http://schemas.microsoft.com/office/drawing/2014/main" id="{DC1C450A-2132-40D5-9A42-CB969B9627AE}"/>
-              </a:ext>
-            </a:extLst>
-          </p:cNvPr>
-          <p:cNvPicPr>
-            <a:picLocks noGrp="1" noChangeAspect="1"/>
-          </p:cNvPicPr>
-          <p:nvPr>
-            <p:ph idx="1"/>
-          </p:nvPr>
-        </p:nvPicPr>
-        <p:blipFill>
-          <a:blip r:embed="rId4"/>
-          <a:stretch>
-            <a:fillRect/>
-          </a:stretch>
-        </p:blipFill>
-        <p:spPr>
-          <a:xfrm>
-            <a:off x="689902" y="1708308"/>
-            <a:ext cx="4552658" cy="2466023"/>
-          </a:xfrm>
-          <a:prstGeom prst="rect">
-            <a:avLst/>
-          </a:prstGeom>
-        </p:spPr>
-      </p:pic>
-      <p:sp>
-        <p:nvSpPr>
-          <p:cNvPr id="5" name="Šipka: doleva 4">
-            <a:extLst>
-              <a:ext uri="{FF2B5EF4-FFF2-40B4-BE49-F238E27FC236}">
-                <a16:creationId xmlns:a16="http://schemas.microsoft.com/office/drawing/2014/main" id="{86958642-A19C-47D0-BE83-878626893373}"/>
-              </a:ext>
-            </a:extLst>
-          </p:cNvPr>
-          <p:cNvSpPr/>
-          <p:nvPr/>
-        </p:nvSpPr>
-        <p:spPr>
-          <a:xfrm>
-            <a:off x="1943100" y="2240280"/>
-            <a:ext cx="510540" cy="121920"/>
-          </a:xfrm>
-          <a:prstGeom prst="leftArrow">
-            <a:avLst/>
-          </a:prstGeom>
-        </p:spPr>
-        <p:style>
-          <a:lnRef idx="2">
-            <a:schemeClr val="accent2">
-              <a:shade val="50000"/>
-            </a:schemeClr>
-          </a:lnRef>
-          <a:fillRef idx="1">
-            <a:schemeClr val="accent2"/>
-          </a:fillRef>
-          <a:effectRef idx="0">
-            <a:schemeClr val="accent2"/>
-          </a:effectRef>
-          <a:fontRef idx="minor">
-            <a:schemeClr val="lt1"/>
-          </a:fontRef>
-        </p:style>
-        <p:txBody>
-          <a:bodyPr rtlCol="0" anchor="ctr"/>
-          <a:lstStyle/>
-          <a:p>
-            <a:pPr algn="ctr"/>
-            <a:endParaRPr lang="cs-CZ"/>
-          </a:p>
-        </p:txBody>
-      </p:sp>
-      <p:pic>
-        <p:nvPicPr>
-          <p:cNvPr id="6" name="Obrázek 5">
-            <a:extLst>
-              <a:ext uri="{FF2B5EF4-FFF2-40B4-BE49-F238E27FC236}">
-                <a16:creationId xmlns:a16="http://schemas.microsoft.com/office/drawing/2014/main" id="{92264ECC-6E40-4D21-A498-FA9542BAD54F}"/>
-              </a:ext>
-            </a:extLst>
-          </p:cNvPr>
-          <p:cNvPicPr>
-            <a:picLocks noChangeAspect="1"/>
-          </p:cNvPicPr>
-          <p:nvPr/>
-        </p:nvPicPr>
-        <p:blipFill>
-          <a:blip r:embed="rId5"/>
-          <a:stretch>
-            <a:fillRect/>
-          </a:stretch>
-        </p:blipFill>
-        <p:spPr>
-          <a:xfrm>
-            <a:off x="689902" y="4312920"/>
-            <a:ext cx="1779001" cy="2262187"/>
-          </a:xfrm>
-          <a:prstGeom prst="rect">
-            <a:avLst/>
-          </a:prstGeom>
-        </p:spPr>
-      </p:pic>
-      <p:sp>
-        <p:nvSpPr>
-          <p:cNvPr id="8" name="TextovéPole 7">
-            <a:extLst>
-              <a:ext uri="{FF2B5EF4-FFF2-40B4-BE49-F238E27FC236}">
-                <a16:creationId xmlns:a16="http://schemas.microsoft.com/office/drawing/2014/main" id="{28D71E72-37D7-4C71-BEA5-A9167B8E4A2D}"/>
+                <a16:creationId xmlns:a16="http://schemas.microsoft.com/office/drawing/2014/main" id="{1B90BBE1-CCF2-4B01-8758-71C0CE38D18A}"/>
               </a:ext>
             </a:extLst>
           </p:cNvPr>
@@ -3770,8 +3815,8 @@
         </p:nvSpPr>
         <p:spPr>
           <a:xfrm>
-            <a:off x="617220" y="1644611"/>
-            <a:ext cx="317716" cy="369332"/>
+            <a:off x="2247900" y="2209800"/>
+            <a:ext cx="184731" cy="369332"/>
           </a:xfrm>
           <a:prstGeom prst="rect">
             <a:avLst/>
@@ -3784,232 +3829,768 @@
           </a:bodyPr>
           <a:lstStyle/>
           <a:p>
-            <a:r>
-              <a:rPr lang="en-US" dirty="0">
-                <a:solidFill>
-                  <a:schemeClr val="accent2"/>
-                </a:solidFill>
-              </a:rPr>
-              <a:t>A</a:t>
-            </a:r>
-            <a:endParaRPr lang="cs-CZ" dirty="0">
-              <a:solidFill>
-                <a:schemeClr val="accent2"/>
-              </a:solidFill>
-            </a:endParaRPr>
-          </a:p>
-        </p:txBody>
-      </p:sp>
-      <p:sp>
-        <p:nvSpPr>
-          <p:cNvPr id="9" name="TextovéPole 8">
+            <a:endParaRPr lang="cs-CZ" dirty="0"/>
+          </a:p>
+        </p:txBody>
+      </p:sp>
+      <p:grpSp>
+        <p:nvGrpSpPr>
+          <p:cNvPr id="36" name="Skupina 35">
             <a:extLst>
               <a:ext uri="{FF2B5EF4-FFF2-40B4-BE49-F238E27FC236}">
-                <a16:creationId xmlns:a16="http://schemas.microsoft.com/office/drawing/2014/main" id="{BEB6768E-81A7-4127-A6FE-F04B87C538C2}"/>
+                <a16:creationId xmlns:a16="http://schemas.microsoft.com/office/drawing/2014/main" id="{5C832927-42B0-43C1-9EF0-0BA87E3C767D}"/>
               </a:ext>
             </a:extLst>
           </p:cNvPr>
-          <p:cNvSpPr txBox="1"/>
+          <p:cNvGrpSpPr/>
           <p:nvPr/>
-        </p:nvSpPr>
-        <p:spPr>
+        </p:nvGrpSpPr>
+        <p:grpSpPr>
           <a:xfrm>
-            <a:off x="617220" y="4312920"/>
-            <a:ext cx="317716" cy="369332"/>
+            <a:off x="73826" y="1167915"/>
+            <a:ext cx="4191838" cy="2694255"/>
+            <a:chOff x="38228" y="602800"/>
+            <a:chExt cx="4191838" cy="2694255"/>
           </a:xfrm>
-          <a:prstGeom prst="rect">
-            <a:avLst/>
-          </a:prstGeom>
-          <a:noFill/>
-        </p:spPr>
-        <p:txBody>
-          <a:bodyPr wrap="none" rtlCol="0">
-            <a:spAutoFit/>
-          </a:bodyPr>
-          <a:lstStyle/>
-          <a:p>
-            <a:r>
-              <a:rPr lang="en-US" dirty="0">
-                <a:solidFill>
-                  <a:schemeClr val="accent2"/>
-                </a:solidFill>
-              </a:rPr>
-              <a:t>B</a:t>
-            </a:r>
-            <a:endParaRPr lang="cs-CZ" dirty="0">
+        </p:grpSpPr>
+        <p:pic>
+          <p:nvPicPr>
+            <p:cNvPr id="35" name="Obrázek 34">
+              <a:extLst>
+                <a:ext uri="{FF2B5EF4-FFF2-40B4-BE49-F238E27FC236}">
+                  <a16:creationId xmlns:a16="http://schemas.microsoft.com/office/drawing/2014/main" id="{D0B8E936-614A-40E7-8A1A-D4D9B13D9E3E}"/>
+                </a:ext>
+              </a:extLst>
+            </p:cNvPr>
+            <p:cNvPicPr>
+              <a:picLocks noChangeAspect="1"/>
+            </p:cNvPicPr>
+            <p:nvPr/>
+          </p:nvPicPr>
+          <p:blipFill>
+            <a:blip r:embed="rId2"/>
+            <a:stretch>
+              <a:fillRect/>
+            </a:stretch>
+          </p:blipFill>
+          <p:spPr>
+            <a:xfrm>
+              <a:off x="70774" y="957453"/>
+              <a:ext cx="4159292" cy="2339602"/>
+            </a:xfrm>
+            <a:prstGeom prst="rect">
+              <a:avLst/>
+            </a:prstGeom>
+          </p:spPr>
+        </p:pic>
+        <p:grpSp>
+          <p:nvGrpSpPr>
+            <p:cNvPr id="27" name="Skupina 26">
+              <a:extLst>
+                <a:ext uri="{FF2B5EF4-FFF2-40B4-BE49-F238E27FC236}">
+                  <a16:creationId xmlns:a16="http://schemas.microsoft.com/office/drawing/2014/main" id="{9A0E4EBA-12F5-4DF8-9441-AB5015706441}"/>
+                </a:ext>
+              </a:extLst>
+            </p:cNvPr>
+            <p:cNvGrpSpPr/>
+            <p:nvPr/>
+          </p:nvGrpSpPr>
+          <p:grpSpPr>
+            <a:xfrm>
+              <a:off x="38228" y="602800"/>
+              <a:ext cx="4109910" cy="1950295"/>
+              <a:chOff x="38228" y="602800"/>
+              <a:chExt cx="4109910" cy="1950295"/>
+            </a:xfrm>
+          </p:grpSpPr>
+          <p:sp>
+            <p:nvSpPr>
+              <p:cNvPr id="15" name="TextovéPole 14">
+                <a:extLst>
+                  <a:ext uri="{FF2B5EF4-FFF2-40B4-BE49-F238E27FC236}">
+                    <a16:creationId xmlns:a16="http://schemas.microsoft.com/office/drawing/2014/main" id="{2B689ED0-4685-405A-BDAB-966AF165A98F}"/>
+                  </a:ext>
+                </a:extLst>
+              </p:cNvPr>
+              <p:cNvSpPr txBox="1"/>
+              <p:nvPr/>
+            </p:nvSpPr>
+            <p:spPr>
+              <a:xfrm>
+                <a:off x="38228" y="602800"/>
+                <a:ext cx="348326" cy="369332"/>
+              </a:xfrm>
+              <a:prstGeom prst="rect">
+                <a:avLst/>
+              </a:prstGeom>
+              <a:noFill/>
+            </p:spPr>
+            <p:txBody>
+              <a:bodyPr wrap="square" rtlCol="0">
+                <a:spAutoFit/>
+              </a:bodyPr>
+              <a:lstStyle/>
+              <a:p>
+                <a:r>
+                  <a:rPr lang="en-US" dirty="0">
+                    <a:solidFill>
+                      <a:srgbClr val="FF0000"/>
+                    </a:solidFill>
+                  </a:rPr>
+                  <a:t>A</a:t>
+                </a:r>
+                <a:endParaRPr lang="cs-CZ" dirty="0">
+                  <a:solidFill>
+                    <a:srgbClr val="FF0000"/>
+                  </a:solidFill>
+                </a:endParaRPr>
+              </a:p>
+            </p:txBody>
+          </p:sp>
+          <p:sp>
+            <p:nvSpPr>
+              <p:cNvPr id="20" name="TextovéPole 19">
+                <a:extLst>
+                  <a:ext uri="{FF2B5EF4-FFF2-40B4-BE49-F238E27FC236}">
+                    <a16:creationId xmlns:a16="http://schemas.microsoft.com/office/drawing/2014/main" id="{965B988C-2DAB-4BB2-AC51-7C7A1EB66F98}"/>
+                  </a:ext>
+                </a:extLst>
+              </p:cNvPr>
+              <p:cNvSpPr txBox="1"/>
+              <p:nvPr/>
+            </p:nvSpPr>
+            <p:spPr>
+              <a:xfrm>
+                <a:off x="2057400" y="1691321"/>
+                <a:ext cx="2090738" cy="861774"/>
+              </a:xfrm>
+              <a:prstGeom prst="rect">
+                <a:avLst/>
+              </a:prstGeom>
               <a:solidFill>
-                <a:schemeClr val="accent2"/>
+                <a:srgbClr val="00B050"/>
               </a:solidFill>
-            </a:endParaRPr>
-          </a:p>
-        </p:txBody>
-      </p:sp>
-      <p:sp>
-        <p:nvSpPr>
-          <p:cNvPr id="10" name="TextovéPole 9">
+            </p:spPr>
+            <p:txBody>
+              <a:bodyPr wrap="square" rtlCol="0">
+                <a:spAutoFit/>
+              </a:bodyPr>
+              <a:lstStyle/>
+              <a:p>
+                <a:r>
+                  <a:rPr lang="cs-CZ" sz="1000" dirty="0">
+                    <a:solidFill>
+                      <a:schemeClr val="bg1"/>
+                    </a:solidFill>
+                  </a:rPr>
+                  <a:t>Je potřeba kliknout pravým tlačítkem myši na ikonu instalace. </a:t>
+                </a:r>
+              </a:p>
+              <a:p>
+                <a:r>
+                  <a:rPr lang="cs-CZ" sz="1000" dirty="0">
+                    <a:solidFill>
+                      <a:schemeClr val="bg1"/>
+                    </a:solidFill>
+                  </a:rPr>
+                  <a:t>Následně vybrat Run </a:t>
+                </a:r>
+                <a:r>
+                  <a:rPr lang="cs-CZ" sz="1000" dirty="0" err="1">
+                    <a:solidFill>
+                      <a:schemeClr val="bg1"/>
+                    </a:solidFill>
+                  </a:rPr>
+                  <a:t>with</a:t>
+                </a:r>
+                <a:r>
+                  <a:rPr lang="cs-CZ" sz="1000" dirty="0">
+                    <a:solidFill>
+                      <a:schemeClr val="bg1"/>
+                    </a:solidFill>
+                  </a:rPr>
+                  <a:t> </a:t>
+                </a:r>
+                <a:r>
+                  <a:rPr lang="cs-CZ" sz="1000" dirty="0" err="1">
+                    <a:solidFill>
+                      <a:schemeClr val="bg1"/>
+                    </a:solidFill>
+                  </a:rPr>
+                  <a:t>PowerShell</a:t>
+                </a:r>
+                <a:r>
+                  <a:rPr lang="cs-CZ" sz="1000" dirty="0">
+                    <a:solidFill>
+                      <a:schemeClr val="bg1"/>
+                    </a:solidFill>
+                  </a:rPr>
+                  <a:t>.</a:t>
+                </a:r>
+              </a:p>
+            </p:txBody>
+          </p:sp>
+        </p:grpSp>
+      </p:grpSp>
+      <p:grpSp>
+        <p:nvGrpSpPr>
+          <p:cNvPr id="26" name="Skupina 25">
             <a:extLst>
               <a:ext uri="{FF2B5EF4-FFF2-40B4-BE49-F238E27FC236}">
-                <a16:creationId xmlns:a16="http://schemas.microsoft.com/office/drawing/2014/main" id="{FA003E57-519B-4F76-BB12-908C8E7121B2}"/>
+                <a16:creationId xmlns:a16="http://schemas.microsoft.com/office/drawing/2014/main" id="{418E9DCA-ED29-4AF5-BB3F-47D2E35BE952}"/>
               </a:ext>
             </a:extLst>
           </p:cNvPr>
-          <p:cNvSpPr txBox="1"/>
+          <p:cNvGrpSpPr/>
           <p:nvPr/>
-        </p:nvSpPr>
-        <p:spPr>
+        </p:nvGrpSpPr>
+        <p:grpSpPr>
           <a:xfrm>
-            <a:off x="5616232" y="1584960"/>
-            <a:ext cx="317716" cy="369332"/>
+            <a:off x="4392704" y="1179727"/>
+            <a:ext cx="3187924" cy="2682442"/>
+            <a:chOff x="6469" y="3548520"/>
+            <a:chExt cx="3943743" cy="3026276"/>
           </a:xfrm>
-          <a:prstGeom prst="rect">
-            <a:avLst/>
-          </a:prstGeom>
-          <a:noFill/>
-        </p:spPr>
-        <p:txBody>
-          <a:bodyPr wrap="none" rtlCol="0">
-            <a:spAutoFit/>
-          </a:bodyPr>
-          <a:lstStyle/>
-          <a:p>
-            <a:r>
-              <a:rPr lang="en-US" dirty="0">
-                <a:solidFill>
-                  <a:schemeClr val="accent2"/>
-                </a:solidFill>
-              </a:rPr>
-              <a:t>C</a:t>
-            </a:r>
-            <a:endParaRPr lang="cs-CZ" dirty="0">
-              <a:solidFill>
-                <a:schemeClr val="accent2"/>
-              </a:solidFill>
-            </a:endParaRPr>
-          </a:p>
-        </p:txBody>
-      </p:sp>
-      <p:sp>
-        <p:nvSpPr>
-          <p:cNvPr id="11" name="TextovéPole 10">
+        </p:grpSpPr>
+        <p:pic>
+          <p:nvPicPr>
+            <p:cNvPr id="5" name="Obrázek 4">
+              <a:extLst>
+                <a:ext uri="{FF2B5EF4-FFF2-40B4-BE49-F238E27FC236}">
+                  <a16:creationId xmlns:a16="http://schemas.microsoft.com/office/drawing/2014/main" id="{7A7043F9-2759-432B-BE2C-462767856A3D}"/>
+                </a:ext>
+              </a:extLst>
+            </p:cNvPr>
+            <p:cNvPicPr>
+              <a:picLocks noChangeAspect="1"/>
+            </p:cNvPicPr>
+            <p:nvPr/>
+          </p:nvPicPr>
+          <p:blipFill>
+            <a:blip r:embed="rId3"/>
+            <a:stretch>
+              <a:fillRect/>
+            </a:stretch>
+          </p:blipFill>
+          <p:spPr>
+            <a:xfrm>
+              <a:off x="88651" y="3939178"/>
+              <a:ext cx="3861561" cy="2635618"/>
+            </a:xfrm>
+            <a:prstGeom prst="rect">
+              <a:avLst/>
+            </a:prstGeom>
+          </p:spPr>
+        </p:pic>
+        <p:sp>
+          <p:nvSpPr>
+            <p:cNvPr id="16" name="TextovéPole 15">
+              <a:extLst>
+                <a:ext uri="{FF2B5EF4-FFF2-40B4-BE49-F238E27FC236}">
+                  <a16:creationId xmlns:a16="http://schemas.microsoft.com/office/drawing/2014/main" id="{A1708981-4CC3-4232-AF96-4EC2245A42B9}"/>
+                </a:ext>
+              </a:extLst>
+            </p:cNvPr>
+            <p:cNvSpPr txBox="1"/>
+            <p:nvPr/>
+          </p:nvSpPr>
+          <p:spPr>
+            <a:xfrm>
+              <a:off x="6469" y="3548520"/>
+              <a:ext cx="445856" cy="437386"/>
+            </a:xfrm>
+            <a:prstGeom prst="rect">
+              <a:avLst/>
+            </a:prstGeom>
+            <a:noFill/>
+          </p:spPr>
+          <p:txBody>
+            <a:bodyPr wrap="none" rtlCol="0">
+              <a:spAutoFit/>
+            </a:bodyPr>
+            <a:lstStyle/>
+            <a:p>
+              <a:r>
+                <a:rPr lang="cs-CZ" dirty="0">
+                  <a:solidFill>
+                    <a:srgbClr val="FF0000"/>
+                  </a:solidFill>
+                </a:rPr>
+                <a:t>C</a:t>
+              </a:r>
+            </a:p>
+          </p:txBody>
+        </p:sp>
+        <p:sp>
+          <p:nvSpPr>
+            <p:cNvPr id="21" name="TextovéPole 20">
+              <a:extLst>
+                <a:ext uri="{FF2B5EF4-FFF2-40B4-BE49-F238E27FC236}">
+                  <a16:creationId xmlns:a16="http://schemas.microsoft.com/office/drawing/2014/main" id="{D0575FC0-BD01-496E-AABB-8CDC80F673DC}"/>
+                </a:ext>
+              </a:extLst>
+            </p:cNvPr>
+            <p:cNvSpPr txBox="1"/>
+            <p:nvPr/>
+          </p:nvSpPr>
+          <p:spPr>
+            <a:xfrm>
+              <a:off x="1236962" y="4918964"/>
+              <a:ext cx="2523211" cy="473835"/>
+            </a:xfrm>
+            <a:prstGeom prst="rect">
+              <a:avLst/>
+            </a:prstGeom>
+            <a:solidFill>
+              <a:srgbClr val="00B050"/>
+            </a:solidFill>
+          </p:spPr>
+          <p:txBody>
+            <a:bodyPr wrap="square" rtlCol="0">
+              <a:spAutoFit/>
+            </a:bodyPr>
+            <a:lstStyle/>
+            <a:p>
+              <a:r>
+                <a:rPr lang="cs-CZ" sz="1000" dirty="0">
+                  <a:solidFill>
+                    <a:schemeClr val="bg1"/>
+                  </a:solidFill>
+                </a:rPr>
+                <a:t>Je potřeba nainstalovat certifikát. Klikněte na Enter.</a:t>
+              </a:r>
+            </a:p>
+          </p:txBody>
+        </p:sp>
+      </p:grpSp>
+      <p:grpSp>
+        <p:nvGrpSpPr>
+          <p:cNvPr id="25" name="Skupina 24">
             <a:extLst>
               <a:ext uri="{FF2B5EF4-FFF2-40B4-BE49-F238E27FC236}">
-                <a16:creationId xmlns:a16="http://schemas.microsoft.com/office/drawing/2014/main" id="{7ADA5499-F6ED-418A-A017-A143280986D5}"/>
+                <a16:creationId xmlns:a16="http://schemas.microsoft.com/office/drawing/2014/main" id="{F1508C21-2631-4C81-A38D-6F4B938C7C1B}"/>
               </a:ext>
             </a:extLst>
           </p:cNvPr>
-          <p:cNvSpPr txBox="1"/>
+          <p:cNvGrpSpPr/>
           <p:nvPr/>
-        </p:nvSpPr>
-        <p:spPr>
+        </p:nvGrpSpPr>
+        <p:grpSpPr>
           <a:xfrm>
-            <a:off x="5616232" y="4182428"/>
-            <a:ext cx="327334" cy="369332"/>
+            <a:off x="4392703" y="4010026"/>
+            <a:ext cx="3186433" cy="2749850"/>
+            <a:chOff x="5181835" y="565051"/>
+            <a:chExt cx="3734765" cy="2863727"/>
           </a:xfrm>
-          <a:prstGeom prst="rect">
-            <a:avLst/>
-          </a:prstGeom>
-          <a:noFill/>
-        </p:spPr>
-        <p:txBody>
-          <a:bodyPr wrap="none" rtlCol="0">
-            <a:spAutoFit/>
-          </a:bodyPr>
-          <a:lstStyle/>
-          <a:p>
-            <a:r>
-              <a:rPr lang="en-US" dirty="0">
-                <a:solidFill>
-                  <a:schemeClr val="accent2"/>
-                </a:solidFill>
-              </a:rPr>
-              <a:t>D</a:t>
-            </a:r>
-            <a:endParaRPr lang="cs-CZ" dirty="0">
-              <a:solidFill>
-                <a:schemeClr val="accent2"/>
-              </a:solidFill>
-            </a:endParaRPr>
-          </a:p>
-        </p:txBody>
-      </p:sp>
-      <p:pic>
-        <p:nvPicPr>
-          <p:cNvPr id="14" name="Obrázek 13">
+        </p:grpSpPr>
+        <p:pic>
+          <p:nvPicPr>
+            <p:cNvPr id="7" name="Obrázek 6">
+              <a:extLst>
+                <a:ext uri="{FF2B5EF4-FFF2-40B4-BE49-F238E27FC236}">
+                  <a16:creationId xmlns:a16="http://schemas.microsoft.com/office/drawing/2014/main" id="{D7851B8D-FD8E-44CC-A595-56AA707B6035}"/>
+                </a:ext>
+              </a:extLst>
+            </p:cNvPr>
+            <p:cNvPicPr>
+              <a:picLocks noChangeAspect="1"/>
+            </p:cNvPicPr>
+            <p:nvPr/>
+          </p:nvPicPr>
+          <p:blipFill>
+            <a:blip r:embed="rId4"/>
+            <a:stretch>
+              <a:fillRect/>
+            </a:stretch>
+          </p:blipFill>
+          <p:spPr>
+            <a:xfrm>
+              <a:off x="5272383" y="941503"/>
+              <a:ext cx="3644217" cy="2487275"/>
+            </a:xfrm>
+            <a:prstGeom prst="rect">
+              <a:avLst/>
+            </a:prstGeom>
+          </p:spPr>
+        </p:pic>
+        <p:sp>
+          <p:nvSpPr>
+            <p:cNvPr id="17" name="TextovéPole 16">
+              <a:extLst>
+                <a:ext uri="{FF2B5EF4-FFF2-40B4-BE49-F238E27FC236}">
+                  <a16:creationId xmlns:a16="http://schemas.microsoft.com/office/drawing/2014/main" id="{B122315B-7A27-4045-A376-3756D16A6956}"/>
+                </a:ext>
+              </a:extLst>
+            </p:cNvPr>
+            <p:cNvSpPr txBox="1"/>
+            <p:nvPr/>
+          </p:nvSpPr>
+          <p:spPr>
+            <a:xfrm>
+              <a:off x="5181835" y="565051"/>
+              <a:ext cx="436942" cy="456031"/>
+            </a:xfrm>
+            <a:prstGeom prst="rect">
+              <a:avLst/>
+            </a:prstGeom>
+            <a:noFill/>
+          </p:spPr>
+          <p:txBody>
+            <a:bodyPr wrap="none" rtlCol="0">
+              <a:spAutoFit/>
+            </a:bodyPr>
+            <a:lstStyle/>
+            <a:p>
+              <a:r>
+                <a:rPr lang="cs-CZ" dirty="0">
+                  <a:solidFill>
+                    <a:srgbClr val="FF0000"/>
+                  </a:solidFill>
+                </a:rPr>
+                <a:t>D</a:t>
+              </a:r>
+            </a:p>
+          </p:txBody>
+        </p:sp>
+        <p:sp>
+          <p:nvSpPr>
+            <p:cNvPr id="22" name="TextovéPole 21">
+              <a:extLst>
+                <a:ext uri="{FF2B5EF4-FFF2-40B4-BE49-F238E27FC236}">
+                  <a16:creationId xmlns:a16="http://schemas.microsoft.com/office/drawing/2014/main" id="{A6A69751-4295-418B-B9DE-378B411ED497}"/>
+                </a:ext>
+              </a:extLst>
+            </p:cNvPr>
+            <p:cNvSpPr txBox="1"/>
+            <p:nvPr/>
+          </p:nvSpPr>
+          <p:spPr>
+            <a:xfrm>
+              <a:off x="6347672" y="1726258"/>
+              <a:ext cx="2390621" cy="737201"/>
+            </a:xfrm>
+            <a:prstGeom prst="rect">
+              <a:avLst/>
+            </a:prstGeom>
+            <a:solidFill>
+              <a:srgbClr val="00B050"/>
+            </a:solidFill>
+          </p:spPr>
+          <p:txBody>
+            <a:bodyPr wrap="square" rtlCol="0">
+              <a:spAutoFit/>
+            </a:bodyPr>
+            <a:lstStyle/>
+            <a:p>
+              <a:r>
+                <a:rPr lang="cs-CZ" sz="1000" dirty="0">
+                  <a:solidFill>
+                    <a:schemeClr val="bg1"/>
+                  </a:solidFill>
+                </a:rPr>
+                <a:t>Pro instalaci certifikátu je potřeba odsouhlasit, zda může být daný certifikát nainstalován.</a:t>
+              </a:r>
+            </a:p>
+          </p:txBody>
+        </p:sp>
+      </p:grpSp>
+      <p:grpSp>
+        <p:nvGrpSpPr>
+          <p:cNvPr id="24" name="Skupina 23">
             <a:extLst>
               <a:ext uri="{FF2B5EF4-FFF2-40B4-BE49-F238E27FC236}">
-                <a16:creationId xmlns:a16="http://schemas.microsoft.com/office/drawing/2014/main" id="{F3A96C3C-75B7-48C6-8AEB-AA471231941D}"/>
+                <a16:creationId xmlns:a16="http://schemas.microsoft.com/office/drawing/2014/main" id="{99C07384-F920-4D6D-8D05-A1A3359FB3EA}"/>
               </a:ext>
             </a:extLst>
           </p:cNvPr>
-          <p:cNvPicPr>
-            <a:picLocks noChangeAspect="1"/>
-          </p:cNvPicPr>
+          <p:cNvGrpSpPr/>
           <p:nvPr/>
-        </p:nvPicPr>
-        <p:blipFill>
-          <a:blip r:embed="rId6"/>
-          <a:stretch>
-            <a:fillRect/>
-          </a:stretch>
-        </p:blipFill>
-        <p:spPr>
+        </p:nvGrpSpPr>
+        <p:grpSpPr>
           <a:xfrm>
-            <a:off x="9006971" y="1268731"/>
-            <a:ext cx="2711629" cy="2650807"/>
+            <a:off x="7899839" y="1179727"/>
+            <a:ext cx="3327097" cy="2679009"/>
+            <a:chOff x="5236674" y="3522128"/>
+            <a:chExt cx="3895234" cy="3048760"/>
           </a:xfrm>
-          <a:prstGeom prst="rect">
-            <a:avLst/>
-          </a:prstGeom>
-        </p:spPr>
-      </p:pic>
-      <p:sp>
-        <p:nvSpPr>
-          <p:cNvPr id="15" name="TextovéPole 14">
+        </p:grpSpPr>
+        <p:pic>
+          <p:nvPicPr>
+            <p:cNvPr id="9" name="Obrázek 8">
+              <a:extLst>
+                <a:ext uri="{FF2B5EF4-FFF2-40B4-BE49-F238E27FC236}">
+                  <a16:creationId xmlns:a16="http://schemas.microsoft.com/office/drawing/2014/main" id="{553DCF67-E0C0-4A7F-9807-4C93A20FD3DC}"/>
+                </a:ext>
+              </a:extLst>
+            </p:cNvPr>
+            <p:cNvPicPr>
+              <a:picLocks noChangeAspect="1"/>
+            </p:cNvPicPr>
+            <p:nvPr/>
+          </p:nvPicPr>
+          <p:blipFill>
+            <a:blip r:embed="rId5"/>
+            <a:stretch>
+              <a:fillRect/>
+            </a:stretch>
+          </p:blipFill>
+          <p:spPr>
+            <a:xfrm>
+              <a:off x="5236674" y="3912287"/>
+              <a:ext cx="3895234" cy="2658601"/>
+            </a:xfrm>
+            <a:prstGeom prst="rect">
+              <a:avLst/>
+            </a:prstGeom>
+          </p:spPr>
+        </p:pic>
+        <p:sp>
+          <p:nvSpPr>
+            <p:cNvPr id="18" name="TextovéPole 17">
+              <a:extLst>
+                <a:ext uri="{FF2B5EF4-FFF2-40B4-BE49-F238E27FC236}">
+                  <a16:creationId xmlns:a16="http://schemas.microsoft.com/office/drawing/2014/main" id="{0A4F7AD1-2D66-46CC-BC87-6856F5BA951F}"/>
+                </a:ext>
+              </a:extLst>
+            </p:cNvPr>
+            <p:cNvSpPr txBox="1"/>
+            <p:nvPr/>
+          </p:nvSpPr>
+          <p:spPr>
+            <a:xfrm>
+              <a:off x="5236674" y="3522128"/>
+              <a:ext cx="411380" cy="420306"/>
+            </a:xfrm>
+            <a:prstGeom prst="rect">
+              <a:avLst/>
+            </a:prstGeom>
+            <a:noFill/>
+          </p:spPr>
+          <p:txBody>
+            <a:bodyPr wrap="none" rtlCol="0">
+              <a:spAutoFit/>
+            </a:bodyPr>
+            <a:lstStyle/>
+            <a:p>
+              <a:r>
+                <a:rPr lang="cs-CZ" dirty="0">
+                  <a:solidFill>
+                    <a:srgbClr val="FF0000"/>
+                  </a:solidFill>
+                </a:rPr>
+                <a:t>E</a:t>
+              </a:r>
+            </a:p>
+          </p:txBody>
+        </p:sp>
+        <p:sp>
+          <p:nvSpPr>
+            <p:cNvPr id="23" name="TextovéPole 22">
+              <a:extLst>
+                <a:ext uri="{FF2B5EF4-FFF2-40B4-BE49-F238E27FC236}">
+                  <a16:creationId xmlns:a16="http://schemas.microsoft.com/office/drawing/2014/main" id="{C413F2C7-159A-4909-ABF5-AB8A3C0289E8}"/>
+                </a:ext>
+              </a:extLst>
+            </p:cNvPr>
+            <p:cNvSpPr txBox="1"/>
+            <p:nvPr/>
+          </p:nvSpPr>
+          <p:spPr>
+            <a:xfrm>
+              <a:off x="6882181" y="5963215"/>
+              <a:ext cx="2090738" cy="400110"/>
+            </a:xfrm>
+            <a:prstGeom prst="rect">
+              <a:avLst/>
+            </a:prstGeom>
+            <a:solidFill>
+              <a:srgbClr val="00B050"/>
+            </a:solidFill>
+          </p:spPr>
+          <p:txBody>
+            <a:bodyPr wrap="square" rtlCol="0">
+              <a:spAutoFit/>
+            </a:bodyPr>
+            <a:lstStyle/>
+            <a:p>
+              <a:r>
+                <a:rPr lang="cs-CZ" sz="1000" dirty="0">
+                  <a:solidFill>
+                    <a:schemeClr val="bg1"/>
+                  </a:solidFill>
+                </a:rPr>
+                <a:t>Po správném nastavení probíhá instalace aplikace.</a:t>
+              </a:r>
+            </a:p>
+          </p:txBody>
+        </p:sp>
+      </p:grpSp>
+      <p:grpSp>
+        <p:nvGrpSpPr>
+          <p:cNvPr id="37" name="Skupina 36">
             <a:extLst>
               <a:ext uri="{FF2B5EF4-FFF2-40B4-BE49-F238E27FC236}">
-                <a16:creationId xmlns:a16="http://schemas.microsoft.com/office/drawing/2014/main" id="{E98D1235-0CE0-4CF2-A91C-9E3D6450BA40}"/>
+                <a16:creationId xmlns:a16="http://schemas.microsoft.com/office/drawing/2014/main" id="{4F2AB8F6-7DBA-4C63-B471-669BC75DBE5F}"/>
               </a:ext>
             </a:extLst>
           </p:cNvPr>
-          <p:cNvSpPr txBox="1"/>
+          <p:cNvGrpSpPr/>
           <p:nvPr/>
-        </p:nvSpPr>
-        <p:spPr>
+        </p:nvGrpSpPr>
+        <p:grpSpPr>
           <a:xfrm>
-            <a:off x="8940040" y="1386482"/>
-            <a:ext cx="296876" cy="369332"/>
+            <a:off x="70774" y="4098375"/>
+            <a:ext cx="3501340" cy="2661501"/>
+            <a:chOff x="63962" y="3547547"/>
+            <a:chExt cx="3501340" cy="2661501"/>
           </a:xfrm>
-          <a:prstGeom prst="rect">
-            <a:avLst/>
-          </a:prstGeom>
-          <a:noFill/>
-        </p:spPr>
-        <p:txBody>
-          <a:bodyPr wrap="none" rtlCol="0">
-            <a:spAutoFit/>
-          </a:bodyPr>
-          <a:lstStyle/>
-          <a:p>
-            <a:r>
-              <a:rPr lang="en-US" dirty="0">
-                <a:solidFill>
-                  <a:schemeClr val="accent2"/>
-                </a:solidFill>
-              </a:rPr>
-              <a:t>E</a:t>
-            </a:r>
-            <a:endParaRPr lang="cs-CZ" dirty="0">
+        </p:grpSpPr>
+        <p:pic>
+          <p:nvPicPr>
+            <p:cNvPr id="33" name="Obrázek 32">
+              <a:extLst>
+                <a:ext uri="{FF2B5EF4-FFF2-40B4-BE49-F238E27FC236}">
+                  <a16:creationId xmlns:a16="http://schemas.microsoft.com/office/drawing/2014/main" id="{9273A30D-7118-440C-99BB-B566FA2A1D0F}"/>
+                </a:ext>
+              </a:extLst>
+            </p:cNvPr>
+            <p:cNvPicPr>
+              <a:picLocks noChangeAspect="1"/>
+            </p:cNvPicPr>
+            <p:nvPr/>
+          </p:nvPicPr>
+          <p:blipFill>
+            <a:blip r:embed="rId6"/>
+            <a:stretch>
+              <a:fillRect/>
+            </a:stretch>
+          </p:blipFill>
+          <p:spPr>
+            <a:xfrm>
+              <a:off x="137449" y="3869447"/>
+              <a:ext cx="3427853" cy="2339601"/>
+            </a:xfrm>
+            <a:prstGeom prst="rect">
+              <a:avLst/>
+            </a:prstGeom>
+          </p:spPr>
+        </p:pic>
+        <p:grpSp>
+          <p:nvGrpSpPr>
+            <p:cNvPr id="28" name="Skupina 27">
+              <a:extLst>
+                <a:ext uri="{FF2B5EF4-FFF2-40B4-BE49-F238E27FC236}">
+                  <a16:creationId xmlns:a16="http://schemas.microsoft.com/office/drawing/2014/main" id="{2F0BB375-9830-41D8-AE83-8AD9F41D84F9}"/>
+                </a:ext>
+              </a:extLst>
+            </p:cNvPr>
+            <p:cNvGrpSpPr/>
+            <p:nvPr/>
+          </p:nvGrpSpPr>
+          <p:grpSpPr>
+            <a:xfrm>
+              <a:off x="63962" y="3547547"/>
+              <a:ext cx="3316122" cy="1133174"/>
+              <a:chOff x="40937" y="3872414"/>
+              <a:chExt cx="4207759" cy="1341975"/>
+            </a:xfrm>
+          </p:grpSpPr>
+          <p:sp>
+            <p:nvSpPr>
+              <p:cNvPr id="30" name="TextovéPole 29">
+                <a:extLst>
+                  <a:ext uri="{FF2B5EF4-FFF2-40B4-BE49-F238E27FC236}">
+                    <a16:creationId xmlns:a16="http://schemas.microsoft.com/office/drawing/2014/main" id="{7E7357D2-B6F5-4C50-8898-6F47CE32EB73}"/>
+                  </a:ext>
+                </a:extLst>
+              </p:cNvPr>
+              <p:cNvSpPr txBox="1"/>
+              <p:nvPr/>
+            </p:nvSpPr>
+            <p:spPr>
+              <a:xfrm>
+                <a:off x="40937" y="3872414"/>
+                <a:ext cx="445856" cy="437386"/>
+              </a:xfrm>
+              <a:prstGeom prst="rect">
+                <a:avLst/>
+              </a:prstGeom>
+              <a:noFill/>
+            </p:spPr>
+            <p:txBody>
+              <a:bodyPr wrap="none" rtlCol="0">
+                <a:spAutoFit/>
+              </a:bodyPr>
+              <a:lstStyle/>
+              <a:p>
+                <a:r>
+                  <a:rPr lang="cs-CZ" dirty="0">
+                    <a:solidFill>
+                      <a:srgbClr val="FF0000"/>
+                    </a:solidFill>
+                  </a:rPr>
+                  <a:t>B</a:t>
+                </a:r>
+              </a:p>
+            </p:txBody>
+          </p:sp>
+          <p:sp>
+            <p:nvSpPr>
+              <p:cNvPr id="31" name="TextovéPole 30">
+                <a:extLst>
+                  <a:ext uri="{FF2B5EF4-FFF2-40B4-BE49-F238E27FC236}">
+                    <a16:creationId xmlns:a16="http://schemas.microsoft.com/office/drawing/2014/main" id="{D5D397E9-C62F-445C-AA5E-58504D8ABCD5}"/>
+                  </a:ext>
+                </a:extLst>
+              </p:cNvPr>
+              <p:cNvSpPr txBox="1"/>
+              <p:nvPr/>
+            </p:nvSpPr>
+            <p:spPr>
+              <a:xfrm>
+                <a:off x="1725485" y="4740554"/>
+                <a:ext cx="2523211" cy="473835"/>
+              </a:xfrm>
+              <a:prstGeom prst="rect">
+                <a:avLst/>
+              </a:prstGeom>
               <a:solidFill>
-                <a:schemeClr val="accent2"/>
+                <a:srgbClr val="00B050"/>
               </a:solidFill>
-            </a:endParaRPr>
-          </a:p>
-        </p:txBody>
-      </p:sp>
+            </p:spPr>
+            <p:txBody>
+              <a:bodyPr wrap="square" rtlCol="0">
+                <a:spAutoFit/>
+              </a:bodyPr>
+              <a:lstStyle/>
+              <a:p>
+                <a:r>
+                  <a:rPr lang="cs-CZ" sz="1000" dirty="0">
+                    <a:solidFill>
+                      <a:schemeClr val="bg1"/>
+                    </a:solidFill>
+                  </a:rPr>
+                  <a:t>Je potřeba zadat</a:t>
+                </a:r>
+              </a:p>
+              <a:p>
+                <a:r>
+                  <a:rPr lang="cs-CZ" sz="1000" dirty="0">
+                    <a:solidFill>
+                      <a:schemeClr val="bg1"/>
+                    </a:solidFill>
+                  </a:rPr>
+                  <a:t> „Y“ nebo „A“.</a:t>
+                </a:r>
+              </a:p>
+            </p:txBody>
+          </p:sp>
+        </p:grpSp>
+      </p:grpSp>
     </p:spTree>
     <p:extLst>
       <p:ext uri="{BB962C8B-B14F-4D97-AF65-F5344CB8AC3E}">
-        <p14:creationId xmlns:p14="http://schemas.microsoft.com/office/powerpoint/2010/main" val="2931907626"/>
+        <p14:creationId xmlns:p14="http://schemas.microsoft.com/office/powerpoint/2010/main" val="3715989172"/>
       </p:ext>
     </p:extLst>
   </p:cSld>
@@ -4038,10 +4619,10 @@
       </p:grpSpPr>
       <p:pic>
         <p:nvPicPr>
-          <p:cNvPr id="5" name="Obrázek 4">
+          <p:cNvPr id="23" name="Obrázek 22">
             <a:extLst>
               <a:ext uri="{FF2B5EF4-FFF2-40B4-BE49-F238E27FC236}">
-                <a16:creationId xmlns:a16="http://schemas.microsoft.com/office/drawing/2014/main" id="{678E6448-1AD1-4F64-AB6F-13F72019998A}"/>
+                <a16:creationId xmlns:a16="http://schemas.microsoft.com/office/drawing/2014/main" id="{F0C1489F-C851-4B39-8374-5A6918CF5945}"/>
               </a:ext>
             </a:extLst>
           </p:cNvPr>
@@ -4058,14 +4639,602 @@
         </p:blipFill>
         <p:spPr>
           <a:xfrm>
-            <a:off x="247649" y="1327547"/>
-            <a:ext cx="4752975" cy="2574528"/>
+            <a:off x="198964" y="1658662"/>
+            <a:ext cx="4705194" cy="2548647"/>
           </a:xfrm>
           <a:prstGeom prst="rect">
             <a:avLst/>
           </a:prstGeom>
         </p:spPr>
       </p:pic>
+      <p:sp>
+        <p:nvSpPr>
+          <p:cNvPr id="2" name="Nadpis 1">
+            <a:extLst>
+              <a:ext uri="{FF2B5EF4-FFF2-40B4-BE49-F238E27FC236}">
+                <a16:creationId xmlns:a16="http://schemas.microsoft.com/office/drawing/2014/main" id="{7263635E-C77E-4A6F-8813-D8DC316A7F06}"/>
+              </a:ext>
+            </a:extLst>
+          </p:cNvPr>
+          <p:cNvSpPr>
+            <a:spLocks noGrp="1"/>
+          </p:cNvSpPr>
+          <p:nvPr>
+            <p:ph type="title"/>
+          </p:nvPr>
+        </p:nvSpPr>
+        <p:spPr/>
+        <p:txBody>
+          <a:bodyPr anchor="t">
+            <a:normAutofit/>
+          </a:bodyPr>
+          <a:lstStyle/>
+          <a:p>
+            <a:r>
+              <a:rPr lang="cs-CZ" sz="3600" dirty="0"/>
+              <a:t>Postup instalace: B-</a:t>
+            </a:r>
+            <a:r>
+              <a:rPr lang="en-US" sz="3600" dirty="0"/>
+              <a:t>Inst</a:t>
+            </a:r>
+            <a:r>
+              <a:rPr lang="cs-CZ" sz="3600" dirty="0" err="1"/>
+              <a:t>alac</a:t>
+            </a:r>
+            <a:r>
+              <a:rPr lang="en-US" sz="3600" dirty="0"/>
+              <a:t>e </a:t>
+            </a:r>
+            <a:r>
+              <a:rPr lang="en-US" sz="3600" dirty="0" err="1"/>
+              <a:t>ce</a:t>
+            </a:r>
+            <a:r>
+              <a:rPr lang="cs-CZ" sz="3600" dirty="0" err="1"/>
+              <a:t>rtif</a:t>
+            </a:r>
+            <a:r>
+              <a:rPr lang="en-US" sz="3600" dirty="0" err="1"/>
+              <a:t>ikace</a:t>
+            </a:r>
+            <a:endParaRPr lang="cs-CZ" sz="3600" dirty="0"/>
+          </a:p>
+        </p:txBody>
+      </p:sp>
+      <p:grpSp>
+        <p:nvGrpSpPr>
+          <p:cNvPr id="19" name="Skupina 18">
+            <a:extLst>
+              <a:ext uri="{FF2B5EF4-FFF2-40B4-BE49-F238E27FC236}">
+                <a16:creationId xmlns:a16="http://schemas.microsoft.com/office/drawing/2014/main" id="{F5D4D63D-FA89-4511-BFD3-A71DA4B68449}"/>
+              </a:ext>
+            </a:extLst>
+          </p:cNvPr>
+          <p:cNvGrpSpPr/>
+          <p:nvPr/>
+        </p:nvGrpSpPr>
+        <p:grpSpPr>
+          <a:xfrm>
+            <a:off x="198964" y="1334531"/>
+            <a:ext cx="1976473" cy="1027669"/>
+            <a:chOff x="477167" y="1334531"/>
+            <a:chExt cx="1976473" cy="1027669"/>
+          </a:xfrm>
+        </p:grpSpPr>
+        <p:sp>
+          <p:nvSpPr>
+            <p:cNvPr id="5" name="Šipka: doleva 4">
+              <a:extLst>
+                <a:ext uri="{FF2B5EF4-FFF2-40B4-BE49-F238E27FC236}">
+                  <a16:creationId xmlns:a16="http://schemas.microsoft.com/office/drawing/2014/main" id="{86958642-A19C-47D0-BE83-878626893373}"/>
+                </a:ext>
+              </a:extLst>
+            </p:cNvPr>
+            <p:cNvSpPr/>
+            <p:nvPr/>
+          </p:nvSpPr>
+          <p:spPr>
+            <a:xfrm>
+              <a:off x="1943100" y="2240280"/>
+              <a:ext cx="510540" cy="121920"/>
+            </a:xfrm>
+            <a:prstGeom prst="leftArrow">
+              <a:avLst/>
+            </a:prstGeom>
+            <a:solidFill>
+              <a:srgbClr val="FF0000"/>
+            </a:solidFill>
+            <a:ln>
+              <a:solidFill>
+                <a:srgbClr val="FF0000"/>
+              </a:solidFill>
+            </a:ln>
+          </p:spPr>
+          <p:style>
+            <a:lnRef idx="2">
+              <a:schemeClr val="accent2">
+                <a:shade val="50000"/>
+              </a:schemeClr>
+            </a:lnRef>
+            <a:fillRef idx="1">
+              <a:schemeClr val="accent2"/>
+            </a:fillRef>
+            <a:effectRef idx="0">
+              <a:schemeClr val="accent2"/>
+            </a:effectRef>
+            <a:fontRef idx="minor">
+              <a:schemeClr val="lt1"/>
+            </a:fontRef>
+          </p:style>
+          <p:txBody>
+            <a:bodyPr rtlCol="0" anchor="ctr"/>
+            <a:lstStyle/>
+            <a:p>
+              <a:pPr algn="ctr"/>
+              <a:endParaRPr lang="cs-CZ">
+                <a:solidFill>
+                  <a:srgbClr val="FF0000"/>
+                </a:solidFill>
+              </a:endParaRPr>
+            </a:p>
+          </p:txBody>
+        </p:sp>
+        <p:sp>
+          <p:nvSpPr>
+            <p:cNvPr id="8" name="TextovéPole 7">
+              <a:extLst>
+                <a:ext uri="{FF2B5EF4-FFF2-40B4-BE49-F238E27FC236}">
+                  <a16:creationId xmlns:a16="http://schemas.microsoft.com/office/drawing/2014/main" id="{28D71E72-37D7-4C71-BEA5-A9167B8E4A2D}"/>
+                </a:ext>
+              </a:extLst>
+            </p:cNvPr>
+            <p:cNvSpPr txBox="1"/>
+            <p:nvPr/>
+          </p:nvSpPr>
+          <p:spPr>
+            <a:xfrm>
+              <a:off x="477167" y="1334531"/>
+              <a:ext cx="351378" cy="369332"/>
+            </a:xfrm>
+            <a:prstGeom prst="rect">
+              <a:avLst/>
+            </a:prstGeom>
+            <a:noFill/>
+          </p:spPr>
+          <p:txBody>
+            <a:bodyPr wrap="none" rtlCol="0">
+              <a:spAutoFit/>
+            </a:bodyPr>
+            <a:lstStyle/>
+            <a:p>
+              <a:r>
+                <a:rPr lang="en-US" dirty="0">
+                  <a:solidFill>
+                    <a:srgbClr val="FF0000"/>
+                  </a:solidFill>
+                </a:rPr>
+                <a:t>A</a:t>
+              </a:r>
+              <a:endParaRPr lang="cs-CZ" dirty="0">
+                <a:solidFill>
+                  <a:srgbClr val="FF0000"/>
+                </a:solidFill>
+              </a:endParaRPr>
+            </a:p>
+          </p:txBody>
+        </p:sp>
+      </p:grpSp>
+      <p:grpSp>
+        <p:nvGrpSpPr>
+          <p:cNvPr id="7" name="Skupina 6">
+            <a:extLst>
+              <a:ext uri="{FF2B5EF4-FFF2-40B4-BE49-F238E27FC236}">
+                <a16:creationId xmlns:a16="http://schemas.microsoft.com/office/drawing/2014/main" id="{5FEA069B-D8A3-42CD-BA53-7262832AA3D3}"/>
+              </a:ext>
+            </a:extLst>
+          </p:cNvPr>
+          <p:cNvGrpSpPr/>
+          <p:nvPr/>
+        </p:nvGrpSpPr>
+        <p:grpSpPr>
+          <a:xfrm>
+            <a:off x="5301650" y="1334531"/>
+            <a:ext cx="1975296" cy="2211390"/>
+            <a:chOff x="5597440" y="1286190"/>
+            <a:chExt cx="1975296" cy="2211390"/>
+          </a:xfrm>
+        </p:grpSpPr>
+        <p:pic>
+          <p:nvPicPr>
+            <p:cNvPr id="12" name="Obrázek 11">
+              <a:extLst>
+                <a:ext uri="{FF2B5EF4-FFF2-40B4-BE49-F238E27FC236}">
+                  <a16:creationId xmlns:a16="http://schemas.microsoft.com/office/drawing/2014/main" id="{9BFEB844-911C-458D-BB71-C075A614D70B}"/>
+                </a:ext>
+              </a:extLst>
+            </p:cNvPr>
+            <p:cNvPicPr>
+              <a:picLocks noChangeAspect="1"/>
+            </p:cNvPicPr>
+            <p:nvPr/>
+          </p:nvPicPr>
+          <p:blipFill>
+            <a:blip r:embed="rId3"/>
+            <a:stretch>
+              <a:fillRect/>
+            </a:stretch>
+          </p:blipFill>
+          <p:spPr>
+            <a:xfrm>
+              <a:off x="5616232" y="1584960"/>
+              <a:ext cx="1956504" cy="1912620"/>
+            </a:xfrm>
+            <a:prstGeom prst="rect">
+              <a:avLst/>
+            </a:prstGeom>
+          </p:spPr>
+        </p:pic>
+        <p:sp>
+          <p:nvSpPr>
+            <p:cNvPr id="10" name="TextovéPole 9">
+              <a:extLst>
+                <a:ext uri="{FF2B5EF4-FFF2-40B4-BE49-F238E27FC236}">
+                  <a16:creationId xmlns:a16="http://schemas.microsoft.com/office/drawing/2014/main" id="{FA003E57-519B-4F76-BB12-908C8E7121B2}"/>
+                </a:ext>
+              </a:extLst>
+            </p:cNvPr>
+            <p:cNvSpPr txBox="1"/>
+            <p:nvPr/>
+          </p:nvSpPr>
+          <p:spPr>
+            <a:xfrm>
+              <a:off x="5597440" y="1286190"/>
+              <a:ext cx="213841" cy="369332"/>
+            </a:xfrm>
+            <a:prstGeom prst="rect">
+              <a:avLst/>
+            </a:prstGeom>
+            <a:noFill/>
+          </p:spPr>
+          <p:txBody>
+            <a:bodyPr wrap="square" rtlCol="0">
+              <a:spAutoFit/>
+            </a:bodyPr>
+            <a:lstStyle/>
+            <a:p>
+              <a:r>
+                <a:rPr lang="en-US" dirty="0">
+                  <a:solidFill>
+                    <a:srgbClr val="FF0000"/>
+                  </a:solidFill>
+                </a:rPr>
+                <a:t>C</a:t>
+              </a:r>
+              <a:endParaRPr lang="cs-CZ" dirty="0">
+                <a:solidFill>
+                  <a:srgbClr val="FF0000"/>
+                </a:solidFill>
+              </a:endParaRPr>
+            </a:p>
+          </p:txBody>
+        </p:sp>
+      </p:grpSp>
+      <p:grpSp>
+        <p:nvGrpSpPr>
+          <p:cNvPr id="16" name="Skupina 15">
+            <a:extLst>
+              <a:ext uri="{FF2B5EF4-FFF2-40B4-BE49-F238E27FC236}">
+                <a16:creationId xmlns:a16="http://schemas.microsoft.com/office/drawing/2014/main" id="{40B9792F-F96B-45EC-A38D-38F31C4D2DA2}"/>
+              </a:ext>
+            </a:extLst>
+          </p:cNvPr>
+          <p:cNvGrpSpPr/>
+          <p:nvPr/>
+        </p:nvGrpSpPr>
+        <p:grpSpPr>
+          <a:xfrm>
+            <a:off x="5301650" y="3800554"/>
+            <a:ext cx="2730421" cy="3024901"/>
+            <a:chOff x="5659468" y="3550206"/>
+            <a:chExt cx="2730421" cy="3024901"/>
+          </a:xfrm>
+        </p:grpSpPr>
+        <p:pic>
+          <p:nvPicPr>
+            <p:cNvPr id="13" name="Obrázek 12">
+              <a:extLst>
+                <a:ext uri="{FF2B5EF4-FFF2-40B4-BE49-F238E27FC236}">
+                  <a16:creationId xmlns:a16="http://schemas.microsoft.com/office/drawing/2014/main" id="{3AEE0FB6-C3D1-4835-8A57-283A3FFA62EE}"/>
+                </a:ext>
+              </a:extLst>
+            </p:cNvPr>
+            <p:cNvPicPr>
+              <a:picLocks noChangeAspect="1"/>
+            </p:cNvPicPr>
+            <p:nvPr/>
+          </p:nvPicPr>
+          <p:blipFill>
+            <a:blip r:embed="rId4"/>
+            <a:stretch>
+              <a:fillRect/>
+            </a:stretch>
+          </p:blipFill>
+          <p:spPr>
+            <a:xfrm>
+              <a:off x="5678260" y="3924300"/>
+              <a:ext cx="2711629" cy="2650807"/>
+            </a:xfrm>
+            <a:prstGeom prst="rect">
+              <a:avLst/>
+            </a:prstGeom>
+          </p:spPr>
+        </p:pic>
+        <p:sp>
+          <p:nvSpPr>
+            <p:cNvPr id="11" name="TextovéPole 10">
+              <a:extLst>
+                <a:ext uri="{FF2B5EF4-FFF2-40B4-BE49-F238E27FC236}">
+                  <a16:creationId xmlns:a16="http://schemas.microsoft.com/office/drawing/2014/main" id="{7ADA5499-F6ED-418A-A017-A143280986D5}"/>
+                </a:ext>
+              </a:extLst>
+            </p:cNvPr>
+            <p:cNvSpPr txBox="1"/>
+            <p:nvPr/>
+          </p:nvSpPr>
+          <p:spPr>
+            <a:xfrm>
+              <a:off x="5659468" y="3550206"/>
+              <a:ext cx="364202" cy="369332"/>
+            </a:xfrm>
+            <a:prstGeom prst="rect">
+              <a:avLst/>
+            </a:prstGeom>
+            <a:noFill/>
+          </p:spPr>
+          <p:txBody>
+            <a:bodyPr wrap="none" rtlCol="0">
+              <a:spAutoFit/>
+            </a:bodyPr>
+            <a:lstStyle/>
+            <a:p>
+              <a:r>
+                <a:rPr lang="en-US" dirty="0">
+                  <a:solidFill>
+                    <a:srgbClr val="FF0000"/>
+                  </a:solidFill>
+                </a:rPr>
+                <a:t>D</a:t>
+              </a:r>
+              <a:endParaRPr lang="cs-CZ" dirty="0">
+                <a:solidFill>
+                  <a:srgbClr val="FF0000"/>
+                </a:solidFill>
+              </a:endParaRPr>
+            </a:p>
+          </p:txBody>
+        </p:sp>
+      </p:grpSp>
+      <p:grpSp>
+        <p:nvGrpSpPr>
+          <p:cNvPr id="17" name="Skupina 16">
+            <a:extLst>
+              <a:ext uri="{FF2B5EF4-FFF2-40B4-BE49-F238E27FC236}">
+                <a16:creationId xmlns:a16="http://schemas.microsoft.com/office/drawing/2014/main" id="{80C69E0B-9EDC-4E8F-BD2B-15E023D55D1E}"/>
+              </a:ext>
+            </a:extLst>
+          </p:cNvPr>
+          <p:cNvGrpSpPr/>
+          <p:nvPr/>
+        </p:nvGrpSpPr>
+        <p:grpSpPr>
+          <a:xfrm>
+            <a:off x="8458199" y="1355061"/>
+            <a:ext cx="2594795" cy="2610063"/>
+            <a:chOff x="8940040" y="1116991"/>
+            <a:chExt cx="2778560" cy="2802547"/>
+          </a:xfrm>
+        </p:grpSpPr>
+        <p:pic>
+          <p:nvPicPr>
+            <p:cNvPr id="14" name="Obrázek 13">
+              <a:extLst>
+                <a:ext uri="{FF2B5EF4-FFF2-40B4-BE49-F238E27FC236}">
+                  <a16:creationId xmlns:a16="http://schemas.microsoft.com/office/drawing/2014/main" id="{F3A96C3C-75B7-48C6-8AEB-AA471231941D}"/>
+                </a:ext>
+              </a:extLst>
+            </p:cNvPr>
+            <p:cNvPicPr>
+              <a:picLocks noChangeAspect="1"/>
+            </p:cNvPicPr>
+            <p:nvPr/>
+          </p:nvPicPr>
+          <p:blipFill>
+            <a:blip r:embed="rId5"/>
+            <a:stretch>
+              <a:fillRect/>
+            </a:stretch>
+          </p:blipFill>
+          <p:spPr>
+            <a:xfrm>
+              <a:off x="9006971" y="1268731"/>
+              <a:ext cx="2711629" cy="2650807"/>
+            </a:xfrm>
+            <a:prstGeom prst="rect">
+              <a:avLst/>
+            </a:prstGeom>
+          </p:spPr>
+        </p:pic>
+        <p:sp>
+          <p:nvSpPr>
+            <p:cNvPr id="15" name="TextovéPole 14">
+              <a:extLst>
+                <a:ext uri="{FF2B5EF4-FFF2-40B4-BE49-F238E27FC236}">
+                  <a16:creationId xmlns:a16="http://schemas.microsoft.com/office/drawing/2014/main" id="{E98D1235-0CE0-4CF2-A91C-9E3D6450BA40}"/>
+                </a:ext>
+              </a:extLst>
+            </p:cNvPr>
+            <p:cNvSpPr txBox="1"/>
+            <p:nvPr/>
+          </p:nvSpPr>
+          <p:spPr>
+            <a:xfrm>
+              <a:off x="8940040" y="1116991"/>
+              <a:ext cx="351378" cy="369332"/>
+            </a:xfrm>
+            <a:prstGeom prst="rect">
+              <a:avLst/>
+            </a:prstGeom>
+            <a:noFill/>
+          </p:spPr>
+          <p:txBody>
+            <a:bodyPr wrap="none" rtlCol="0">
+              <a:spAutoFit/>
+            </a:bodyPr>
+            <a:lstStyle/>
+            <a:p>
+              <a:r>
+                <a:rPr lang="en-US" dirty="0">
+                  <a:solidFill>
+                    <a:srgbClr val="FF0000"/>
+                  </a:solidFill>
+                </a:rPr>
+                <a:t>E</a:t>
+              </a:r>
+              <a:endParaRPr lang="cs-CZ" dirty="0">
+                <a:solidFill>
+                  <a:srgbClr val="FF0000"/>
+                </a:solidFill>
+              </a:endParaRPr>
+            </a:p>
+          </p:txBody>
+        </p:sp>
+      </p:grpSp>
+      <p:grpSp>
+        <p:nvGrpSpPr>
+          <p:cNvPr id="31" name="Skupina 30">
+            <a:extLst>
+              <a:ext uri="{FF2B5EF4-FFF2-40B4-BE49-F238E27FC236}">
+                <a16:creationId xmlns:a16="http://schemas.microsoft.com/office/drawing/2014/main" id="{05CF8E29-E3AE-4260-8700-1C2E0A82E470}"/>
+              </a:ext>
+            </a:extLst>
+          </p:cNvPr>
+          <p:cNvGrpSpPr/>
+          <p:nvPr/>
+        </p:nvGrpSpPr>
+        <p:grpSpPr>
+          <a:xfrm>
+            <a:off x="108958" y="4207309"/>
+            <a:ext cx="1811209" cy="2503446"/>
+            <a:chOff x="108958" y="4207309"/>
+            <a:chExt cx="1811209" cy="2503446"/>
+          </a:xfrm>
+        </p:grpSpPr>
+        <p:sp>
+          <p:nvSpPr>
+            <p:cNvPr id="9" name="TextovéPole 8">
+              <a:extLst>
+                <a:ext uri="{FF2B5EF4-FFF2-40B4-BE49-F238E27FC236}">
+                  <a16:creationId xmlns:a16="http://schemas.microsoft.com/office/drawing/2014/main" id="{BEB6768E-81A7-4127-A6FE-F04B87C538C2}"/>
+                </a:ext>
+              </a:extLst>
+            </p:cNvPr>
+            <p:cNvSpPr txBox="1"/>
+            <p:nvPr/>
+          </p:nvSpPr>
+          <p:spPr>
+            <a:xfrm>
+              <a:off x="108958" y="4207309"/>
+              <a:ext cx="351378" cy="369332"/>
+            </a:xfrm>
+            <a:prstGeom prst="rect">
+              <a:avLst/>
+            </a:prstGeom>
+            <a:noFill/>
+          </p:spPr>
+          <p:txBody>
+            <a:bodyPr wrap="none" rtlCol="0">
+              <a:spAutoFit/>
+            </a:bodyPr>
+            <a:lstStyle/>
+            <a:p>
+              <a:r>
+                <a:rPr lang="en-US" dirty="0">
+                  <a:solidFill>
+                    <a:srgbClr val="FF0000"/>
+                  </a:solidFill>
+                </a:rPr>
+                <a:t>B</a:t>
+              </a:r>
+              <a:endParaRPr lang="cs-CZ" dirty="0">
+                <a:solidFill>
+                  <a:srgbClr val="FF0000"/>
+                </a:solidFill>
+              </a:endParaRPr>
+            </a:p>
+          </p:txBody>
+        </p:sp>
+        <p:pic>
+          <p:nvPicPr>
+            <p:cNvPr id="30" name="Obrázek 29">
+              <a:extLst>
+                <a:ext uri="{FF2B5EF4-FFF2-40B4-BE49-F238E27FC236}">
+                  <a16:creationId xmlns:a16="http://schemas.microsoft.com/office/drawing/2014/main" id="{4B96008B-A6C9-4FD6-A361-C1E116850709}"/>
+                </a:ext>
+              </a:extLst>
+            </p:cNvPr>
+            <p:cNvPicPr>
+              <a:picLocks noChangeAspect="1"/>
+            </p:cNvPicPr>
+            <p:nvPr/>
+          </p:nvPicPr>
+          <p:blipFill>
+            <a:blip r:embed="rId6"/>
+            <a:stretch>
+              <a:fillRect/>
+            </a:stretch>
+          </p:blipFill>
+          <p:spPr>
+            <a:xfrm>
+              <a:off x="213198" y="4540165"/>
+              <a:ext cx="1706969" cy="2170590"/>
+            </a:xfrm>
+            <a:prstGeom prst="rect">
+              <a:avLst/>
+            </a:prstGeom>
+          </p:spPr>
+        </p:pic>
+      </p:grpSp>
+    </p:spTree>
+    <p:extLst>
+      <p:ext uri="{BB962C8B-B14F-4D97-AF65-F5344CB8AC3E}">
+        <p14:creationId xmlns:p14="http://schemas.microsoft.com/office/powerpoint/2010/main" val="2931907626"/>
+      </p:ext>
+    </p:extLst>
+  </p:cSld>
+  <p:clrMapOvr>
+    <a:masterClrMapping/>
+  </p:clrMapOvr>
+</p:sld>
+</file>
+
+<file path=ppt/slides/slide5.xml><?xml version="1.0" encoding="utf-8"?>
+<p:sld xmlns:a="http://schemas.openxmlformats.org/drawingml/2006/main" xmlns:r="http://schemas.openxmlformats.org/officeDocument/2006/relationships" xmlns:p="http://schemas.openxmlformats.org/presentationml/2006/main">
+  <p:cSld>
+    <p:spTree>
+      <p:nvGrpSpPr>
+        <p:cNvPr id="1" name=""/>
+        <p:cNvGrpSpPr/>
+        <p:nvPr/>
+      </p:nvGrpSpPr>
+      <p:grpSpPr>
+        <a:xfrm>
+          <a:off x="0" y="0"/>
+          <a:ext cx="0" cy="0"/>
+          <a:chOff x="0" y="0"/>
+          <a:chExt cx="0" cy="0"/>
+        </a:xfrm>
+      </p:grpSpPr>
       <p:sp>
         <p:nvSpPr>
           <p:cNvPr id="2" name="Nadpis 1">
@@ -4084,170 +5253,252 @@
         </p:nvSpPr>
         <p:spPr/>
         <p:txBody>
-          <a:bodyPr/>
+          <a:bodyPr anchor="t">
+            <a:normAutofit/>
+          </a:bodyPr>
           <a:lstStyle/>
           <a:p>
             <a:r>
-              <a:rPr lang="cs-CZ" dirty="0"/>
-              <a:t>Instalace aplikace</a:t>
-            </a:r>
-          </a:p>
-        </p:txBody>
-      </p:sp>
-      <p:sp>
-        <p:nvSpPr>
-          <p:cNvPr id="4" name="TextovéPole 3">
+              <a:rPr lang="cs-CZ" sz="3600" dirty="0"/>
+              <a:t>Postup instalace: B-Instalace aplikace</a:t>
+            </a:r>
+          </a:p>
+        </p:txBody>
+      </p:sp>
+      <p:grpSp>
+        <p:nvGrpSpPr>
+          <p:cNvPr id="10" name="Skupina 9">
             <a:extLst>
               <a:ext uri="{FF2B5EF4-FFF2-40B4-BE49-F238E27FC236}">
-                <a16:creationId xmlns:a16="http://schemas.microsoft.com/office/drawing/2014/main" id="{08E30A5E-B8E4-4492-B1FF-71C888764D1C}"/>
+                <a16:creationId xmlns:a16="http://schemas.microsoft.com/office/drawing/2014/main" id="{FF46D53B-A9B5-47C4-BF6C-ED7B914543E6}"/>
               </a:ext>
             </a:extLst>
           </p:cNvPr>
-          <p:cNvSpPr txBox="1"/>
+          <p:cNvGrpSpPr/>
           <p:nvPr/>
-        </p:nvSpPr>
-        <p:spPr>
+        </p:nvGrpSpPr>
+        <p:grpSpPr>
           <a:xfrm>
-            <a:off x="215591" y="1321356"/>
-            <a:ext cx="327334" cy="369332"/>
+            <a:off x="227694" y="958215"/>
+            <a:ext cx="4724398" cy="2928381"/>
+            <a:chOff x="227694" y="958215"/>
+            <a:chExt cx="4724398" cy="2928381"/>
           </a:xfrm>
-          <a:prstGeom prst="rect">
-            <a:avLst/>
-          </a:prstGeom>
-          <a:noFill/>
-        </p:spPr>
-        <p:txBody>
-          <a:bodyPr wrap="none" rtlCol="0">
-            <a:spAutoFit/>
-          </a:bodyPr>
-          <a:lstStyle/>
-          <a:p>
-            <a:r>
-              <a:rPr lang="cs-CZ" dirty="0">
-                <a:solidFill>
-                  <a:schemeClr val="accent2"/>
-                </a:solidFill>
-              </a:rPr>
-              <a:t>A</a:t>
-            </a:r>
-          </a:p>
-        </p:txBody>
-      </p:sp>
-      <p:sp>
-        <p:nvSpPr>
-          <p:cNvPr id="6" name="Šipka: doleva 5">
+        </p:grpSpPr>
+        <p:pic>
+          <p:nvPicPr>
+            <p:cNvPr id="9" name="Obrázek 8">
+              <a:extLst>
+                <a:ext uri="{FF2B5EF4-FFF2-40B4-BE49-F238E27FC236}">
+                  <a16:creationId xmlns:a16="http://schemas.microsoft.com/office/drawing/2014/main" id="{17D333E7-93AD-43DF-A5CD-6BCC9D905F81}"/>
+                </a:ext>
+              </a:extLst>
+            </p:cNvPr>
+            <p:cNvPicPr>
+              <a:picLocks noChangeAspect="1"/>
+            </p:cNvPicPr>
+            <p:nvPr/>
+          </p:nvPicPr>
+          <p:blipFill>
+            <a:blip r:embed="rId2"/>
+            <a:stretch>
+              <a:fillRect/>
+            </a:stretch>
+          </p:blipFill>
+          <p:spPr>
+            <a:xfrm>
+              <a:off x="227694" y="1327547"/>
+              <a:ext cx="4724398" cy="2559049"/>
+            </a:xfrm>
+            <a:prstGeom prst="rect">
+              <a:avLst/>
+            </a:prstGeom>
+          </p:spPr>
+        </p:pic>
+        <p:sp>
+          <p:nvSpPr>
+            <p:cNvPr id="4" name="TextovéPole 3">
+              <a:extLst>
+                <a:ext uri="{FF2B5EF4-FFF2-40B4-BE49-F238E27FC236}">
+                  <a16:creationId xmlns:a16="http://schemas.microsoft.com/office/drawing/2014/main" id="{08E30A5E-B8E4-4492-B1FF-71C888764D1C}"/>
+                </a:ext>
+              </a:extLst>
+            </p:cNvPr>
+            <p:cNvSpPr txBox="1"/>
+            <p:nvPr/>
+          </p:nvSpPr>
+          <p:spPr>
+            <a:xfrm>
+              <a:off x="227694" y="958215"/>
+              <a:ext cx="351378" cy="369332"/>
+            </a:xfrm>
+            <a:prstGeom prst="rect">
+              <a:avLst/>
+            </a:prstGeom>
+            <a:noFill/>
+          </p:spPr>
+          <p:txBody>
+            <a:bodyPr wrap="none" rtlCol="0">
+              <a:spAutoFit/>
+            </a:bodyPr>
+            <a:lstStyle/>
+            <a:p>
+              <a:r>
+                <a:rPr lang="cs-CZ" dirty="0">
+                  <a:solidFill>
+                    <a:srgbClr val="FF0000"/>
+                  </a:solidFill>
+                </a:rPr>
+                <a:t>A</a:t>
+              </a:r>
+            </a:p>
+          </p:txBody>
+        </p:sp>
+        <p:sp>
+          <p:nvSpPr>
+            <p:cNvPr id="6" name="Šipka: doleva 5">
+              <a:extLst>
+                <a:ext uri="{FF2B5EF4-FFF2-40B4-BE49-F238E27FC236}">
+                  <a16:creationId xmlns:a16="http://schemas.microsoft.com/office/drawing/2014/main" id="{F9F918D7-60DF-408F-8E2E-2C3F656A66A5}"/>
+                </a:ext>
+              </a:extLst>
+            </p:cNvPr>
+            <p:cNvSpPr/>
+            <p:nvPr/>
+          </p:nvSpPr>
+          <p:spPr>
+            <a:xfrm>
+              <a:off x="1684972" y="1957387"/>
+              <a:ext cx="510540" cy="121920"/>
+            </a:xfrm>
+            <a:prstGeom prst="leftArrow">
+              <a:avLst/>
+            </a:prstGeom>
+            <a:solidFill>
+              <a:srgbClr val="FF0000"/>
+            </a:solidFill>
+            <a:ln>
+              <a:solidFill>
+                <a:srgbClr val="FF0000"/>
+              </a:solidFill>
+            </a:ln>
+          </p:spPr>
+          <p:style>
+            <a:lnRef idx="2">
+              <a:schemeClr val="accent2">
+                <a:shade val="50000"/>
+              </a:schemeClr>
+            </a:lnRef>
+            <a:fillRef idx="1">
+              <a:schemeClr val="accent2"/>
+            </a:fillRef>
+            <a:effectRef idx="0">
+              <a:schemeClr val="accent2"/>
+            </a:effectRef>
+            <a:fontRef idx="minor">
+              <a:schemeClr val="lt1"/>
+            </a:fontRef>
+          </p:style>
+          <p:txBody>
+            <a:bodyPr rtlCol="0" anchor="ctr"/>
+            <a:lstStyle/>
+            <a:p>
+              <a:pPr algn="ctr"/>
+              <a:endParaRPr lang="cs-CZ"/>
+            </a:p>
+          </p:txBody>
+        </p:sp>
+      </p:grpSp>
+      <p:grpSp>
+        <p:nvGrpSpPr>
+          <p:cNvPr id="13" name="Skupina 12">
             <a:extLst>
               <a:ext uri="{FF2B5EF4-FFF2-40B4-BE49-F238E27FC236}">
-                <a16:creationId xmlns:a16="http://schemas.microsoft.com/office/drawing/2014/main" id="{F9F918D7-60DF-408F-8E2E-2C3F656A66A5}"/>
+                <a16:creationId xmlns:a16="http://schemas.microsoft.com/office/drawing/2014/main" id="{0A470187-8201-48B2-ACC4-E6DEAA97CE45}"/>
               </a:ext>
             </a:extLst>
           </p:cNvPr>
-          <p:cNvSpPr/>
+          <p:cNvGrpSpPr/>
           <p:nvPr/>
-        </p:nvSpPr>
-        <p:spPr>
+        </p:nvGrpSpPr>
+        <p:grpSpPr>
           <a:xfrm>
-            <a:off x="1737360" y="1935480"/>
-            <a:ext cx="510540" cy="121920"/>
+            <a:off x="227694" y="3985561"/>
+            <a:ext cx="3895614" cy="2771940"/>
+            <a:chOff x="227694" y="3985561"/>
+            <a:chExt cx="3895614" cy="2771940"/>
           </a:xfrm>
-          <a:prstGeom prst="leftArrow">
-            <a:avLst/>
-          </a:prstGeom>
-        </p:spPr>
-        <p:style>
-          <a:lnRef idx="2">
-            <a:schemeClr val="accent2">
-              <a:shade val="50000"/>
-            </a:schemeClr>
-          </a:lnRef>
-          <a:fillRef idx="1">
-            <a:schemeClr val="accent2"/>
-          </a:fillRef>
-          <a:effectRef idx="0">
-            <a:schemeClr val="accent2"/>
-          </a:effectRef>
-          <a:fontRef idx="minor">
-            <a:schemeClr val="lt1"/>
-          </a:fontRef>
-        </p:style>
-        <p:txBody>
-          <a:bodyPr rtlCol="0" anchor="ctr"/>
-          <a:lstStyle/>
-          <a:p>
-            <a:pPr algn="ctr"/>
-            <a:endParaRPr lang="cs-CZ"/>
-          </a:p>
-        </p:txBody>
-      </p:sp>
-      <p:pic>
-        <p:nvPicPr>
-          <p:cNvPr id="7" name="Obrázek 6">
-            <a:extLst>
-              <a:ext uri="{FF2B5EF4-FFF2-40B4-BE49-F238E27FC236}">
-                <a16:creationId xmlns:a16="http://schemas.microsoft.com/office/drawing/2014/main" id="{24316B38-8693-46E8-BC9D-0184DD3BA655}"/>
-              </a:ext>
-            </a:extLst>
-          </p:cNvPr>
-          <p:cNvPicPr>
-            <a:picLocks noChangeAspect="1"/>
-          </p:cNvPicPr>
-          <p:nvPr/>
-        </p:nvPicPr>
-        <p:blipFill>
-          <a:blip r:embed="rId3"/>
-          <a:stretch>
-            <a:fillRect/>
-          </a:stretch>
-        </p:blipFill>
-        <p:spPr>
-          <a:xfrm>
-            <a:off x="334528" y="4146867"/>
-            <a:ext cx="3826744" cy="2435734"/>
-          </a:xfrm>
-          <a:prstGeom prst="rect">
-            <a:avLst/>
-          </a:prstGeom>
-        </p:spPr>
-      </p:pic>
-      <p:sp>
-        <p:nvSpPr>
-          <p:cNvPr id="8" name="TextovéPole 7">
-            <a:extLst>
-              <a:ext uri="{FF2B5EF4-FFF2-40B4-BE49-F238E27FC236}">
-                <a16:creationId xmlns:a16="http://schemas.microsoft.com/office/drawing/2014/main" id="{499D354B-EAF9-40AA-948A-14989667507E}"/>
-              </a:ext>
-            </a:extLst>
-          </p:cNvPr>
-          <p:cNvSpPr txBox="1"/>
-          <p:nvPr/>
-        </p:nvSpPr>
-        <p:spPr>
-          <a:xfrm>
-            <a:off x="334528" y="4146867"/>
-            <a:ext cx="309700" cy="369332"/>
-          </a:xfrm>
-          <a:prstGeom prst="rect">
-            <a:avLst/>
-          </a:prstGeom>
-          <a:noFill/>
-        </p:spPr>
-        <p:txBody>
-          <a:bodyPr wrap="none" rtlCol="0">
-            <a:spAutoFit/>
-          </a:bodyPr>
-          <a:lstStyle/>
-          <a:p>
-            <a:r>
-              <a:rPr lang="cs-CZ" dirty="0">
-                <a:solidFill>
-                  <a:schemeClr val="accent2"/>
-                </a:solidFill>
-              </a:rPr>
-              <a:t>B</a:t>
-            </a:r>
-          </a:p>
-        </p:txBody>
-      </p:sp>
+        </p:grpSpPr>
+        <p:sp>
+          <p:nvSpPr>
+            <p:cNvPr id="8" name="TextovéPole 7">
+              <a:extLst>
+                <a:ext uri="{FF2B5EF4-FFF2-40B4-BE49-F238E27FC236}">
+                  <a16:creationId xmlns:a16="http://schemas.microsoft.com/office/drawing/2014/main" id="{499D354B-EAF9-40AA-948A-14989667507E}"/>
+                </a:ext>
+              </a:extLst>
+            </p:cNvPr>
+            <p:cNvSpPr txBox="1"/>
+            <p:nvPr/>
+          </p:nvSpPr>
+          <p:spPr>
+            <a:xfrm>
+              <a:off x="227694" y="3985561"/>
+              <a:ext cx="351378" cy="369332"/>
+            </a:xfrm>
+            <a:prstGeom prst="rect">
+              <a:avLst/>
+            </a:prstGeom>
+            <a:noFill/>
+          </p:spPr>
+          <p:txBody>
+            <a:bodyPr wrap="none" rtlCol="0">
+              <a:spAutoFit/>
+            </a:bodyPr>
+            <a:lstStyle/>
+            <a:p>
+              <a:r>
+                <a:rPr lang="cs-CZ" dirty="0">
+                  <a:solidFill>
+                    <a:srgbClr val="FF0000"/>
+                  </a:solidFill>
+                </a:rPr>
+                <a:t>B</a:t>
+              </a:r>
+            </a:p>
+          </p:txBody>
+        </p:sp>
+        <p:pic>
+          <p:nvPicPr>
+            <p:cNvPr id="12" name="Obrázek 11">
+              <a:extLst>
+                <a:ext uri="{FF2B5EF4-FFF2-40B4-BE49-F238E27FC236}">
+                  <a16:creationId xmlns:a16="http://schemas.microsoft.com/office/drawing/2014/main" id="{EB0CC611-FDDE-4EDC-8814-D3040FB814B4}"/>
+                </a:ext>
+              </a:extLst>
+            </p:cNvPr>
+            <p:cNvPicPr>
+              <a:picLocks noChangeAspect="1"/>
+            </p:cNvPicPr>
+            <p:nvPr/>
+          </p:nvPicPr>
+          <p:blipFill>
+            <a:blip r:embed="rId3"/>
+            <a:stretch>
+              <a:fillRect/>
+            </a:stretch>
+          </p:blipFill>
+          <p:spPr>
+            <a:xfrm>
+              <a:off x="267716" y="4303405"/>
+              <a:ext cx="3855592" cy="2454096"/>
+            </a:xfrm>
+            <a:prstGeom prst="rect">
+              <a:avLst/>
+            </a:prstGeom>
+          </p:spPr>
+        </p:pic>
+      </p:grpSp>
     </p:spTree>
     <p:extLst>
       <p:ext uri="{BB962C8B-B14F-4D97-AF65-F5344CB8AC3E}">
@@ -4262,110 +5513,58 @@
 </file>
 
 <file path=ppt/theme/theme1.xml><?xml version="1.0" encoding="utf-8"?>
-<a:theme xmlns:a="http://schemas.openxmlformats.org/drawingml/2006/main" name="Motiv Office">
+<a:theme xmlns:a="http://schemas.openxmlformats.org/drawingml/2006/main" name="Pohled">
   <a:themeElements>
-    <a:clrScheme name="Office">
+    <a:clrScheme name="Pohled">
       <a:dk1>
-        <a:sysClr val="windowText" lastClr="000000"/>
+        <a:srgbClr val="000000"/>
       </a:dk1>
       <a:lt1>
-        <a:sysClr val="window" lastClr="FFFFFF"/>
+        <a:srgbClr val="FFFFFF"/>
       </a:lt1>
       <a:dk2>
-        <a:srgbClr val="44546A"/>
+        <a:srgbClr val="46464A"/>
       </a:dk2>
       <a:lt2>
-        <a:srgbClr val="E7E6E6"/>
+        <a:srgbClr val="D6D3CC"/>
       </a:lt2>
       <a:accent1>
-        <a:srgbClr val="4472C4"/>
+        <a:srgbClr val="6F6F74"/>
       </a:accent1>
       <a:accent2>
-        <a:srgbClr val="ED7D31"/>
+        <a:srgbClr val="92A9B9"/>
       </a:accent2>
       <a:accent3>
-        <a:srgbClr val="A5A5A5"/>
+        <a:srgbClr val="A7B789"/>
       </a:accent3>
       <a:accent4>
-        <a:srgbClr val="FFC000"/>
+        <a:srgbClr val="B9A489"/>
       </a:accent4>
       <a:accent5>
-        <a:srgbClr val="5B9BD5"/>
+        <a:srgbClr val="8D6374"/>
       </a:accent5>
       <a:accent6>
-        <a:srgbClr val="70AD47"/>
+        <a:srgbClr val="9B7362"/>
       </a:accent6>
       <a:hlink>
-        <a:srgbClr val="0563C1"/>
+        <a:srgbClr val="67AABF"/>
       </a:hlink>
       <a:folHlink>
-        <a:srgbClr val="954F72"/>
+        <a:srgbClr val="ABAFA5"/>
       </a:folHlink>
     </a:clrScheme>
-    <a:fontScheme name="Office">
+    <a:fontScheme name="Pohled">
       <a:majorFont>
-        <a:latin typeface="Calibri Light" panose="020F0302020204030204"/>
+        <a:latin typeface="Century Schoolbook" panose="02040604050505020304"/>
         <a:ea typeface=""/>
         <a:cs typeface=""/>
-        <a:font script="Jpan" typeface="游ゴシック Light"/>
+        <a:font script="Jpan" typeface="ＭＳ ゴシック"/>
         <a:font script="Hang" typeface="맑은 고딕"/>
-        <a:font script="Hans" typeface="等线 Light"/>
+        <a:font script="Hans" typeface="宋体"/>
         <a:font script="Hant" typeface="新細明體"/>
-        <a:font script="Arab" typeface="Times New Roman"/>
-        <a:font script="Hebr" typeface="Times New Roman"/>
-        <a:font script="Thai" typeface="Angsana New"/>
-        <a:font script="Ethi" typeface="Nyala"/>
-        <a:font script="Beng" typeface="Vrinda"/>
-        <a:font script="Gujr" typeface="Shruti"/>
-        <a:font script="Khmr" typeface="MoolBoran"/>
-        <a:font script="Knda" typeface="Tunga"/>
-        <a:font script="Guru" typeface="Raavi"/>
-        <a:font script="Cans" typeface="Euphemia"/>
-        <a:font script="Cher" typeface="Plantagenet Cherokee"/>
-        <a:font script="Yiii" typeface="Microsoft Yi Baiti"/>
-        <a:font script="Tibt" typeface="Microsoft Himalaya"/>
-        <a:font script="Thaa" typeface="MV Boli"/>
-        <a:font script="Deva" typeface="Mangal"/>
-        <a:font script="Telu" typeface="Gautami"/>
-        <a:font script="Taml" typeface="Latha"/>
-        <a:font script="Syrc" typeface="Estrangelo Edessa"/>
-        <a:font script="Orya" typeface="Kalinga"/>
-        <a:font script="Mlym" typeface="Kartika"/>
-        <a:font script="Laoo" typeface="DokChampa"/>
-        <a:font script="Sinh" typeface="Iskoola Pota"/>
-        <a:font script="Mong" typeface="Mongolian Baiti"/>
-        <a:font script="Viet" typeface="Times New Roman"/>
-        <a:font script="Uigh" typeface="Microsoft Uighur"/>
-        <a:font script="Geor" typeface="Sylfaen"/>
-        <a:font script="Armn" typeface="Arial"/>
-        <a:font script="Bugi" typeface="Leelawadee UI"/>
-        <a:font script="Bopo" typeface="Microsoft JhengHei"/>
-        <a:font script="Java" typeface="Javanese Text"/>
-        <a:font script="Lisu" typeface="Segoe UI"/>
-        <a:font script="Mymr" typeface="Myanmar Text"/>
-        <a:font script="Nkoo" typeface="Ebrima"/>
-        <a:font script="Olck" typeface="Nirmala UI"/>
-        <a:font script="Osma" typeface="Ebrima"/>
-        <a:font script="Phag" typeface="Phagspa"/>
-        <a:font script="Syrn" typeface="Estrangelo Edessa"/>
-        <a:font script="Syrj" typeface="Estrangelo Edessa"/>
-        <a:font script="Syre" typeface="Estrangelo Edessa"/>
-        <a:font script="Sora" typeface="Nirmala UI"/>
-        <a:font script="Tale" typeface="Microsoft Tai Le"/>
-        <a:font script="Talu" typeface="Microsoft New Tai Lue"/>
-        <a:font script="Tfng" typeface="Ebrima"/>
-      </a:majorFont>
-      <a:minorFont>
-        <a:latin typeface="Calibri" panose="020F0502020204030204"/>
-        <a:ea typeface=""/>
-        <a:cs typeface=""/>
-        <a:font script="Jpan" typeface="游ゴシック"/>
-        <a:font script="Hang" typeface="맑은 고딕"/>
-        <a:font script="Hans" typeface="等线"/>
-        <a:font script="Hant" typeface="新細明體"/>
-        <a:font script="Arab" typeface="Arial"/>
-        <a:font script="Hebr" typeface="Arial"/>
-        <a:font script="Thai" typeface="Cordia New"/>
+        <a:font script="Arab" typeface="Tahoma"/>
+        <a:font script="Hebr" typeface="Gisha"/>
+        <a:font script="Thai" typeface="DilleniaUPC"/>
         <a:font script="Ethi" typeface="Nyala"/>
         <a:font script="Beng" typeface="Vrinda"/>
         <a:font script="Gujr" typeface="Shruti"/>
@@ -4386,107 +5585,86 @@
         <a:font script="Laoo" typeface="DokChampa"/>
         <a:font script="Sinh" typeface="Iskoola Pota"/>
         <a:font script="Mong" typeface="Mongolian Baiti"/>
-        <a:font script="Viet" typeface="Arial"/>
+        <a:font script="Viet" typeface="Tahoma"/>
         <a:font script="Uigh" typeface="Microsoft Uighur"/>
         <a:font script="Geor" typeface="Sylfaen"/>
-        <a:font script="Armn" typeface="Arial"/>
-        <a:font script="Bugi" typeface="Leelawadee UI"/>
-        <a:font script="Bopo" typeface="Microsoft JhengHei"/>
-        <a:font script="Java" typeface="Javanese Text"/>
-        <a:font script="Lisu" typeface="Segoe UI"/>
-        <a:font script="Mymr" typeface="Myanmar Text"/>
-        <a:font script="Nkoo" typeface="Ebrima"/>
-        <a:font script="Olck" typeface="Nirmala UI"/>
-        <a:font script="Osma" typeface="Ebrima"/>
-        <a:font script="Phag" typeface="Phagspa"/>
-        <a:font script="Syrn" typeface="Estrangelo Edessa"/>
-        <a:font script="Syrj" typeface="Estrangelo Edessa"/>
-        <a:font script="Syre" typeface="Estrangelo Edessa"/>
-        <a:font script="Sora" typeface="Nirmala UI"/>
-        <a:font script="Tale" typeface="Microsoft Tai Le"/>
-        <a:font script="Talu" typeface="Microsoft New Tai Lue"/>
-        <a:font script="Tfng" typeface="Ebrima"/>
+      </a:majorFont>
+      <a:minorFont>
+        <a:latin typeface="Century Schoolbook" panose="02040604050505020304"/>
+        <a:ea typeface=""/>
+        <a:cs typeface=""/>
+        <a:font script="Jpan" typeface="ＭＳ ゴシック"/>
+        <a:font script="Hang" typeface="맑은 고딕"/>
+        <a:font script="Hans" typeface="宋体"/>
+        <a:font script="Hant" typeface="新細明體"/>
+        <a:font script="Arab" typeface="Tahoma"/>
+        <a:font script="Hebr" typeface="Gisha"/>
+        <a:font script="Thai" typeface="DilleniaUPC"/>
+        <a:font script="Ethi" typeface="Nyala"/>
+        <a:font script="Beng" typeface="Vrinda"/>
+        <a:font script="Gujr" typeface="Shruti"/>
+        <a:font script="Khmr" typeface="DaunPenh"/>
+        <a:font script="Knda" typeface="Tunga"/>
+        <a:font script="Guru" typeface="Raavi"/>
+        <a:font script="Cans" typeface="Euphemia"/>
+        <a:font script="Cher" typeface="Plantagenet Cherokee"/>
+        <a:font script="Yiii" typeface="Microsoft Yi Baiti"/>
+        <a:font script="Tibt" typeface="Microsoft Himalaya"/>
+        <a:font script="Thaa" typeface="MV Boli"/>
+        <a:font script="Deva" typeface="Mangal"/>
+        <a:font script="Telu" typeface="Gautami"/>
+        <a:font script="Taml" typeface="Latha"/>
+        <a:font script="Syrc" typeface="Estrangelo Edessa"/>
+        <a:font script="Orya" typeface="Kalinga"/>
+        <a:font script="Mlym" typeface="Kartika"/>
+        <a:font script="Laoo" typeface="DokChampa"/>
+        <a:font script="Sinh" typeface="Iskoola Pota"/>
+        <a:font script="Mong" typeface="Mongolian Baiti"/>
+        <a:font script="Viet" typeface="Verdana"/>
+        <a:font script="Uigh" typeface="Microsoft Uighur"/>
+        <a:font script="Geor" typeface="Sylfaen"/>
       </a:minorFont>
     </a:fontScheme>
-    <a:fmtScheme name="Office">
+    <a:fmtScheme name="Pohled">
       <a:fillStyleLst>
         <a:solidFill>
           <a:schemeClr val="phClr"/>
         </a:solidFill>
-        <a:gradFill rotWithShape="1">
-          <a:gsLst>
-            <a:gs pos="0">
-              <a:schemeClr val="phClr">
-                <a:lumMod val="110000"/>
-                <a:satMod val="105000"/>
-                <a:tint val="67000"/>
-              </a:schemeClr>
-            </a:gs>
-            <a:gs pos="50000">
-              <a:schemeClr val="phClr">
-                <a:lumMod val="105000"/>
-                <a:satMod val="103000"/>
-                <a:tint val="73000"/>
-              </a:schemeClr>
-            </a:gs>
-            <a:gs pos="100000">
-              <a:schemeClr val="phClr">
-                <a:lumMod val="105000"/>
-                <a:satMod val="109000"/>
-                <a:tint val="81000"/>
-              </a:schemeClr>
-            </a:gs>
-          </a:gsLst>
-          <a:lin ang="5400000" scaled="0"/>
-        </a:gradFill>
-        <a:gradFill rotWithShape="1">
-          <a:gsLst>
-            <a:gs pos="0">
-              <a:schemeClr val="phClr">
-                <a:satMod val="103000"/>
-                <a:lumMod val="102000"/>
-                <a:tint val="94000"/>
-              </a:schemeClr>
-            </a:gs>
-            <a:gs pos="50000">
-              <a:schemeClr val="phClr">
-                <a:satMod val="110000"/>
-                <a:lumMod val="100000"/>
-                <a:shade val="100000"/>
-              </a:schemeClr>
-            </a:gs>
-            <a:gs pos="100000">
-              <a:schemeClr val="phClr">
-                <a:lumMod val="99000"/>
-                <a:satMod val="120000"/>
-                <a:shade val="78000"/>
-              </a:schemeClr>
-            </a:gs>
-          </a:gsLst>
-          <a:lin ang="5400000" scaled="0"/>
-        </a:gradFill>
+        <a:solidFill>
+          <a:schemeClr val="phClr">
+            <a:tint val="60000"/>
+            <a:satMod val="120000"/>
+          </a:schemeClr>
+        </a:solidFill>
+        <a:solidFill>
+          <a:schemeClr val="phClr">
+            <a:shade val="75000"/>
+            <a:satMod val="160000"/>
+          </a:schemeClr>
+        </a:solidFill>
       </a:fillStyleLst>
       <a:lnStyleLst>
-        <a:ln w="6350" cap="flat" cmpd="sng" algn="ctr">
+        <a:ln w="9525" cap="flat" cmpd="sng" algn="ctr">
           <a:solidFill>
             <a:schemeClr val="phClr"/>
           </a:solidFill>
           <a:prstDash val="solid"/>
-          <a:miter lim="800000"/>
         </a:ln>
-        <a:ln w="12700" cap="flat" cmpd="sng" algn="ctr">
+        <a:ln w="13970" cap="flat" cmpd="sng" algn="ctr">
           <a:solidFill>
             <a:schemeClr val="phClr"/>
           </a:solidFill>
           <a:prstDash val="solid"/>
-          <a:miter lim="800000"/>
         </a:ln>
-        <a:ln w="19050" cap="flat" cmpd="sng" algn="ctr">
+        <a:ln w="17145" cap="flat" cmpd="sng" algn="ctr">
           <a:solidFill>
-            <a:schemeClr val="phClr"/>
+            <a:schemeClr val="phClr">
+              <a:shade val="95000"/>
+              <a:alpha val="95000"/>
+              <a:satMod val="150000"/>
+            </a:schemeClr>
           </a:solidFill>
           <a:prstDash val="solid"/>
-          <a:miter lim="800000"/>
         </a:ln>
       </a:lnStyleLst>
       <a:effectStyleLst>
@@ -4494,16 +5672,52 @@
           <a:effectLst/>
         </a:effectStyle>
         <a:effectStyle>
-          <a:effectLst/>
+          <a:effectLst>
+            <a:outerShdw blurRad="50800" dist="15240" dir="5400000" algn="tl" rotWithShape="0">
+              <a:srgbClr val="000000">
+                <a:alpha val="75000"/>
+              </a:srgbClr>
+            </a:outerShdw>
+          </a:effectLst>
+          <a:scene3d>
+            <a:camera prst="orthographicFront">
+              <a:rot lat="0" lon="0" rev="0"/>
+            </a:camera>
+            <a:lightRig rig="brightRoom" dir="tl"/>
+          </a:scene3d>
+          <a:sp3d contourW="9525" prstMaterial="flat">
+            <a:bevelT w="0" h="0" prst="coolSlant"/>
+            <a:contourClr>
+              <a:schemeClr val="phClr">
+                <a:shade val="35000"/>
+                <a:satMod val="130000"/>
+              </a:schemeClr>
+            </a:contourClr>
+          </a:sp3d>
         </a:effectStyle>
         <a:effectStyle>
           <a:effectLst>
-            <a:outerShdw blurRad="57150" dist="19050" dir="5400000" algn="ctr" rotWithShape="0">
+            <a:outerShdw blurRad="76200" dist="25400" dir="5400000" algn="tl" rotWithShape="0">
               <a:srgbClr val="000000">
-                <a:alpha val="63000"/>
+                <a:alpha val="55000"/>
               </a:srgbClr>
             </a:outerShdw>
           </a:effectLst>
+          <a:scene3d>
+            <a:camera prst="orthographicFront">
+              <a:rot lat="0" lon="0" rev="0"/>
+            </a:camera>
+            <a:lightRig rig="brightRoom" dir="tl"/>
+          </a:scene3d>
+          <a:sp3d contourW="19050" prstMaterial="flat">
+            <a:bevelT w="0" h="0" prst="coolSlant"/>
+            <a:contourClr>
+              <a:schemeClr val="phClr">
+                <a:shade val="25000"/>
+                <a:satMod val="140000"/>
+              </a:schemeClr>
+            </a:contourClr>
+          </a:sp3d>
         </a:effectStyle>
       </a:effectStyleLst>
       <a:bgFillStyleLst>
@@ -4520,28 +5734,23 @@
           <a:gsLst>
             <a:gs pos="0">
               <a:schemeClr val="phClr">
-                <a:tint val="93000"/>
-                <a:satMod val="150000"/>
+                <a:tint val="94000"/>
                 <a:shade val="98000"/>
+                <a:satMod val="130000"/>
                 <a:lumMod val="102000"/>
-              </a:schemeClr>
-            </a:gs>
-            <a:gs pos="50000">
-              <a:schemeClr val="phClr">
-                <a:tint val="98000"/>
-                <a:satMod val="130000"/>
-                <a:shade val="90000"/>
-                <a:lumMod val="103000"/>
               </a:schemeClr>
             </a:gs>
             <a:gs pos="100000">
               <a:schemeClr val="phClr">
-                <a:shade val="63000"/>
-                <a:satMod val="120000"/>
+                <a:tint val="98000"/>
+                <a:shade val="78000"/>
+                <a:satMod val="140000"/>
               </a:schemeClr>
             </a:gs>
           </a:gsLst>
-          <a:lin ang="5400000" scaled="0"/>
+          <a:path path="circle">
+            <a:fillToRect l="100000" t="100000" r="100000" b="100000"/>
+          </a:path>
         </a:gradFill>
       </a:bgFillStyleLst>
     </a:fmtScheme>
@@ -4550,7 +5759,7 @@
   <a:extraClrSchemeLst/>
   <a:extLst>
     <a:ext uri="{05A4C25C-085E-4340-85A3-A5531E510DB2}">
-      <thm15:themeFamily xmlns:thm15="http://schemas.microsoft.com/office/thememl/2012/main" name="Office Theme" id="{62F939B6-93AF-4DB8-9C6B-D6C7DFDC589F}" vid="{4A3C46E8-61CC-4603-A589-7422A47A8E4A}"/>
+      <thm15:themeFamily xmlns:thm15="http://schemas.microsoft.com/office/thememl/2012/main" name="View" id="{BA0EB5A6-F2D4-4F82-977B-64ADEE4A2A69}" vid="{3969A8A2-35DB-4E3B-8885-16FD20568674}"/>
     </a:ext>
   </a:extLst>
 </a:theme>
